--- a/오픈소스최종발표자료v6.pptx
+++ b/오픈소스최종발표자료v6.pptx
@@ -193,10 +193,9 @@
           <a:lstStyle/>
           <a:p>
             <a:r>
-              <a:rPr lang="ko-KR" altLang="en-US" smtClean="0"/>
+              <a:rPr lang="ko-KR" altLang="en-US"/>
               <a:t>마스터 제목 스타일 편집</a:t>
             </a:r>
-            <a:endParaRPr lang="ko-KR" altLang="en-US"/>
           </a:p>
         </p:txBody>
       </p:sp>
@@ -312,10 +311,9 @@
           </a:lstStyle>
           <a:p>
             <a:r>
-              <a:rPr lang="ko-KR" altLang="en-US" smtClean="0"/>
+              <a:rPr lang="ko-KR" altLang="en-US"/>
               <a:t>마스터 부제목 스타일 편집</a:t>
             </a:r>
-            <a:endParaRPr lang="ko-KR" altLang="en-US"/>
           </a:p>
         </p:txBody>
       </p:sp>
@@ -425,10 +423,9 @@
           <a:lstStyle/>
           <a:p>
             <a:r>
-              <a:rPr lang="ko-KR" altLang="en-US" smtClean="0"/>
+              <a:rPr lang="ko-KR" altLang="en-US"/>
               <a:t>마스터 제목 스타일 편집</a:t>
             </a:r>
-            <a:endParaRPr lang="ko-KR" altLang="en-US"/>
           </a:p>
         </p:txBody>
       </p:sp>
@@ -449,38 +446,37 @@
           <a:p>
             <a:pPr lvl="0"/>
             <a:r>
-              <a:rPr lang="ko-KR" altLang="en-US" smtClean="0"/>
+              <a:rPr lang="ko-KR" altLang="en-US"/>
               <a:t>마스터 텍스트 스타일을 편집합니다</a:t>
             </a:r>
           </a:p>
           <a:p>
             <a:pPr lvl="1"/>
             <a:r>
-              <a:rPr lang="ko-KR" altLang="en-US" smtClean="0"/>
+              <a:rPr lang="ko-KR" altLang="en-US"/>
               <a:t>둘째 수준</a:t>
             </a:r>
           </a:p>
           <a:p>
             <a:pPr lvl="2"/>
             <a:r>
-              <a:rPr lang="ko-KR" altLang="en-US" smtClean="0"/>
+              <a:rPr lang="ko-KR" altLang="en-US"/>
               <a:t>셋째 수준</a:t>
             </a:r>
           </a:p>
           <a:p>
             <a:pPr lvl="3"/>
             <a:r>
-              <a:rPr lang="ko-KR" altLang="en-US" smtClean="0"/>
+              <a:rPr lang="ko-KR" altLang="en-US"/>
               <a:t>넷째 수준</a:t>
             </a:r>
           </a:p>
           <a:p>
             <a:pPr lvl="4"/>
             <a:r>
-              <a:rPr lang="ko-KR" altLang="en-US" smtClean="0"/>
+              <a:rPr lang="ko-KR" altLang="en-US"/>
               <a:t>다섯째 수준</a:t>
             </a:r>
-            <a:endParaRPr lang="ko-KR" altLang="en-US"/>
           </a:p>
         </p:txBody>
       </p:sp>
@@ -595,10 +591,9 @@
           <a:lstStyle/>
           <a:p>
             <a:r>
-              <a:rPr lang="ko-KR" altLang="en-US" smtClean="0"/>
+              <a:rPr lang="ko-KR" altLang="en-US"/>
               <a:t>마스터 제목 스타일 편집</a:t>
             </a:r>
-            <a:endParaRPr lang="ko-KR" altLang="en-US"/>
           </a:p>
         </p:txBody>
       </p:sp>
@@ -624,38 +619,37 @@
           <a:p>
             <a:pPr lvl="0"/>
             <a:r>
-              <a:rPr lang="ko-KR" altLang="en-US" smtClean="0"/>
+              <a:rPr lang="ko-KR" altLang="en-US"/>
               <a:t>마스터 텍스트 스타일을 편집합니다</a:t>
             </a:r>
           </a:p>
           <a:p>
             <a:pPr lvl="1"/>
             <a:r>
-              <a:rPr lang="ko-KR" altLang="en-US" smtClean="0"/>
+              <a:rPr lang="ko-KR" altLang="en-US"/>
               <a:t>둘째 수준</a:t>
             </a:r>
           </a:p>
           <a:p>
             <a:pPr lvl="2"/>
             <a:r>
-              <a:rPr lang="ko-KR" altLang="en-US" smtClean="0"/>
+              <a:rPr lang="ko-KR" altLang="en-US"/>
               <a:t>셋째 수준</a:t>
             </a:r>
           </a:p>
           <a:p>
             <a:pPr lvl="3"/>
             <a:r>
-              <a:rPr lang="ko-KR" altLang="en-US" smtClean="0"/>
+              <a:rPr lang="ko-KR" altLang="en-US"/>
               <a:t>넷째 수준</a:t>
             </a:r>
           </a:p>
           <a:p>
             <a:pPr lvl="4"/>
             <a:r>
-              <a:rPr lang="ko-KR" altLang="en-US" smtClean="0"/>
+              <a:rPr lang="ko-KR" altLang="en-US"/>
               <a:t>다섯째 수준</a:t>
             </a:r>
-            <a:endParaRPr lang="ko-KR" altLang="en-US"/>
           </a:p>
         </p:txBody>
       </p:sp>
@@ -765,10 +759,9 @@
           <a:lstStyle/>
           <a:p>
             <a:r>
-              <a:rPr lang="ko-KR" altLang="en-US" smtClean="0"/>
+              <a:rPr lang="ko-KR" altLang="en-US"/>
               <a:t>마스터 제목 스타일 편집</a:t>
             </a:r>
-            <a:endParaRPr lang="ko-KR" altLang="en-US"/>
           </a:p>
         </p:txBody>
       </p:sp>
@@ -789,38 +782,37 @@
           <a:p>
             <a:pPr lvl="0"/>
             <a:r>
-              <a:rPr lang="ko-KR" altLang="en-US" smtClean="0"/>
+              <a:rPr lang="ko-KR" altLang="en-US"/>
               <a:t>마스터 텍스트 스타일을 편집합니다</a:t>
             </a:r>
           </a:p>
           <a:p>
             <a:pPr lvl="1"/>
             <a:r>
-              <a:rPr lang="ko-KR" altLang="en-US" smtClean="0"/>
+              <a:rPr lang="ko-KR" altLang="en-US"/>
               <a:t>둘째 수준</a:t>
             </a:r>
           </a:p>
           <a:p>
             <a:pPr lvl="2"/>
             <a:r>
-              <a:rPr lang="ko-KR" altLang="en-US" smtClean="0"/>
+              <a:rPr lang="ko-KR" altLang="en-US"/>
               <a:t>셋째 수준</a:t>
             </a:r>
           </a:p>
           <a:p>
             <a:pPr lvl="3"/>
             <a:r>
-              <a:rPr lang="ko-KR" altLang="en-US" smtClean="0"/>
+              <a:rPr lang="ko-KR" altLang="en-US"/>
               <a:t>넷째 수준</a:t>
             </a:r>
           </a:p>
           <a:p>
             <a:pPr lvl="4"/>
             <a:r>
-              <a:rPr lang="ko-KR" altLang="en-US" smtClean="0"/>
+              <a:rPr lang="ko-KR" altLang="en-US"/>
               <a:t>다섯째 수준</a:t>
             </a:r>
-            <a:endParaRPr lang="ko-KR" altLang="en-US"/>
           </a:p>
         </p:txBody>
       </p:sp>
@@ -939,10 +931,9 @@
           </a:lstStyle>
           <a:p>
             <a:r>
-              <a:rPr lang="ko-KR" altLang="en-US" smtClean="0"/>
+              <a:rPr lang="ko-KR" altLang="en-US"/>
               <a:t>마스터 제목 스타일 편집</a:t>
             </a:r>
-            <a:endParaRPr lang="ko-KR" altLang="en-US"/>
           </a:p>
         </p:txBody>
       </p:sp>
@@ -1059,7 +1050,7 @@
           <a:p>
             <a:pPr lvl="0"/>
             <a:r>
-              <a:rPr lang="ko-KR" altLang="en-US" smtClean="0"/>
+              <a:rPr lang="ko-KR" altLang="en-US"/>
               <a:t>마스터 텍스트 스타일을 편집합니다</a:t>
             </a:r>
           </a:p>
@@ -1171,10 +1162,9 @@
           <a:lstStyle/>
           <a:p>
             <a:r>
-              <a:rPr lang="ko-KR" altLang="en-US" smtClean="0"/>
+              <a:rPr lang="ko-KR" altLang="en-US"/>
               <a:t>마스터 제목 스타일 편집</a:t>
             </a:r>
-            <a:endParaRPr lang="ko-KR" altLang="en-US"/>
           </a:p>
         </p:txBody>
       </p:sp>
@@ -1228,38 +1218,37 @@
           <a:p>
             <a:pPr lvl="0"/>
             <a:r>
-              <a:rPr lang="ko-KR" altLang="en-US" smtClean="0"/>
+              <a:rPr lang="ko-KR" altLang="en-US"/>
               <a:t>마스터 텍스트 스타일을 편집합니다</a:t>
             </a:r>
           </a:p>
           <a:p>
             <a:pPr lvl="1"/>
             <a:r>
-              <a:rPr lang="ko-KR" altLang="en-US" smtClean="0"/>
+              <a:rPr lang="ko-KR" altLang="en-US"/>
               <a:t>둘째 수준</a:t>
             </a:r>
           </a:p>
           <a:p>
             <a:pPr lvl="2"/>
             <a:r>
-              <a:rPr lang="ko-KR" altLang="en-US" smtClean="0"/>
+              <a:rPr lang="ko-KR" altLang="en-US"/>
               <a:t>셋째 수준</a:t>
             </a:r>
           </a:p>
           <a:p>
             <a:pPr lvl="3"/>
             <a:r>
-              <a:rPr lang="ko-KR" altLang="en-US" smtClean="0"/>
+              <a:rPr lang="ko-KR" altLang="en-US"/>
               <a:t>넷째 수준</a:t>
             </a:r>
           </a:p>
           <a:p>
             <a:pPr lvl="4"/>
             <a:r>
-              <a:rPr lang="ko-KR" altLang="en-US" smtClean="0"/>
+              <a:rPr lang="ko-KR" altLang="en-US"/>
               <a:t>다섯째 수준</a:t>
             </a:r>
-            <a:endParaRPr lang="ko-KR" altLang="en-US"/>
           </a:p>
         </p:txBody>
       </p:sp>
@@ -1313,38 +1302,37 @@
           <a:p>
             <a:pPr lvl="0"/>
             <a:r>
-              <a:rPr lang="ko-KR" altLang="en-US" smtClean="0"/>
+              <a:rPr lang="ko-KR" altLang="en-US"/>
               <a:t>마스터 텍스트 스타일을 편집합니다</a:t>
             </a:r>
           </a:p>
           <a:p>
             <a:pPr lvl="1"/>
             <a:r>
-              <a:rPr lang="ko-KR" altLang="en-US" smtClean="0"/>
+              <a:rPr lang="ko-KR" altLang="en-US"/>
               <a:t>둘째 수준</a:t>
             </a:r>
           </a:p>
           <a:p>
             <a:pPr lvl="2"/>
             <a:r>
-              <a:rPr lang="ko-KR" altLang="en-US" smtClean="0"/>
+              <a:rPr lang="ko-KR" altLang="en-US"/>
               <a:t>셋째 수준</a:t>
             </a:r>
           </a:p>
           <a:p>
             <a:pPr lvl="3"/>
             <a:r>
-              <a:rPr lang="ko-KR" altLang="en-US" smtClean="0"/>
+              <a:rPr lang="ko-KR" altLang="en-US"/>
               <a:t>넷째 수준</a:t>
             </a:r>
           </a:p>
           <a:p>
             <a:pPr lvl="4"/>
             <a:r>
-              <a:rPr lang="ko-KR" altLang="en-US" smtClean="0"/>
+              <a:rPr lang="ko-KR" altLang="en-US"/>
               <a:t>다섯째 수준</a:t>
             </a:r>
-            <a:endParaRPr lang="ko-KR" altLang="en-US"/>
           </a:p>
         </p:txBody>
       </p:sp>
@@ -1458,10 +1446,9 @@
           </a:lstStyle>
           <a:p>
             <a:r>
-              <a:rPr lang="ko-KR" altLang="en-US" smtClean="0"/>
+              <a:rPr lang="ko-KR" altLang="en-US"/>
               <a:t>마스터 제목 스타일 편집</a:t>
             </a:r>
-            <a:endParaRPr lang="ko-KR" altLang="en-US"/>
           </a:p>
         </p:txBody>
       </p:sp>
@@ -1524,7 +1511,7 @@
           <a:p>
             <a:pPr lvl="0"/>
             <a:r>
-              <a:rPr lang="ko-KR" altLang="en-US" smtClean="0"/>
+              <a:rPr lang="ko-KR" altLang="en-US"/>
               <a:t>마스터 텍스트 스타일을 편집합니다</a:t>
             </a:r>
           </a:p>
@@ -1580,38 +1567,37 @@
           <a:p>
             <a:pPr lvl="0"/>
             <a:r>
-              <a:rPr lang="ko-KR" altLang="en-US" smtClean="0"/>
+              <a:rPr lang="ko-KR" altLang="en-US"/>
               <a:t>마스터 텍스트 스타일을 편집합니다</a:t>
             </a:r>
           </a:p>
           <a:p>
             <a:pPr lvl="1"/>
             <a:r>
-              <a:rPr lang="ko-KR" altLang="en-US" smtClean="0"/>
+              <a:rPr lang="ko-KR" altLang="en-US"/>
               <a:t>둘째 수준</a:t>
             </a:r>
           </a:p>
           <a:p>
             <a:pPr lvl="2"/>
             <a:r>
-              <a:rPr lang="ko-KR" altLang="en-US" smtClean="0"/>
+              <a:rPr lang="ko-KR" altLang="en-US"/>
               <a:t>셋째 수준</a:t>
             </a:r>
           </a:p>
           <a:p>
             <a:pPr lvl="3"/>
             <a:r>
-              <a:rPr lang="ko-KR" altLang="en-US" smtClean="0"/>
+              <a:rPr lang="ko-KR" altLang="en-US"/>
               <a:t>넷째 수준</a:t>
             </a:r>
           </a:p>
           <a:p>
             <a:pPr lvl="4"/>
             <a:r>
-              <a:rPr lang="ko-KR" altLang="en-US" smtClean="0"/>
+              <a:rPr lang="ko-KR" altLang="en-US"/>
               <a:t>다섯째 수준</a:t>
             </a:r>
-            <a:endParaRPr lang="ko-KR" altLang="en-US"/>
           </a:p>
         </p:txBody>
       </p:sp>
@@ -1674,7 +1660,7 @@
           <a:p>
             <a:pPr lvl="0"/>
             <a:r>
-              <a:rPr lang="ko-KR" altLang="en-US" smtClean="0"/>
+              <a:rPr lang="ko-KR" altLang="en-US"/>
               <a:t>마스터 텍스트 스타일을 편집합니다</a:t>
             </a:r>
           </a:p>
@@ -1730,38 +1716,37 @@
           <a:p>
             <a:pPr lvl="0"/>
             <a:r>
-              <a:rPr lang="ko-KR" altLang="en-US" smtClean="0"/>
+              <a:rPr lang="ko-KR" altLang="en-US"/>
               <a:t>마스터 텍스트 스타일을 편집합니다</a:t>
             </a:r>
           </a:p>
           <a:p>
             <a:pPr lvl="1"/>
             <a:r>
-              <a:rPr lang="ko-KR" altLang="en-US" smtClean="0"/>
+              <a:rPr lang="ko-KR" altLang="en-US"/>
               <a:t>둘째 수준</a:t>
             </a:r>
           </a:p>
           <a:p>
             <a:pPr lvl="2"/>
             <a:r>
-              <a:rPr lang="ko-KR" altLang="en-US" smtClean="0"/>
+              <a:rPr lang="ko-KR" altLang="en-US"/>
               <a:t>셋째 수준</a:t>
             </a:r>
           </a:p>
           <a:p>
             <a:pPr lvl="3"/>
             <a:r>
-              <a:rPr lang="ko-KR" altLang="en-US" smtClean="0"/>
+              <a:rPr lang="ko-KR" altLang="en-US"/>
               <a:t>넷째 수준</a:t>
             </a:r>
           </a:p>
           <a:p>
             <a:pPr lvl="4"/>
             <a:r>
-              <a:rPr lang="ko-KR" altLang="en-US" smtClean="0"/>
+              <a:rPr lang="ko-KR" altLang="en-US"/>
               <a:t>다섯째 수준</a:t>
             </a:r>
-            <a:endParaRPr lang="ko-KR" altLang="en-US"/>
           </a:p>
         </p:txBody>
       </p:sp>
@@ -1871,10 +1856,9 @@
           <a:lstStyle/>
           <a:p>
             <a:r>
-              <a:rPr lang="ko-KR" altLang="en-US" smtClean="0"/>
+              <a:rPr lang="ko-KR" altLang="en-US"/>
               <a:t>마스터 제목 스타일 편집</a:t>
             </a:r>
-            <a:endParaRPr lang="ko-KR" altLang="en-US"/>
           </a:p>
         </p:txBody>
       </p:sp>
@@ -2083,10 +2067,9 @@
           </a:lstStyle>
           <a:p>
             <a:r>
-              <a:rPr lang="ko-KR" altLang="en-US" smtClean="0"/>
+              <a:rPr lang="ko-KR" altLang="en-US"/>
               <a:t>마스터 제목 스타일 편집</a:t>
             </a:r>
-            <a:endParaRPr lang="ko-KR" altLang="en-US"/>
           </a:p>
         </p:txBody>
       </p:sp>
@@ -2140,38 +2123,37 @@
           <a:p>
             <a:pPr lvl="0"/>
             <a:r>
-              <a:rPr lang="ko-KR" altLang="en-US" smtClean="0"/>
+              <a:rPr lang="ko-KR" altLang="en-US"/>
               <a:t>마스터 텍스트 스타일을 편집합니다</a:t>
             </a:r>
           </a:p>
           <a:p>
             <a:pPr lvl="1"/>
             <a:r>
-              <a:rPr lang="ko-KR" altLang="en-US" smtClean="0"/>
+              <a:rPr lang="ko-KR" altLang="en-US"/>
               <a:t>둘째 수준</a:t>
             </a:r>
           </a:p>
           <a:p>
             <a:pPr lvl="2"/>
             <a:r>
-              <a:rPr lang="ko-KR" altLang="en-US" smtClean="0"/>
+              <a:rPr lang="ko-KR" altLang="en-US"/>
               <a:t>셋째 수준</a:t>
             </a:r>
           </a:p>
           <a:p>
             <a:pPr lvl="3"/>
             <a:r>
-              <a:rPr lang="ko-KR" altLang="en-US" smtClean="0"/>
+              <a:rPr lang="ko-KR" altLang="en-US"/>
               <a:t>넷째 수준</a:t>
             </a:r>
           </a:p>
           <a:p>
             <a:pPr lvl="4"/>
             <a:r>
-              <a:rPr lang="ko-KR" altLang="en-US" smtClean="0"/>
+              <a:rPr lang="ko-KR" altLang="en-US"/>
               <a:t>다섯째 수준</a:t>
             </a:r>
-            <a:endParaRPr lang="ko-KR" altLang="en-US"/>
           </a:p>
         </p:txBody>
       </p:sp>
@@ -2234,7 +2216,7 @@
           <a:p>
             <a:pPr lvl="0"/>
             <a:r>
-              <a:rPr lang="ko-KR" altLang="en-US" smtClean="0"/>
+              <a:rPr lang="ko-KR" altLang="en-US"/>
               <a:t>마스터 텍스트 스타일을 편집합니다</a:t>
             </a:r>
           </a:p>
@@ -2355,10 +2337,9 @@
           </a:lstStyle>
           <a:p>
             <a:r>
-              <a:rPr lang="ko-KR" altLang="en-US" smtClean="0"/>
+              <a:rPr lang="ko-KR" altLang="en-US"/>
               <a:t>마스터 제목 스타일 편집</a:t>
             </a:r>
-            <a:endParaRPr lang="ko-KR" altLang="en-US"/>
           </a:p>
         </p:txBody>
       </p:sp>
@@ -2482,7 +2463,7 @@
           <a:p>
             <a:pPr lvl="0"/>
             <a:r>
-              <a:rPr lang="ko-KR" altLang="en-US" smtClean="0"/>
+              <a:rPr lang="ko-KR" altLang="en-US"/>
               <a:t>마스터 텍스트 스타일을 편집합니다</a:t>
             </a:r>
           </a:p>
@@ -2612,10 +2593,9 @@
           <a:lstStyle/>
           <a:p>
             <a:r>
-              <a:rPr lang="ko-KR" altLang="en-US" smtClean="0"/>
+              <a:rPr lang="ko-KR" altLang="en-US"/>
               <a:t>마스터 제목 스타일 편집</a:t>
             </a:r>
-            <a:endParaRPr lang="ko-KR" altLang="en-US"/>
           </a:p>
         </p:txBody>
       </p:sp>
@@ -2646,38 +2626,37 @@
           <a:p>
             <a:pPr lvl="0"/>
             <a:r>
-              <a:rPr lang="ko-KR" altLang="en-US" smtClean="0"/>
+              <a:rPr lang="ko-KR" altLang="en-US"/>
               <a:t>마스터 텍스트 스타일을 편집합니다</a:t>
             </a:r>
           </a:p>
           <a:p>
             <a:pPr lvl="1"/>
             <a:r>
-              <a:rPr lang="ko-KR" altLang="en-US" smtClean="0"/>
+              <a:rPr lang="ko-KR" altLang="en-US"/>
               <a:t>둘째 수준</a:t>
             </a:r>
           </a:p>
           <a:p>
             <a:pPr lvl="2"/>
             <a:r>
-              <a:rPr lang="ko-KR" altLang="en-US" smtClean="0"/>
+              <a:rPr lang="ko-KR" altLang="en-US"/>
               <a:t>셋째 수준</a:t>
             </a:r>
           </a:p>
           <a:p>
             <a:pPr lvl="3"/>
             <a:r>
-              <a:rPr lang="ko-KR" altLang="en-US" smtClean="0"/>
+              <a:rPr lang="ko-KR" altLang="en-US"/>
               <a:t>넷째 수준</a:t>
             </a:r>
           </a:p>
           <a:p>
             <a:pPr lvl="4"/>
             <a:r>
-              <a:rPr lang="ko-KR" altLang="en-US" smtClean="0"/>
+              <a:rPr lang="ko-KR" altLang="en-US"/>
               <a:t>다섯째 수준</a:t>
             </a:r>
-            <a:endParaRPr lang="ko-KR" altLang="en-US"/>
           </a:p>
         </p:txBody>
       </p:sp>
@@ -3106,7 +3085,7 @@
         <p:spPr>
           <a:xfrm>
             <a:off x="6876256" y="4797152"/>
-            <a:ext cx="1800200" cy="1077218"/>
+            <a:ext cx="1800200" cy="1200329"/>
           </a:xfrm>
           <a:prstGeom prst="rect">
             <a:avLst/>
@@ -3120,7 +3099,7 @@
           <a:lstStyle/>
           <a:p>
             <a:r>
-              <a:rPr lang="ko-KR" altLang="en-US" sz="1600" dirty="0" smtClean="0">
+              <a:rPr lang="ko-KR" altLang="en-US" dirty="0">
                 <a:ln>
                   <a:solidFill>
                     <a:schemeClr val="bg1">
@@ -3137,7 +3116,7 @@
               <a:t>팀장 </a:t>
             </a:r>
             <a:r>
-              <a:rPr lang="en-US" altLang="ko-KR" sz="1600" dirty="0" smtClean="0">
+              <a:rPr lang="en-US" altLang="ko-KR" dirty="0">
                 <a:ln>
                   <a:solidFill>
                     <a:schemeClr val="bg1">
@@ -3154,7 +3133,7 @@
               <a:t>: </a:t>
             </a:r>
             <a:r>
-              <a:rPr lang="ko-KR" altLang="en-US" sz="1600" dirty="0" err="1" smtClean="0">
+              <a:rPr lang="ko-KR" altLang="en-US" dirty="0" err="1">
                 <a:ln>
                   <a:solidFill>
                     <a:schemeClr val="bg1">
@@ -3170,7 +3149,7 @@
               </a:rPr>
               <a:t>한상명</a:t>
             </a:r>
-            <a:endParaRPr lang="en-US" altLang="ko-KR" sz="1600" dirty="0" smtClean="0">
+            <a:endParaRPr lang="en-US" altLang="ko-KR" dirty="0">
               <a:ln>
                 <a:solidFill>
                   <a:schemeClr val="bg1">
@@ -3187,7 +3166,7 @@
           </a:p>
           <a:p>
             <a:r>
-              <a:rPr lang="ko-KR" altLang="en-US" sz="1600" dirty="0" smtClean="0">
+              <a:rPr lang="ko-KR" altLang="en-US" dirty="0">
                 <a:ln>
                   <a:solidFill>
                     <a:schemeClr val="bg1">
@@ -3204,7 +3183,7 @@
               <a:t>팀원 </a:t>
             </a:r>
             <a:r>
-              <a:rPr lang="en-US" altLang="ko-KR" sz="1600" dirty="0" smtClean="0">
+              <a:rPr lang="en-US" altLang="ko-KR" dirty="0">
                 <a:ln>
                   <a:solidFill>
                     <a:schemeClr val="bg1">
@@ -3221,7 +3200,7 @@
               <a:t>: </a:t>
             </a:r>
             <a:r>
-              <a:rPr lang="ko-KR" altLang="en-US" sz="1600" dirty="0" err="1" smtClean="0">
+              <a:rPr lang="ko-KR" altLang="en-US" dirty="0" err="1">
                 <a:ln>
                   <a:solidFill>
                     <a:schemeClr val="bg1">
@@ -3237,7 +3216,7 @@
               </a:rPr>
               <a:t>이수행</a:t>
             </a:r>
-            <a:endParaRPr lang="en-US" altLang="ko-KR" sz="1600" dirty="0" smtClean="0">
+            <a:endParaRPr lang="en-US" altLang="ko-KR" dirty="0">
               <a:ln>
                 <a:solidFill>
                   <a:schemeClr val="bg1">
@@ -3254,7 +3233,7 @@
           </a:p>
           <a:p>
             <a:r>
-              <a:rPr lang="en-US" altLang="ko-KR" sz="1600" dirty="0">
+              <a:rPr lang="en-US" altLang="ko-KR" dirty="0">
                 <a:ln>
                   <a:solidFill>
                     <a:schemeClr val="bg1">
@@ -3268,10 +3247,10 @@
                 <a:latin typeface="굴림체" panose="020B0609000101010101" pitchFamily="49" charset="-127"/>
                 <a:ea typeface="굴림체" panose="020B0609000101010101" pitchFamily="49" charset="-127"/>
               </a:rPr>
-              <a:t>  </a:t>
-            </a:r>
-            <a:r>
-              <a:rPr lang="en-US" altLang="ko-KR" sz="1600" dirty="0" smtClean="0">
+              <a:t>       </a:t>
+            </a:r>
+            <a:r>
+              <a:rPr lang="ko-KR" altLang="en-US" dirty="0">
                 <a:ln>
                   <a:solidFill>
                     <a:schemeClr val="bg1">
@@ -3285,10 +3264,26 @@
                 <a:latin typeface="굴림체" panose="020B0609000101010101" pitchFamily="49" charset="-127"/>
                 <a:ea typeface="굴림체" panose="020B0609000101010101" pitchFamily="49" charset="-127"/>
               </a:rPr>
-              <a:t>     </a:t>
-            </a:r>
-            <a:r>
-              <a:rPr lang="ko-KR" altLang="en-US" sz="1600" dirty="0" smtClean="0">
+              <a:t>김기영</a:t>
+            </a:r>
+            <a:endParaRPr lang="en-US" altLang="ko-KR" dirty="0">
+              <a:ln>
+                <a:solidFill>
+                  <a:schemeClr val="bg1">
+                    <a:alpha val="0"/>
+                  </a:schemeClr>
+                </a:solidFill>
+              </a:ln>
+              <a:solidFill>
+                <a:srgbClr val="E0CFA3"/>
+              </a:solidFill>
+              <a:latin typeface="굴림체" panose="020B0609000101010101" pitchFamily="49" charset="-127"/>
+              <a:ea typeface="굴림체" panose="020B0609000101010101" pitchFamily="49" charset="-127"/>
+            </a:endParaRPr>
+          </a:p>
+          <a:p>
+            <a:r>
+              <a:rPr lang="en-US" altLang="ko-KR" dirty="0">
                 <a:ln>
                   <a:solidFill>
                     <a:schemeClr val="bg1">
@@ -3302,9 +3297,26 @@
                 <a:latin typeface="굴림체" panose="020B0609000101010101" pitchFamily="49" charset="-127"/>
                 <a:ea typeface="굴림체" panose="020B0609000101010101" pitchFamily="49" charset="-127"/>
               </a:rPr>
-              <a:t>김기영</a:t>
-            </a:r>
-            <a:endParaRPr lang="en-US" altLang="ko-KR" sz="1600" dirty="0" smtClean="0">
+              <a:t>       </a:t>
+            </a:r>
+            <a:r>
+              <a:rPr lang="ko-KR" altLang="en-US" dirty="0" err="1">
+                <a:ln>
+                  <a:solidFill>
+                    <a:schemeClr val="bg1">
+                      <a:alpha val="0"/>
+                    </a:schemeClr>
+                  </a:solidFill>
+                </a:ln>
+                <a:solidFill>
+                  <a:srgbClr val="E0CFA3"/>
+                </a:solidFill>
+                <a:latin typeface="굴림체" panose="020B0609000101010101" pitchFamily="49" charset="-127"/>
+                <a:ea typeface="굴림체" panose="020B0609000101010101" pitchFamily="49" charset="-127"/>
+              </a:rPr>
+              <a:t>최병준</a:t>
+            </a:r>
+            <a:endParaRPr lang="ko-KR" altLang="en-US" dirty="0">
               <a:ln>
                 <a:solidFill>
                   <a:schemeClr val="bg1">
@@ -3319,9 +3331,32 @@
               <a:ea typeface="굴림체" panose="020B0609000101010101" pitchFamily="49" charset="-127"/>
             </a:endParaRPr>
           </a:p>
-          <a:p>
-            <a:r>
-              <a:rPr lang="en-US" altLang="ko-KR" sz="1600" dirty="0">
+        </p:txBody>
+      </p:sp>
+      <p:sp>
+        <p:nvSpPr>
+          <p:cNvPr id="13" name="TextBox 12"/>
+          <p:cNvSpPr txBox="1"/>
+          <p:nvPr/>
+        </p:nvSpPr>
+        <p:spPr>
+          <a:xfrm>
+            <a:off x="683568" y="1844825"/>
+            <a:ext cx="5904656" cy="1015663"/>
+          </a:xfrm>
+          <a:prstGeom prst="rect">
+            <a:avLst/>
+          </a:prstGeom>
+          <a:noFill/>
+        </p:spPr>
+        <p:txBody>
+          <a:bodyPr wrap="square" rtlCol="0">
+            <a:spAutoFit/>
+          </a:bodyPr>
+          <a:lstStyle/>
+          <a:p>
+            <a:r>
+              <a:rPr lang="en-US" altLang="ko-KR" sz="1100" b="1" dirty="0">
                 <a:ln>
                   <a:solidFill>
                     <a:schemeClr val="bg1">
@@ -3335,10 +3370,10 @@
                 <a:latin typeface="굴림체" panose="020B0609000101010101" pitchFamily="49" charset="-127"/>
                 <a:ea typeface="굴림체" panose="020B0609000101010101" pitchFamily="49" charset="-127"/>
               </a:rPr>
-              <a:t> </a:t>
-            </a:r>
-            <a:r>
-              <a:rPr lang="en-US" altLang="ko-KR" sz="1600" dirty="0" smtClean="0">
+              <a:t>PRESENTATION</a:t>
+            </a:r>
+            <a:r>
+              <a:rPr lang="en-US" altLang="ko-KR" sz="2400" b="1" dirty="0">
                 <a:ln>
                   <a:solidFill>
                     <a:schemeClr val="bg1">
@@ -3352,10 +3387,10 @@
                 <a:latin typeface="굴림체" panose="020B0609000101010101" pitchFamily="49" charset="-127"/>
                 <a:ea typeface="굴림체" panose="020B0609000101010101" pitchFamily="49" charset="-127"/>
               </a:rPr>
-              <a:t>      </a:t>
-            </a:r>
-            <a:r>
-              <a:rPr lang="ko-KR" altLang="en-US" sz="1600" dirty="0" err="1" smtClean="0">
+              <a:t>   </a:t>
+            </a:r>
+            <a:r>
+              <a:rPr lang="en-US" altLang="ko-KR" sz="1100" b="1" dirty="0">
                 <a:ln>
                   <a:solidFill>
                     <a:schemeClr val="bg1">
@@ -3369,9 +3404,9 @@
                 <a:latin typeface="굴림체" panose="020B0609000101010101" pitchFamily="49" charset="-127"/>
                 <a:ea typeface="굴림체" panose="020B0609000101010101" pitchFamily="49" charset="-127"/>
               </a:rPr>
-              <a:t>최병준</a:t>
-            </a:r>
-            <a:endParaRPr lang="ko-KR" altLang="en-US" sz="1600" dirty="0">
+              <a:t>2016.12.05</a:t>
+            </a:r>
+            <a:endParaRPr lang="en-US" altLang="ko-KR" sz="2400" b="1" dirty="0">
               <a:ln>
                 <a:solidFill>
                   <a:schemeClr val="bg1">
@@ -3386,32 +3421,9 @@
               <a:ea typeface="굴림체" panose="020B0609000101010101" pitchFamily="49" charset="-127"/>
             </a:endParaRPr>
           </a:p>
-        </p:txBody>
-      </p:sp>
-      <p:sp>
-        <p:nvSpPr>
-          <p:cNvPr id="13" name="TextBox 12"/>
-          <p:cNvSpPr txBox="1"/>
-          <p:nvPr/>
-        </p:nvSpPr>
-        <p:spPr>
-          <a:xfrm>
-            <a:off x="683568" y="1844825"/>
-            <a:ext cx="4824536" cy="954107"/>
-          </a:xfrm>
-          <a:prstGeom prst="rect">
-            <a:avLst/>
-          </a:prstGeom>
-          <a:noFill/>
-        </p:spPr>
-        <p:txBody>
-          <a:bodyPr wrap="square" rtlCol="0">
-            <a:spAutoFit/>
-          </a:bodyPr>
-          <a:lstStyle/>
-          <a:p>
-            <a:r>
-              <a:rPr lang="en-US" altLang="ko-KR" sz="2800" dirty="0" smtClean="0">
+          <a:p>
+            <a:r>
+              <a:rPr lang="ko-KR" altLang="en-US" sz="3600" b="1" dirty="0">
                 <a:ln>
                   <a:solidFill>
                     <a:schemeClr val="bg1">
@@ -3425,12 +3437,10 @@
                 <a:latin typeface="굴림체" panose="020B0609000101010101" pitchFamily="49" charset="-127"/>
                 <a:ea typeface="굴림체" panose="020B0609000101010101" pitchFamily="49" charset="-127"/>
               </a:rPr>
-              <a:t>PRESENTATION   2016.12.05</a:t>
-            </a:r>
-          </a:p>
-          <a:p>
-            <a:r>
-              <a:rPr lang="ko-KR" altLang="en-US" sz="2800" dirty="0" smtClean="0">
+              <a:t>오픈소스 </a:t>
+            </a:r>
+            <a:r>
+              <a:rPr lang="en-US" altLang="ko-KR" sz="3600" b="1" dirty="0">
                 <a:ln>
                   <a:solidFill>
                     <a:schemeClr val="bg1">
@@ -3444,10 +3454,10 @@
                 <a:latin typeface="굴림체" panose="020B0609000101010101" pitchFamily="49" charset="-127"/>
                 <a:ea typeface="굴림체" panose="020B0609000101010101" pitchFamily="49" charset="-127"/>
               </a:rPr>
-              <a:t>오픈소스 </a:t>
-            </a:r>
-            <a:r>
-              <a:rPr lang="en-US" altLang="ko-KR" sz="2800" dirty="0" smtClean="0">
+              <a:t>SW </a:t>
+            </a:r>
+            <a:r>
+              <a:rPr lang="ko-KR" altLang="en-US" sz="3600" b="1" dirty="0">
                 <a:ln>
                   <a:solidFill>
                     <a:schemeClr val="bg1">
@@ -3461,39 +3471,8 @@
                 <a:latin typeface="굴림체" panose="020B0609000101010101" pitchFamily="49" charset="-127"/>
                 <a:ea typeface="굴림체" panose="020B0609000101010101" pitchFamily="49" charset="-127"/>
               </a:rPr>
-              <a:t>SW </a:t>
-            </a:r>
-            <a:r>
-              <a:rPr lang="ko-KR" altLang="en-US" sz="2800" dirty="0" smtClean="0">
-                <a:ln>
-                  <a:solidFill>
-                    <a:schemeClr val="bg1">
-                      <a:alpha val="0"/>
-                    </a:schemeClr>
-                  </a:solidFill>
-                </a:ln>
-                <a:solidFill>
-                  <a:srgbClr val="E0CFA3"/>
-                </a:solidFill>
-                <a:latin typeface="굴림체" panose="020B0609000101010101" pitchFamily="49" charset="-127"/>
-                <a:ea typeface="굴림체" panose="020B0609000101010101" pitchFamily="49" charset="-127"/>
-              </a:rPr>
               <a:t>최종 보고서 </a:t>
             </a:r>
-            <a:endParaRPr lang="ko-KR" altLang="en-US" sz="2800" dirty="0">
-              <a:ln>
-                <a:solidFill>
-                  <a:schemeClr val="bg1">
-                    <a:alpha val="0"/>
-                  </a:schemeClr>
-                </a:solidFill>
-              </a:ln>
-              <a:solidFill>
-                <a:srgbClr val="E0CFA3"/>
-              </a:solidFill>
-              <a:latin typeface="굴림체" panose="020B0609000101010101" pitchFamily="49" charset="-127"/>
-              <a:ea typeface="굴림체" panose="020B0609000101010101" pitchFamily="49" charset="-127"/>
-            </a:endParaRPr>
           </a:p>
         </p:txBody>
       </p:sp>
@@ -3502,13 +3481,6 @@
   <p:clrMapOvr>
     <a:masterClrMapping/>
   </p:clrMapOvr>
-  <p:timing>
-    <p:tnLst>
-      <p:par>
-        <p:cTn id="1" dur="indefinite" restart="never" nodeType="tmRoot"/>
-      </p:par>
-    </p:tnLst>
-  </p:timing>
 </p:sld>
 </file>
 
@@ -3552,7 +3524,7 @@
           <a:lstStyle/>
           <a:p>
             <a:r>
-              <a:rPr lang="en-US" altLang="ko-KR" sz="9600" dirty="0" smtClean="0">
+              <a:rPr lang="en-US" altLang="ko-KR" sz="9600" b="1" dirty="0">
                 <a:solidFill>
                   <a:schemeClr val="tx1">
                     <a:lumMod val="85000"/>
@@ -3564,7 +3536,7 @@
               </a:rPr>
               <a:t>02</a:t>
             </a:r>
-            <a:endParaRPr lang="ko-KR" altLang="en-US" sz="9600" dirty="0">
+            <a:endParaRPr lang="ko-KR" altLang="en-US" sz="9600" b="1" dirty="0">
               <a:solidFill>
                 <a:schemeClr val="tx1">
                   <a:lumMod val="85000"/>
@@ -3654,7 +3626,7 @@
           <a:lstStyle/>
           <a:p>
             <a:r>
-              <a:rPr lang="ko-KR" altLang="en-US" dirty="0" err="1">
+              <a:rPr lang="ko-KR" altLang="en-US" b="1" dirty="0" err="1">
                 <a:ln>
                   <a:solidFill>
                     <a:schemeClr val="bg1">
@@ -3674,7 +3646,7 @@
               <a:t>주제선정</a:t>
             </a:r>
             <a:r>
-              <a:rPr lang="ko-KR" altLang="en-US" dirty="0">
+              <a:rPr lang="ko-KR" altLang="en-US" b="1" dirty="0">
                 <a:ln>
                   <a:solidFill>
                     <a:schemeClr val="bg1">
@@ -3691,45 +3663,8 @@
                 <a:latin typeface="굴림체" panose="020B0609000101010101" pitchFamily="49" charset="-127"/>
                 <a:ea typeface="굴림체" panose="020B0609000101010101" pitchFamily="49" charset="-127"/>
               </a:rPr>
-              <a:t> 및 </a:t>
-            </a:r>
-            <a:r>
-              <a:rPr lang="ko-KR" altLang="en-US" dirty="0" smtClean="0">
-                <a:ln>
-                  <a:solidFill>
-                    <a:schemeClr val="bg1">
-                      <a:alpha val="0"/>
-                    </a:schemeClr>
-                  </a:solidFill>
-                </a:ln>
-                <a:solidFill>
-                  <a:schemeClr val="tx1">
-                    <a:lumMod val="85000"/>
-                    <a:lumOff val="15000"/>
-                  </a:schemeClr>
-                </a:solidFill>
-                <a:latin typeface="굴림체" panose="020B0609000101010101" pitchFamily="49" charset="-127"/>
-                <a:ea typeface="굴림체" panose="020B0609000101010101" pitchFamily="49" charset="-127"/>
-              </a:rPr>
-              <a:t>동기</a:t>
-            </a:r>
-            <a:endParaRPr lang="ko-KR" altLang="en-US" dirty="0">
-              <a:ln>
-                <a:solidFill>
-                  <a:schemeClr val="bg1">
-                    <a:alpha val="0"/>
-                  </a:schemeClr>
-                </a:solidFill>
-              </a:ln>
-              <a:solidFill>
-                <a:schemeClr val="tx1">
-                  <a:lumMod val="85000"/>
-                  <a:lumOff val="15000"/>
-                </a:schemeClr>
-              </a:solidFill>
-              <a:latin typeface="굴림체" panose="020B0609000101010101" pitchFamily="49" charset="-127"/>
-              <a:ea typeface="굴림체" panose="020B0609000101010101" pitchFamily="49" charset="-127"/>
-            </a:endParaRPr>
+              <a:t> 및 동기</a:t>
+            </a:r>
           </a:p>
         </p:txBody>
       </p:sp>
@@ -3856,7 +3791,7 @@
           <a:p>
             <a:pPr algn="ctr"/>
             <a:r>
-              <a:rPr lang="en-US" altLang="ko-KR" dirty="0" smtClean="0">
+              <a:rPr lang="en-US" altLang="ko-KR" dirty="0">
                 <a:solidFill>
                   <a:schemeClr val="tx1"/>
                 </a:solidFill>
@@ -3917,7 +3852,7 @@
           <a:p>
             <a:pPr algn="ctr"/>
             <a:r>
-              <a:rPr lang="en-US" altLang="ko-KR" dirty="0" smtClean="0">
+              <a:rPr lang="en-US" altLang="ko-KR" dirty="0">
                 <a:solidFill>
                   <a:schemeClr val="tx1"/>
                 </a:solidFill>
@@ -4026,7 +3961,7 @@
           <a:p>
             <a:pPr algn="ctr"/>
             <a:r>
-              <a:rPr lang="en-US" altLang="ko-KR" dirty="0" smtClean="0">
+              <a:rPr lang="en-US" altLang="ko-KR" dirty="0">
                 <a:solidFill>
                   <a:schemeClr val="tx1"/>
                 </a:solidFill>
@@ -4087,7 +4022,7 @@
           <a:p>
             <a:pPr algn="ctr"/>
             <a:r>
-              <a:rPr lang="en-US" altLang="ko-KR" dirty="0" err="1" smtClean="0">
+              <a:rPr lang="en-US" altLang="ko-KR" dirty="0" err="1">
                 <a:solidFill>
                   <a:schemeClr val="tx1"/>
                 </a:solidFill>
@@ -4097,7 +4032,7 @@
               <a:t>Zxing</a:t>
             </a:r>
             <a:r>
-              <a:rPr lang="en-US" altLang="ko-KR" dirty="0" smtClean="0">
+              <a:rPr lang="en-US" altLang="ko-KR" dirty="0">
                 <a:solidFill>
                   <a:schemeClr val="tx1"/>
                 </a:solidFill>
@@ -4205,7 +4140,7 @@
           <a:lstStyle/>
           <a:p>
             <a:r>
-              <a:rPr lang="en-US" altLang="ko-KR" dirty="0" smtClean="0">
+              <a:rPr lang="en-US" altLang="ko-KR" dirty="0">
                 <a:latin typeface="굴림체" panose="020B0609000101010101" pitchFamily="49" charset="-127"/>
                 <a:ea typeface="굴림체" panose="020B0609000101010101" pitchFamily="49" charset="-127"/>
               </a:rPr>
@@ -4260,7 +4195,7 @@
           <a:p>
             <a:pPr algn="ctr"/>
             <a:r>
-              <a:rPr lang="en-US" altLang="ko-KR" dirty="0" smtClean="0">
+              <a:rPr lang="en-US" altLang="ko-KR" dirty="0">
                 <a:solidFill>
                   <a:schemeClr val="tx1"/>
                 </a:solidFill>
@@ -4354,7 +4289,7 @@
           <a:p>
             <a:pPr algn="ctr"/>
             <a:r>
-              <a:rPr lang="en-US" altLang="ko-KR" dirty="0" smtClean="0">
+              <a:rPr lang="en-US" altLang="ko-KR" dirty="0">
                 <a:solidFill>
                   <a:schemeClr val="tx1"/>
                 </a:solidFill>
@@ -4383,13 +4318,6 @@
   <p:clrMapOvr>
     <a:masterClrMapping/>
   </p:clrMapOvr>
-  <p:timing>
-    <p:tnLst>
-      <p:par>
-        <p:cTn id="1" dur="indefinite" restart="never" nodeType="tmRoot"/>
-      </p:par>
-    </p:tnLst>
-  </p:timing>
 </p:sld>
 </file>
 
@@ -4433,7 +4361,7 @@
           <a:lstStyle/>
           <a:p>
             <a:r>
-              <a:rPr lang="en-US" altLang="ko-KR" sz="9600" dirty="0" smtClean="0">
+              <a:rPr lang="en-US" altLang="ko-KR" sz="9600" b="1" dirty="0">
                 <a:solidFill>
                   <a:schemeClr val="tx1">
                     <a:lumMod val="85000"/>
@@ -4445,7 +4373,7 @@
               </a:rPr>
               <a:t>02</a:t>
             </a:r>
-            <a:endParaRPr lang="ko-KR" altLang="en-US" sz="9600" dirty="0">
+            <a:endParaRPr lang="ko-KR" altLang="en-US" sz="9600" b="1" dirty="0">
               <a:solidFill>
                 <a:schemeClr val="tx1">
                   <a:lumMod val="85000"/>
@@ -4535,7 +4463,7 @@
           <a:lstStyle/>
           <a:p>
             <a:r>
-              <a:rPr lang="ko-KR" altLang="en-US" dirty="0" err="1">
+              <a:rPr lang="ko-KR" altLang="en-US" b="1" dirty="0" err="1">
                 <a:ln>
                   <a:solidFill>
                     <a:schemeClr val="bg1">
@@ -4555,7 +4483,7 @@
               <a:t>주제선정</a:t>
             </a:r>
             <a:r>
-              <a:rPr lang="ko-KR" altLang="en-US" dirty="0">
+              <a:rPr lang="ko-KR" altLang="en-US" b="1" dirty="0">
                 <a:ln>
                   <a:solidFill>
                     <a:schemeClr val="bg1">
@@ -4572,45 +4500,8 @@
                 <a:latin typeface="굴림체" panose="020B0609000101010101" pitchFamily="49" charset="-127"/>
                 <a:ea typeface="굴림체" panose="020B0609000101010101" pitchFamily="49" charset="-127"/>
               </a:rPr>
-              <a:t> 및 </a:t>
-            </a:r>
-            <a:r>
-              <a:rPr lang="ko-KR" altLang="en-US" dirty="0" smtClean="0">
-                <a:ln>
-                  <a:solidFill>
-                    <a:schemeClr val="bg1">
-                      <a:alpha val="0"/>
-                    </a:schemeClr>
-                  </a:solidFill>
-                </a:ln>
-                <a:solidFill>
-                  <a:schemeClr val="tx1">
-                    <a:lumMod val="85000"/>
-                    <a:lumOff val="15000"/>
-                  </a:schemeClr>
-                </a:solidFill>
-                <a:latin typeface="굴림체" panose="020B0609000101010101" pitchFamily="49" charset="-127"/>
-                <a:ea typeface="굴림체" panose="020B0609000101010101" pitchFamily="49" charset="-127"/>
-              </a:rPr>
-              <a:t>동기</a:t>
-            </a:r>
-            <a:endParaRPr lang="ko-KR" altLang="en-US" dirty="0">
-              <a:ln>
-                <a:solidFill>
-                  <a:schemeClr val="bg1">
-                    <a:alpha val="0"/>
-                  </a:schemeClr>
-                </a:solidFill>
-              </a:ln>
-              <a:solidFill>
-                <a:schemeClr val="tx1">
-                  <a:lumMod val="85000"/>
-                  <a:lumOff val="15000"/>
-                </a:schemeClr>
-              </a:solidFill>
-              <a:latin typeface="굴림체" panose="020B0609000101010101" pitchFamily="49" charset="-127"/>
-              <a:ea typeface="굴림체" panose="020B0609000101010101" pitchFamily="49" charset="-127"/>
-            </a:endParaRPr>
+              <a:t> 및 동기</a:t>
+            </a:r>
           </a:p>
         </p:txBody>
       </p:sp>
@@ -4637,16 +4528,12 @@
           <a:lstStyle/>
           <a:p>
             <a:r>
-              <a:rPr lang="ko-KR" altLang="en-US" dirty="0" smtClean="0">
+              <a:rPr lang="ko-KR" altLang="en-US" dirty="0">
                 <a:latin typeface="굴림체" panose="020B0609000101010101" pitchFamily="49" charset="-127"/>
                 <a:ea typeface="굴림체" panose="020B0609000101010101" pitchFamily="49" charset="-127"/>
               </a:rPr>
               <a:t>현재 완성된 모델</a:t>
             </a:r>
-            <a:endParaRPr lang="ko-KR" altLang="en-US" dirty="0">
-              <a:latin typeface="굴림체" panose="020B0609000101010101" pitchFamily="49" charset="-127"/>
-              <a:ea typeface="굴림체" panose="020B0609000101010101" pitchFamily="49" charset="-127"/>
-            </a:endParaRPr>
           </a:p>
         </p:txBody>
       </p:sp>
@@ -4749,13 +4636,6 @@
   <p:clrMapOvr>
     <a:masterClrMapping/>
   </p:clrMapOvr>
-  <p:timing>
-    <p:tnLst>
-      <p:par>
-        <p:cTn id="1" dur="indefinite" restart="never" nodeType="tmRoot"/>
-      </p:par>
-    </p:tnLst>
-  </p:timing>
 </p:sld>
 </file>
 
@@ -4824,7 +4704,7 @@
             <a:lstStyle/>
             <a:p>
               <a:r>
-                <a:rPr lang="en-US" altLang="ko-KR" sz="30000" dirty="0" smtClean="0">
+                <a:rPr lang="en-US" altLang="ko-KR" sz="30000" b="1" dirty="0">
                   <a:solidFill>
                     <a:srgbClr val="E0CFA3"/>
                   </a:solidFill>
@@ -4833,7 +4713,7 @@
                 </a:rPr>
                 <a:t>3</a:t>
               </a:r>
-              <a:endParaRPr lang="ko-KR" altLang="en-US" sz="30000" dirty="0">
+              <a:endParaRPr lang="ko-KR" altLang="en-US" sz="30000" b="1" dirty="0">
                 <a:solidFill>
                   <a:srgbClr val="E0CFA3"/>
                 </a:solidFill>
@@ -4872,7 +4752,7 @@
             <a:p>
               <a:pPr algn="ctr"/>
               <a:r>
-                <a:rPr lang="en-US" altLang="ko-KR" sz="3600" dirty="0" smtClean="0">
+                <a:rPr lang="en-US" altLang="ko-KR" sz="3600" b="1" dirty="0">
                   <a:solidFill>
                     <a:srgbClr val="E0CFA3"/>
                   </a:solidFill>
@@ -4881,7 +4761,7 @@
                 </a:rPr>
                 <a:t>PART 03</a:t>
               </a:r>
-              <a:endParaRPr lang="ko-KR" altLang="en-US" sz="3600" dirty="0">
+              <a:endParaRPr lang="ko-KR" altLang="en-US" sz="3600" b="1" dirty="0">
                 <a:solidFill>
                   <a:srgbClr val="E0CFA3"/>
                 </a:solidFill>
@@ -4915,7 +4795,7 @@
           <a:lstStyle/>
           <a:p>
             <a:r>
-              <a:rPr lang="ko-KR" altLang="en-US" dirty="0" smtClean="0">
+              <a:rPr lang="ko-KR" altLang="en-US" b="1" dirty="0">
                 <a:ln>
                   <a:solidFill>
                     <a:schemeClr val="bg1">
@@ -4931,20 +4811,6 @@
               </a:rPr>
               <a:t>시연</a:t>
             </a:r>
-            <a:endParaRPr lang="ko-KR" altLang="en-US" dirty="0">
-              <a:ln>
-                <a:solidFill>
-                  <a:schemeClr val="bg1">
-                    <a:alpha val="0"/>
-                  </a:schemeClr>
-                </a:solidFill>
-              </a:ln>
-              <a:solidFill>
-                <a:srgbClr val="E0CFA3"/>
-              </a:solidFill>
-              <a:latin typeface="굴림체" panose="020B0609000101010101" pitchFamily="49" charset="-127"/>
-              <a:ea typeface="굴림체" panose="020B0609000101010101" pitchFamily="49" charset="-127"/>
-            </a:endParaRPr>
           </a:p>
         </p:txBody>
       </p:sp>
@@ -4953,13 +4819,6 @@
   <p:clrMapOvr>
     <a:masterClrMapping/>
   </p:clrMapOvr>
-  <p:timing>
-    <p:tnLst>
-      <p:par>
-        <p:cTn id="1" dur="indefinite" restart="never" nodeType="tmRoot"/>
-      </p:par>
-    </p:tnLst>
-  </p:timing>
 </p:sld>
 </file>
 
@@ -5028,7 +4887,7 @@
             <a:lstStyle/>
             <a:p>
               <a:r>
-                <a:rPr lang="en-US" altLang="ko-KR" sz="30000" dirty="0" smtClean="0">
+                <a:rPr lang="en-US" altLang="ko-KR" sz="30000" b="1" dirty="0">
                   <a:solidFill>
                     <a:srgbClr val="E0CFA3"/>
                   </a:solidFill>
@@ -5037,7 +4896,7 @@
                 </a:rPr>
                 <a:t>4</a:t>
               </a:r>
-              <a:endParaRPr lang="ko-KR" altLang="en-US" sz="30000" dirty="0">
+              <a:endParaRPr lang="ko-KR" altLang="en-US" sz="30000" b="1" dirty="0">
                 <a:solidFill>
                   <a:srgbClr val="E0CFA3"/>
                 </a:solidFill>
@@ -5076,7 +4935,7 @@
             <a:p>
               <a:pPr algn="ctr"/>
               <a:r>
-                <a:rPr lang="en-US" altLang="ko-KR" sz="3600" dirty="0" smtClean="0">
+                <a:rPr lang="en-US" altLang="ko-KR" sz="3600" b="1" dirty="0">
                   <a:solidFill>
                     <a:srgbClr val="E0CFA3"/>
                   </a:solidFill>
@@ -5085,7 +4944,7 @@
                 </a:rPr>
                 <a:t>PART 04</a:t>
               </a:r>
-              <a:endParaRPr lang="ko-KR" altLang="en-US" sz="3600" dirty="0">
+              <a:endParaRPr lang="ko-KR" altLang="en-US" sz="3600" b="1" dirty="0">
                 <a:solidFill>
                   <a:srgbClr val="E0CFA3"/>
                 </a:solidFill>
@@ -5119,7 +4978,7 @@
           <a:lstStyle/>
           <a:p>
             <a:r>
-              <a:rPr lang="ko-KR" altLang="en-US" dirty="0" smtClean="0">
+              <a:rPr lang="ko-KR" altLang="en-US" b="1" dirty="0">
                 <a:ln>
                   <a:solidFill>
                     <a:schemeClr val="bg1">
@@ -5135,20 +4994,6 @@
               </a:rPr>
               <a:t>결론</a:t>
             </a:r>
-            <a:endParaRPr lang="ko-KR" altLang="en-US" dirty="0">
-              <a:ln>
-                <a:solidFill>
-                  <a:schemeClr val="bg1">
-                    <a:alpha val="0"/>
-                  </a:schemeClr>
-                </a:solidFill>
-              </a:ln>
-              <a:solidFill>
-                <a:srgbClr val="E0CFA3"/>
-              </a:solidFill>
-              <a:latin typeface="굴림체" panose="020B0609000101010101" pitchFamily="49" charset="-127"/>
-              <a:ea typeface="굴림체" panose="020B0609000101010101" pitchFamily="49" charset="-127"/>
-            </a:endParaRPr>
           </a:p>
         </p:txBody>
       </p:sp>
@@ -5157,13 +5002,6 @@
   <p:clrMapOvr>
     <a:masterClrMapping/>
   </p:clrMapOvr>
-  <p:timing>
-    <p:tnLst>
-      <p:par>
-        <p:cTn id="1" dur="indefinite" restart="never" nodeType="tmRoot"/>
-      </p:par>
-    </p:tnLst>
-  </p:timing>
 </p:sld>
 </file>
 
@@ -5207,7 +5045,7 @@
           <a:lstStyle/>
           <a:p>
             <a:r>
-              <a:rPr lang="en-US" altLang="ko-KR" sz="9600" dirty="0" smtClean="0">
+              <a:rPr lang="en-US" altLang="ko-KR" sz="9600" b="1" dirty="0">
                 <a:solidFill>
                   <a:schemeClr val="tx1">
                     <a:lumMod val="85000"/>
@@ -5219,7 +5057,7 @@
               </a:rPr>
               <a:t>04</a:t>
             </a:r>
-            <a:endParaRPr lang="ko-KR" altLang="en-US" sz="9600" dirty="0">
+            <a:endParaRPr lang="ko-KR" altLang="en-US" sz="9600" b="1" dirty="0">
               <a:solidFill>
                 <a:schemeClr val="tx1">
                   <a:lumMod val="85000"/>
@@ -5309,7 +5147,7 @@
           <a:lstStyle/>
           <a:p>
             <a:r>
-              <a:rPr lang="ko-KR" altLang="en-US" smtClean="0">
+              <a:rPr lang="ko-KR" altLang="en-US" b="1">
                 <a:ln>
                   <a:solidFill>
                     <a:schemeClr val="bg1">
@@ -5328,7 +5166,7 @@
               </a:rPr>
               <a:t>결론</a:t>
             </a:r>
-            <a:endParaRPr lang="ko-KR" altLang="en-US" dirty="0">
+            <a:endParaRPr lang="ko-KR" altLang="en-US" b="1" dirty="0">
               <a:ln>
                 <a:solidFill>
                   <a:schemeClr val="bg1">
@@ -5423,51 +5261,47 @@
           <a:lstStyle/>
           <a:p>
             <a:r>
-              <a:rPr lang="en-US" altLang="ko-KR" dirty="0" err="1" smtClean="0">
+              <a:rPr lang="en-US" altLang="ko-KR" dirty="0" err="1">
                 <a:latin typeface="굴림체" panose="020B0609000101010101" pitchFamily="49" charset="-127"/>
                 <a:ea typeface="굴림체" panose="020B0609000101010101" pitchFamily="49" charset="-127"/>
               </a:rPr>
               <a:t>Github</a:t>
             </a:r>
             <a:r>
-              <a:rPr lang="ko-KR" altLang="en-US" dirty="0" smtClean="0">
+              <a:rPr lang="ko-KR" altLang="en-US" dirty="0">
                 <a:latin typeface="굴림체" panose="020B0609000101010101" pitchFamily="49" charset="-127"/>
                 <a:ea typeface="굴림체" panose="020B0609000101010101" pitchFamily="49" charset="-127"/>
               </a:rPr>
               <a:t>를 다루게 되어 </a:t>
             </a:r>
             <a:r>
-              <a:rPr lang="ko-KR" altLang="en-US" dirty="0" err="1" smtClean="0">
+              <a:rPr lang="ko-KR" altLang="en-US" dirty="0" err="1">
                 <a:latin typeface="굴림체" panose="020B0609000101010101" pitchFamily="49" charset="-127"/>
                 <a:ea typeface="굴림체" panose="020B0609000101010101" pitchFamily="49" charset="-127"/>
               </a:rPr>
               <a:t>버전관리의</a:t>
             </a:r>
             <a:r>
-              <a:rPr lang="ko-KR" altLang="en-US" dirty="0" smtClean="0">
+              <a:rPr lang="ko-KR" altLang="en-US" dirty="0">
                 <a:latin typeface="굴림체" panose="020B0609000101010101" pitchFamily="49" charset="-127"/>
                 <a:ea typeface="굴림체" panose="020B0609000101010101" pitchFamily="49" charset="-127"/>
               </a:rPr>
               <a:t> 편리함을 몸소 느껴 편리함을 느꼈다</a:t>
             </a:r>
             <a:r>
-              <a:rPr lang="en-US" altLang="ko-KR" dirty="0" smtClean="0">
+              <a:rPr lang="en-US" altLang="ko-KR" dirty="0">
                 <a:latin typeface="굴림체" panose="020B0609000101010101" pitchFamily="49" charset="-127"/>
                 <a:ea typeface="굴림체" panose="020B0609000101010101" pitchFamily="49" charset="-127"/>
               </a:rPr>
               <a:t>.</a:t>
             </a:r>
             <a:r>
-              <a:rPr lang="ko-KR" altLang="en-US" dirty="0" smtClean="0">
+              <a:rPr lang="ko-KR" altLang="en-US" dirty="0">
                 <a:latin typeface="굴림체" panose="020B0609000101010101" pitchFamily="49" charset="-127"/>
                 <a:ea typeface="굴림체" panose="020B0609000101010101" pitchFamily="49" charset="-127"/>
               </a:rPr>
               <a:t> </a:t>
             </a:r>
-            <a:endParaRPr lang="ko-KR" altLang="en-US" dirty="0">
-              <a:latin typeface="굴림체" panose="020B0609000101010101" pitchFamily="49" charset="-127"/>
-              <a:ea typeface="굴림체" panose="020B0609000101010101" pitchFamily="49" charset="-127"/>
-            </a:endParaRPr>
           </a:p>
         </p:txBody>
       </p:sp>
@@ -5546,49 +5380,49 @@
           <a:lstStyle/>
           <a:p>
             <a:r>
-              <a:rPr lang="en-US" altLang="ko-KR" dirty="0" smtClean="0">
+              <a:rPr lang="en-US" altLang="ko-KR" dirty="0">
                 <a:latin typeface="굴림체" panose="020B0609000101010101" pitchFamily="49" charset="-127"/>
                 <a:ea typeface="굴림체" panose="020B0609000101010101" pitchFamily="49" charset="-127"/>
               </a:rPr>
               <a:t>JAVA </a:t>
             </a:r>
             <a:r>
-              <a:rPr lang="ko-KR" altLang="en-US" dirty="0" smtClean="0">
+              <a:rPr lang="ko-KR" altLang="en-US" dirty="0">
                 <a:latin typeface="굴림체" panose="020B0609000101010101" pitchFamily="49" charset="-127"/>
                 <a:ea typeface="굴림체" panose="020B0609000101010101" pitchFamily="49" charset="-127"/>
               </a:rPr>
               <a:t>및 </a:t>
             </a:r>
             <a:r>
-              <a:rPr lang="en-US" altLang="ko-KR" dirty="0" smtClean="0">
+              <a:rPr lang="en-US" altLang="ko-KR" dirty="0">
                 <a:latin typeface="굴림체" panose="020B0609000101010101" pitchFamily="49" charset="-127"/>
                 <a:ea typeface="굴림체" panose="020B0609000101010101" pitchFamily="49" charset="-127"/>
               </a:rPr>
               <a:t>Android Studio</a:t>
             </a:r>
             <a:r>
-              <a:rPr lang="ko-KR" altLang="en-US" dirty="0" smtClean="0">
+              <a:rPr lang="ko-KR" altLang="en-US" dirty="0">
                 <a:latin typeface="굴림체" panose="020B0609000101010101" pitchFamily="49" charset="-127"/>
                 <a:ea typeface="굴림체" panose="020B0609000101010101" pitchFamily="49" charset="-127"/>
               </a:rPr>
               <a:t>를 많이 다뤄본 적 없었던 팀원들이 이번 계기로 관심을 갖게 되고</a:t>
             </a:r>
             <a:r>
-              <a:rPr lang="en-US" altLang="ko-KR" dirty="0" smtClean="0">
+              <a:rPr lang="en-US" altLang="ko-KR" dirty="0">
                 <a:latin typeface="굴림체" panose="020B0609000101010101" pitchFamily="49" charset="-127"/>
                 <a:ea typeface="굴림체" panose="020B0609000101010101" pitchFamily="49" charset="-127"/>
               </a:rPr>
               <a:t>,</a:t>
             </a:r>
             <a:r>
-              <a:rPr lang="ko-KR" altLang="en-US" dirty="0" smtClean="0">
+              <a:rPr lang="ko-KR" altLang="en-US" dirty="0">
                 <a:latin typeface="굴림체" panose="020B0609000101010101" pitchFamily="49" charset="-127"/>
                 <a:ea typeface="굴림체" panose="020B0609000101010101" pitchFamily="49" charset="-127"/>
               </a:rPr>
               <a:t> 이번 프로젝트를 통해 새로운 도전을 하게 되어 개개인의 실력 향상에 많은 도움이 되었던 것 같다</a:t>
             </a:r>
             <a:r>
-              <a:rPr lang="en-US" altLang="ko-KR" dirty="0" smtClean="0">
+              <a:rPr lang="en-US" altLang="ko-KR" dirty="0">
                 <a:latin typeface="굴림체" panose="020B0609000101010101" pitchFamily="49" charset="-127"/>
                 <a:ea typeface="굴림체" panose="020B0609000101010101" pitchFamily="49" charset="-127"/>
               </a:rPr>
@@ -5676,58 +5510,54 @@
           <a:lstStyle/>
           <a:p>
             <a:r>
-              <a:rPr lang="ko-KR" altLang="en-US" dirty="0" smtClean="0">
+              <a:rPr lang="ko-KR" altLang="en-US" dirty="0">
                 <a:latin typeface="굴림체" panose="020B0609000101010101" pitchFamily="49" charset="-127"/>
                 <a:ea typeface="굴림체" panose="020B0609000101010101" pitchFamily="49" charset="-127"/>
               </a:rPr>
               <a:t>이번 프로젝트의 주제 </a:t>
             </a:r>
             <a:r>
-              <a:rPr lang="en-US" altLang="ko-KR" dirty="0" smtClean="0">
+              <a:rPr lang="en-US" altLang="ko-KR" dirty="0">
                 <a:latin typeface="굴림체" panose="020B0609000101010101" pitchFamily="49" charset="-127"/>
                 <a:ea typeface="굴림체" panose="020B0609000101010101" pitchFamily="49" charset="-127"/>
               </a:rPr>
               <a:t>Barcode</a:t>
             </a:r>
             <a:r>
-              <a:rPr lang="ko-KR" altLang="en-US" dirty="0" smtClean="0">
+              <a:rPr lang="ko-KR" altLang="en-US" dirty="0">
                 <a:latin typeface="굴림체" panose="020B0609000101010101" pitchFamily="49" charset="-127"/>
                 <a:ea typeface="굴림체" panose="020B0609000101010101" pitchFamily="49" charset="-127"/>
               </a:rPr>
               <a:t>인식을 활용하여 보다 많은 정보를 사용자에게 전달할 수 있을 것 같고</a:t>
             </a:r>
             <a:r>
-              <a:rPr lang="en-US" altLang="ko-KR" dirty="0" smtClean="0">
+              <a:rPr lang="en-US" altLang="ko-KR" dirty="0">
                 <a:latin typeface="굴림체" panose="020B0609000101010101" pitchFamily="49" charset="-127"/>
                 <a:ea typeface="굴림체" panose="020B0609000101010101" pitchFamily="49" charset="-127"/>
               </a:rPr>
               <a:t>, </a:t>
             </a:r>
             <a:r>
-              <a:rPr lang="ko-KR" altLang="en-US" dirty="0" smtClean="0">
+              <a:rPr lang="ko-KR" altLang="en-US" dirty="0">
                 <a:latin typeface="굴림체" panose="020B0609000101010101" pitchFamily="49" charset="-127"/>
                 <a:ea typeface="굴림체" panose="020B0609000101010101" pitchFamily="49" charset="-127"/>
               </a:rPr>
               <a:t>발표 후에도 훨씬 좋은 프로젝트 결과물을 낼 수 있을 것 같다</a:t>
             </a:r>
             <a:r>
-              <a:rPr lang="en-US" altLang="ko-KR" dirty="0" smtClean="0">
+              <a:rPr lang="en-US" altLang="ko-KR" dirty="0">
                 <a:latin typeface="굴림체" panose="020B0609000101010101" pitchFamily="49" charset="-127"/>
                 <a:ea typeface="굴림체" panose="020B0609000101010101" pitchFamily="49" charset="-127"/>
               </a:rPr>
               <a:t>.</a:t>
             </a:r>
             <a:r>
-              <a:rPr lang="ko-KR" altLang="en-US" dirty="0" smtClean="0">
+              <a:rPr lang="ko-KR" altLang="en-US" dirty="0">
                 <a:latin typeface="굴림체" panose="020B0609000101010101" pitchFamily="49" charset="-127"/>
                 <a:ea typeface="굴림체" panose="020B0609000101010101" pitchFamily="49" charset="-127"/>
               </a:rPr>
               <a:t>  </a:t>
             </a:r>
-            <a:endParaRPr lang="ko-KR" altLang="en-US" dirty="0">
-              <a:latin typeface="굴림체" panose="020B0609000101010101" pitchFamily="49" charset="-127"/>
-              <a:ea typeface="굴림체" panose="020B0609000101010101" pitchFamily="49" charset="-127"/>
-            </a:endParaRPr>
           </a:p>
         </p:txBody>
       </p:sp>
@@ -5806,28 +5636,28 @@
           <a:lstStyle/>
           <a:p>
             <a:r>
-              <a:rPr lang="ko-KR" altLang="en-US" dirty="0" smtClean="0">
+              <a:rPr lang="ko-KR" altLang="en-US" dirty="0">
                 <a:latin typeface="굴림체" panose="020B0609000101010101" pitchFamily="49" charset="-127"/>
                 <a:ea typeface="굴림체" panose="020B0609000101010101" pitchFamily="49" charset="-127"/>
               </a:rPr>
               <a:t>프로젝트의 한계점을 느끼기도 했지만 </a:t>
             </a:r>
             <a:r>
-              <a:rPr lang="ko-KR" altLang="en-US" dirty="0" err="1" smtClean="0">
+              <a:rPr lang="ko-KR" altLang="en-US" dirty="0" err="1">
                 <a:latin typeface="굴림체" panose="020B0609000101010101" pitchFamily="49" charset="-127"/>
                 <a:ea typeface="굴림체" panose="020B0609000101010101" pitchFamily="49" charset="-127"/>
               </a:rPr>
               <a:t>팀원들간</a:t>
             </a:r>
             <a:r>
-              <a:rPr lang="ko-KR" altLang="en-US" dirty="0" smtClean="0">
+              <a:rPr lang="ko-KR" altLang="en-US" dirty="0">
                 <a:latin typeface="굴림체" panose="020B0609000101010101" pitchFamily="49" charset="-127"/>
                 <a:ea typeface="굴림체" panose="020B0609000101010101" pitchFamily="49" charset="-127"/>
               </a:rPr>
               <a:t> 커뮤니케이션 및 협동심을 느낄 수 있었던 점이 이 프로젝트의 가장 큰 장점이라고 생각한다</a:t>
             </a:r>
             <a:r>
-              <a:rPr lang="en-US" altLang="ko-KR" dirty="0" smtClean="0">
+              <a:rPr lang="en-US" altLang="ko-KR" dirty="0">
                 <a:latin typeface="굴림체" panose="020B0609000101010101" pitchFamily="49" charset="-127"/>
                 <a:ea typeface="굴림체" panose="020B0609000101010101" pitchFamily="49" charset="-127"/>
               </a:rPr>
@@ -5845,13 +5675,6 @@
   <p:clrMapOvr>
     <a:masterClrMapping/>
   </p:clrMapOvr>
-  <p:timing>
-    <p:tnLst>
-      <p:par>
-        <p:cTn id="1" dur="indefinite" restart="never" nodeType="tmRoot"/>
-      </p:par>
-    </p:tnLst>
-  </p:timing>
 </p:sld>
 </file>
 
@@ -5920,7 +5743,7 @@
             <a:lstStyle/>
             <a:p>
               <a:r>
-                <a:rPr lang="en-US" altLang="ko-KR" sz="30000" dirty="0">
+                <a:rPr lang="en-US" altLang="ko-KR" sz="30000" b="1" dirty="0">
                   <a:solidFill>
                     <a:srgbClr val="E0CFA3"/>
                   </a:solidFill>
@@ -5929,7 +5752,7 @@
                 </a:rPr>
                 <a:t>5</a:t>
               </a:r>
-              <a:endParaRPr lang="ko-KR" altLang="en-US" sz="30000" dirty="0">
+              <a:endParaRPr lang="ko-KR" altLang="en-US" sz="30000" b="1" dirty="0">
                 <a:solidFill>
                   <a:srgbClr val="E0CFA3"/>
                 </a:solidFill>
@@ -5968,7 +5791,7 @@
             <a:p>
               <a:pPr algn="ctr"/>
               <a:r>
-                <a:rPr lang="en-US" altLang="ko-KR" sz="3600" dirty="0" smtClean="0">
+                <a:rPr lang="en-US" altLang="ko-KR" sz="3600" b="1" dirty="0">
                   <a:solidFill>
                     <a:srgbClr val="E0CFA3"/>
                   </a:solidFill>
@@ -5977,7 +5800,7 @@
                 </a:rPr>
                 <a:t>PART 05</a:t>
               </a:r>
-              <a:endParaRPr lang="ko-KR" altLang="en-US" sz="3600" dirty="0">
+              <a:endParaRPr lang="ko-KR" altLang="en-US" sz="3600" b="1" dirty="0">
                 <a:solidFill>
                   <a:srgbClr val="E0CFA3"/>
                 </a:solidFill>
@@ -6011,7 +5834,7 @@
           <a:lstStyle/>
           <a:p>
             <a:r>
-              <a:rPr lang="en-US" altLang="ko-KR" dirty="0" err="1" smtClean="0">
+              <a:rPr lang="en-US" altLang="ko-KR" b="1" dirty="0" err="1">
                 <a:ln>
                   <a:solidFill>
                     <a:schemeClr val="bg1">
@@ -6028,7 +5851,7 @@
               <a:t>Github</a:t>
             </a:r>
             <a:r>
-              <a:rPr lang="en-US" altLang="ko-KR" dirty="0" smtClean="0">
+              <a:rPr lang="en-US" altLang="ko-KR" b="1" dirty="0">
                 <a:ln>
                   <a:solidFill>
                     <a:schemeClr val="bg1">
@@ -6045,7 +5868,7 @@
               <a:t> </a:t>
             </a:r>
             <a:r>
-              <a:rPr lang="ko-KR" altLang="en-US" dirty="0" smtClean="0">
+              <a:rPr lang="ko-KR" altLang="en-US" b="1" dirty="0">
                 <a:ln>
                   <a:solidFill>
                     <a:schemeClr val="bg1">
@@ -6061,20 +5884,6 @@
               </a:rPr>
               <a:t>사용내역</a:t>
             </a:r>
-            <a:endParaRPr lang="ko-KR" altLang="en-US" dirty="0">
-              <a:ln>
-                <a:solidFill>
-                  <a:schemeClr val="bg1">
-                    <a:alpha val="0"/>
-                  </a:schemeClr>
-                </a:solidFill>
-              </a:ln>
-              <a:solidFill>
-                <a:srgbClr val="E0CFA3"/>
-              </a:solidFill>
-              <a:latin typeface="굴림체" panose="020B0609000101010101" pitchFamily="49" charset="-127"/>
-              <a:ea typeface="굴림체" panose="020B0609000101010101" pitchFamily="49" charset="-127"/>
-            </a:endParaRPr>
           </a:p>
         </p:txBody>
       </p:sp>
@@ -6088,13 +5897,6 @@
   <p:clrMapOvr>
     <a:masterClrMapping/>
   </p:clrMapOvr>
-  <p:timing>
-    <p:tnLst>
-      <p:par>
-        <p:cTn id="1" dur="indefinite" restart="never" nodeType="tmRoot"/>
-      </p:par>
-    </p:tnLst>
-  </p:timing>
 </p:sld>
 </file>
 
@@ -6138,7 +5940,7 @@
           <a:lstStyle/>
           <a:p>
             <a:r>
-              <a:rPr lang="en-US" altLang="ko-KR" sz="9600" dirty="0" smtClean="0">
+              <a:rPr lang="en-US" altLang="ko-KR" sz="9600" b="1" dirty="0">
                 <a:solidFill>
                   <a:schemeClr val="tx1">
                     <a:lumMod val="85000"/>
@@ -6150,7 +5952,7 @@
               </a:rPr>
               <a:t>05</a:t>
             </a:r>
-            <a:endParaRPr lang="ko-KR" altLang="en-US" sz="9600" dirty="0">
+            <a:endParaRPr lang="ko-KR" altLang="en-US" sz="9600" b="1" dirty="0">
               <a:solidFill>
                 <a:schemeClr val="tx1">
                   <a:lumMod val="85000"/>
@@ -6240,7 +6042,7 @@
           <a:lstStyle/>
           <a:p>
             <a:r>
-              <a:rPr lang="en-US" altLang="ko-KR" dirty="0" err="1" smtClean="0">
+              <a:rPr lang="en-US" altLang="ko-KR" b="1" dirty="0" err="1">
                 <a:ln>
                   <a:solidFill>
                     <a:schemeClr val="bg1">
@@ -6260,7 +6062,7 @@
               <a:t>Github</a:t>
             </a:r>
             <a:r>
-              <a:rPr lang="en-US" altLang="ko-KR" dirty="0" smtClean="0">
+              <a:rPr lang="en-US" altLang="ko-KR" b="1" dirty="0">
                 <a:ln>
                   <a:solidFill>
                     <a:schemeClr val="bg1">
@@ -6280,7 +6082,7 @@
               <a:t> </a:t>
             </a:r>
             <a:r>
-              <a:rPr lang="ko-KR" altLang="en-US" dirty="0" smtClean="0">
+              <a:rPr lang="ko-KR" altLang="en-US" b="1" dirty="0">
                 <a:ln>
                   <a:solidFill>
                     <a:schemeClr val="bg1">
@@ -6299,23 +6101,6 @@
               </a:rPr>
               <a:t>사용내역</a:t>
             </a:r>
-            <a:endParaRPr lang="ko-KR" altLang="en-US" dirty="0">
-              <a:ln>
-                <a:solidFill>
-                  <a:schemeClr val="bg1">
-                    <a:alpha val="0"/>
-                  </a:schemeClr>
-                </a:solidFill>
-              </a:ln>
-              <a:solidFill>
-                <a:schemeClr val="tx1">
-                  <a:lumMod val="85000"/>
-                  <a:lumOff val="15000"/>
-                </a:schemeClr>
-              </a:solidFill>
-              <a:latin typeface="굴림체" panose="020B0609000101010101" pitchFamily="49" charset="-127"/>
-              <a:ea typeface="굴림체" panose="020B0609000101010101" pitchFamily="49" charset="-127"/>
-            </a:endParaRPr>
           </a:p>
         </p:txBody>
       </p:sp>
@@ -6366,126 +6151,115 @@
           <a:lstStyle/>
           <a:p>
             <a:r>
-              <a:rPr lang="en-US" altLang="ko-KR" dirty="0" err="1" smtClean="0">
+              <a:rPr lang="en-US" altLang="ko-KR" dirty="0" err="1">
                 <a:latin typeface="굴림체" panose="020B0609000101010101" pitchFamily="49" charset="-127"/>
                 <a:ea typeface="굴림체" panose="020B0609000101010101" pitchFamily="49" charset="-127"/>
               </a:rPr>
               <a:t>Github</a:t>
             </a:r>
             <a:r>
-              <a:rPr lang="en-US" altLang="ko-KR" dirty="0" smtClean="0">
+              <a:rPr lang="en-US" altLang="ko-KR" dirty="0">
                 <a:latin typeface="굴림체" panose="020B0609000101010101" pitchFamily="49" charset="-127"/>
                 <a:ea typeface="굴림체" panose="020B0609000101010101" pitchFamily="49" charset="-127"/>
               </a:rPr>
               <a:t> </a:t>
             </a:r>
             <a:r>
-              <a:rPr lang="ko-KR" altLang="en-US" dirty="0" smtClean="0">
+              <a:rPr lang="ko-KR" altLang="en-US" dirty="0">
                 <a:latin typeface="굴림체" panose="020B0609000101010101" pitchFamily="49" charset="-127"/>
                 <a:ea typeface="굴림체" panose="020B0609000101010101" pitchFamily="49" charset="-127"/>
               </a:rPr>
               <a:t>의 </a:t>
             </a:r>
             <a:r>
-              <a:rPr lang="en-US" altLang="ko-KR" dirty="0" err="1" smtClean="0">
+              <a:rPr lang="en-US" altLang="ko-KR" dirty="0" err="1">
                 <a:latin typeface="굴림체" panose="020B0609000101010101" pitchFamily="49" charset="-127"/>
                 <a:ea typeface="굴림체" panose="020B0609000101010101" pitchFamily="49" charset="-127"/>
               </a:rPr>
               <a:t>Project_OS</a:t>
             </a:r>
             <a:r>
-              <a:rPr lang="en-US" altLang="ko-KR" dirty="0" smtClean="0">
+              <a:rPr lang="en-US" altLang="ko-KR" dirty="0">
                 <a:latin typeface="굴림체" panose="020B0609000101010101" pitchFamily="49" charset="-127"/>
                 <a:ea typeface="굴림체" panose="020B0609000101010101" pitchFamily="49" charset="-127"/>
               </a:rPr>
               <a:t> </a:t>
             </a:r>
             <a:r>
-              <a:rPr lang="ko-KR" altLang="en-US" dirty="0" smtClean="0">
+              <a:rPr lang="ko-KR" altLang="en-US" dirty="0">
                 <a:latin typeface="굴림체" panose="020B0609000101010101" pitchFamily="49" charset="-127"/>
                 <a:ea typeface="굴림체" panose="020B0609000101010101" pitchFamily="49" charset="-127"/>
               </a:rPr>
               <a:t>라는 이름의 </a:t>
             </a:r>
             <a:r>
-              <a:rPr lang="en-US" altLang="ko-KR" dirty="0" smtClean="0">
+              <a:rPr lang="en-US" altLang="ko-KR" dirty="0">
                 <a:latin typeface="굴림체" panose="020B0609000101010101" pitchFamily="49" charset="-127"/>
                 <a:ea typeface="굴림체" panose="020B0609000101010101" pitchFamily="49" charset="-127"/>
               </a:rPr>
               <a:t>Repository</a:t>
             </a:r>
             <a:r>
-              <a:rPr lang="ko-KR" altLang="en-US" dirty="0" smtClean="0">
+              <a:rPr lang="ko-KR" altLang="en-US" dirty="0">
                 <a:latin typeface="굴림체" panose="020B0609000101010101" pitchFamily="49" charset="-127"/>
                 <a:ea typeface="굴림체" panose="020B0609000101010101" pitchFamily="49" charset="-127"/>
               </a:rPr>
               <a:t>를 만들어서 </a:t>
             </a:r>
             <a:r>
-              <a:rPr lang="ko-KR" altLang="en-US" dirty="0" err="1" smtClean="0">
+              <a:rPr lang="ko-KR" altLang="en-US" dirty="0" err="1">
                 <a:latin typeface="굴림체" panose="020B0609000101010101" pitchFamily="49" charset="-127"/>
                 <a:ea typeface="굴림체" panose="020B0609000101010101" pitchFamily="49" charset="-127"/>
               </a:rPr>
               <a:t>팀원들간</a:t>
             </a:r>
             <a:r>
-              <a:rPr lang="ko-KR" altLang="en-US" dirty="0" smtClean="0">
+              <a:rPr lang="ko-KR" altLang="en-US" dirty="0">
                 <a:latin typeface="굴림체" panose="020B0609000101010101" pitchFamily="49" charset="-127"/>
                 <a:ea typeface="굴림체" panose="020B0609000101010101" pitchFamily="49" charset="-127"/>
               </a:rPr>
               <a:t> 사용한 리스트이며</a:t>
             </a:r>
-            <a:endParaRPr lang="en-US" altLang="ko-KR" dirty="0" smtClean="0">
-              <a:latin typeface="굴림체" panose="020B0609000101010101" pitchFamily="49" charset="-127"/>
-              <a:ea typeface="굴림체" panose="020B0609000101010101" pitchFamily="49" charset="-127"/>
-            </a:endParaRPr>
-          </a:p>
-          <a:p>
             <a:endParaRPr lang="en-US" altLang="ko-KR" dirty="0">
               <a:latin typeface="굴림체" panose="020B0609000101010101" pitchFamily="49" charset="-127"/>
               <a:ea typeface="굴림체" panose="020B0609000101010101" pitchFamily="49" charset="-127"/>
             </a:endParaRPr>
           </a:p>
           <a:p>
-            <a:r>
-              <a:rPr lang="en-US" altLang="ko-KR" dirty="0">
-                <a:latin typeface="굴림체" panose="020B0609000101010101" pitchFamily="49" charset="-127"/>
-                <a:ea typeface="굴림체" panose="020B0609000101010101" pitchFamily="49" charset="-127"/>
-              </a:rPr>
-              <a:t>v</a:t>
-            </a:r>
-            <a:r>
-              <a:rPr lang="en-US" altLang="ko-KR" dirty="0" smtClean="0">
-                <a:latin typeface="굴림체" panose="020B0609000101010101" pitchFamily="49" charset="-127"/>
-                <a:ea typeface="굴림체" panose="020B0609000101010101" pitchFamily="49" charset="-127"/>
-              </a:rPr>
-              <a:t>1,v2 </a:t>
-            </a:r>
-            <a:r>
-              <a:rPr lang="ko-KR" altLang="en-US" dirty="0" smtClean="0">
-                <a:latin typeface="굴림체" panose="020B0609000101010101" pitchFamily="49" charset="-127"/>
-                <a:ea typeface="굴림체" panose="020B0609000101010101" pitchFamily="49" charset="-127"/>
-              </a:rPr>
-              <a:t>로 버전을 나누어 </a:t>
-            </a:r>
-            <a:r>
-              <a:rPr lang="ko-KR" altLang="en-US" dirty="0" err="1" smtClean="0">
-                <a:latin typeface="굴림체" panose="020B0609000101010101" pitchFamily="49" charset="-127"/>
-                <a:ea typeface="굴림체" panose="020B0609000101010101" pitchFamily="49" charset="-127"/>
-              </a:rPr>
-              <a:t>버전관리를</a:t>
-            </a:r>
-            <a:r>
-              <a:rPr lang="ko-KR" altLang="en-US" dirty="0" smtClean="0">
-                <a:latin typeface="굴림체" panose="020B0609000101010101" pitchFamily="49" charset="-127"/>
-                <a:ea typeface="굴림체" panose="020B0609000101010101" pitchFamily="49" charset="-127"/>
-              </a:rPr>
-              <a:t> 해온 모습입니다</a:t>
-            </a:r>
-            <a:endParaRPr lang="ko-KR" altLang="en-US" dirty="0">
+            <a:endParaRPr lang="en-US" altLang="ko-KR" dirty="0">
               <a:latin typeface="굴림체" panose="020B0609000101010101" pitchFamily="49" charset="-127"/>
               <a:ea typeface="굴림체" panose="020B0609000101010101" pitchFamily="49" charset="-127"/>
             </a:endParaRPr>
+          </a:p>
+          <a:p>
+            <a:r>
+              <a:rPr lang="en-US" altLang="ko-KR" dirty="0">
+                <a:latin typeface="굴림체" panose="020B0609000101010101" pitchFamily="49" charset="-127"/>
+                <a:ea typeface="굴림체" panose="020B0609000101010101" pitchFamily="49" charset="-127"/>
+              </a:rPr>
+              <a:t>v1,v2 </a:t>
+            </a:r>
+            <a:r>
+              <a:rPr lang="ko-KR" altLang="en-US" dirty="0">
+                <a:latin typeface="굴림체" panose="020B0609000101010101" pitchFamily="49" charset="-127"/>
+                <a:ea typeface="굴림체" panose="020B0609000101010101" pitchFamily="49" charset="-127"/>
+              </a:rPr>
+              <a:t>로 버전을 나누어 </a:t>
+            </a:r>
+            <a:r>
+              <a:rPr lang="ko-KR" altLang="en-US" dirty="0" err="1">
+                <a:latin typeface="굴림체" panose="020B0609000101010101" pitchFamily="49" charset="-127"/>
+                <a:ea typeface="굴림체" panose="020B0609000101010101" pitchFamily="49" charset="-127"/>
+              </a:rPr>
+              <a:t>버전관리를</a:t>
+            </a:r>
+            <a:r>
+              <a:rPr lang="ko-KR" altLang="en-US" dirty="0">
+                <a:latin typeface="굴림체" panose="020B0609000101010101" pitchFamily="49" charset="-127"/>
+                <a:ea typeface="굴림체" panose="020B0609000101010101" pitchFamily="49" charset="-127"/>
+              </a:rPr>
+              <a:t> 해온 모습입니다</a:t>
+            </a:r>
           </a:p>
         </p:txBody>
       </p:sp>
@@ -6499,13 +6273,6 @@
   <p:clrMapOvr>
     <a:masterClrMapping/>
   </p:clrMapOvr>
-  <p:timing>
-    <p:tnLst>
-      <p:par>
-        <p:cTn id="1" dur="indefinite" restart="never" nodeType="tmRoot"/>
-      </p:par>
-    </p:tnLst>
-  </p:timing>
 </p:sld>
 </file>
 
@@ -6549,7 +6316,7 @@
           <a:lstStyle/>
           <a:p>
             <a:r>
-              <a:rPr lang="en-US" altLang="ko-KR" sz="9600" dirty="0" smtClean="0">
+              <a:rPr lang="en-US" altLang="ko-KR" sz="9600" b="1" dirty="0">
                 <a:solidFill>
                   <a:schemeClr val="tx1">
                     <a:lumMod val="85000"/>
@@ -6561,7 +6328,7 @@
               </a:rPr>
               <a:t>05</a:t>
             </a:r>
-            <a:endParaRPr lang="ko-KR" altLang="en-US" sz="9600" dirty="0">
+            <a:endParaRPr lang="ko-KR" altLang="en-US" sz="9600" b="1" dirty="0">
               <a:solidFill>
                 <a:schemeClr val="tx1">
                   <a:lumMod val="85000"/>
@@ -6651,7 +6418,7 @@
           <a:lstStyle/>
           <a:p>
             <a:r>
-              <a:rPr lang="en-US" altLang="ko-KR" dirty="0" err="1" smtClean="0">
+              <a:rPr lang="en-US" altLang="ko-KR" b="1" dirty="0" err="1">
                 <a:ln>
                   <a:solidFill>
                     <a:schemeClr val="bg1">
@@ -6671,7 +6438,7 @@
               <a:t>Github</a:t>
             </a:r>
             <a:r>
-              <a:rPr lang="en-US" altLang="ko-KR" dirty="0" smtClean="0">
+              <a:rPr lang="en-US" altLang="ko-KR" b="1" dirty="0">
                 <a:ln>
                   <a:solidFill>
                     <a:schemeClr val="bg1">
@@ -6691,7 +6458,7 @@
               <a:t> </a:t>
             </a:r>
             <a:r>
-              <a:rPr lang="ko-KR" altLang="en-US" dirty="0" smtClean="0">
+              <a:rPr lang="ko-KR" altLang="en-US" b="1" dirty="0">
                 <a:ln>
                   <a:solidFill>
                     <a:schemeClr val="bg1">
@@ -6710,20 +6477,74 @@
               </a:rPr>
               <a:t>사용내역</a:t>
             </a:r>
-            <a:endParaRPr lang="ko-KR" altLang="en-US" dirty="0">
-              <a:ln>
-                <a:solidFill>
-                  <a:schemeClr val="bg1">
-                    <a:alpha val="0"/>
-                  </a:schemeClr>
-                </a:solidFill>
-              </a:ln>
-              <a:solidFill>
-                <a:schemeClr val="tx1">
-                  <a:lumMod val="85000"/>
-                  <a:lumOff val="15000"/>
-                </a:schemeClr>
-              </a:solidFill>
+          </a:p>
+        </p:txBody>
+      </p:sp>
+      <p:sp>
+        <p:nvSpPr>
+          <p:cNvPr id="3" name="TextBox 2"/>
+          <p:cNvSpPr txBox="1"/>
+          <p:nvPr/>
+        </p:nvSpPr>
+        <p:spPr>
+          <a:xfrm>
+            <a:off x="5347593" y="2892748"/>
+            <a:ext cx="3302576" cy="1200329"/>
+          </a:xfrm>
+          <a:prstGeom prst="rect">
+            <a:avLst/>
+          </a:prstGeom>
+          <a:noFill/>
+        </p:spPr>
+        <p:txBody>
+          <a:bodyPr wrap="square" rtlCol="0">
+            <a:spAutoFit/>
+          </a:bodyPr>
+          <a:lstStyle/>
+          <a:p>
+            <a:r>
+              <a:rPr lang="en-US" altLang="ko-KR" dirty="0" err="1">
+                <a:latin typeface="굴림체" panose="020B0609000101010101" pitchFamily="49" charset="-127"/>
+                <a:ea typeface="굴림체" panose="020B0609000101010101" pitchFamily="49" charset="-127"/>
+              </a:rPr>
+              <a:t>Project_OS</a:t>
+            </a:r>
+            <a:r>
+              <a:rPr lang="ko-KR" altLang="en-US" dirty="0">
+                <a:latin typeface="굴림체" panose="020B0609000101010101" pitchFamily="49" charset="-127"/>
+                <a:ea typeface="굴림체" panose="020B0609000101010101" pitchFamily="49" charset="-127"/>
+              </a:rPr>
+              <a:t>의 활동 그래프 이며 </a:t>
+            </a:r>
+            <a:r>
+              <a:rPr lang="en-US" altLang="ko-KR" dirty="0" err="1">
+                <a:latin typeface="굴림체" panose="020B0609000101010101" pitchFamily="49" charset="-127"/>
+                <a:ea typeface="굴림체" panose="020B0609000101010101" pitchFamily="49" charset="-127"/>
+              </a:rPr>
+              <a:t>Github</a:t>
+            </a:r>
+            <a:r>
+              <a:rPr lang="ko-KR" altLang="en-US" dirty="0">
+                <a:latin typeface="굴림체" panose="020B0609000101010101" pitchFamily="49" charset="-127"/>
+                <a:ea typeface="굴림체" panose="020B0609000101010101" pitchFamily="49" charset="-127"/>
+              </a:rPr>
+              <a:t>를 처음 </a:t>
+            </a:r>
+            <a:r>
+              <a:rPr lang="ko-KR" altLang="en-US" dirty="0" err="1">
+                <a:latin typeface="굴림체" panose="020B0609000101010101" pitchFamily="49" charset="-127"/>
+                <a:ea typeface="굴림체" panose="020B0609000101010101" pitchFamily="49" charset="-127"/>
+              </a:rPr>
+              <a:t>다뤄보다보니</a:t>
+            </a:r>
+            <a:r>
+              <a:rPr lang="ko-KR" altLang="en-US" dirty="0">
+                <a:latin typeface="굴림체" panose="020B0609000101010101" pitchFamily="49" charset="-127"/>
+                <a:ea typeface="굴림체" panose="020B0609000101010101" pitchFamily="49" charset="-127"/>
+              </a:rPr>
+              <a:t> 문제점들이 많이 있었습니다</a:t>
+            </a:r>
+            <a:endParaRPr lang="en-US" altLang="ko-KR" dirty="0">
               <a:latin typeface="굴림체" panose="020B0609000101010101" pitchFamily="49" charset="-127"/>
               <a:ea typeface="굴림체" panose="020B0609000101010101" pitchFamily="49" charset="-127"/>
             </a:endParaRPr>
@@ -6732,14 +6553,14 @@
       </p:sp>
       <p:sp>
         <p:nvSpPr>
-          <p:cNvPr id="3" name="TextBox 2"/>
+          <p:cNvPr id="8" name="TextBox 7"/>
           <p:cNvSpPr txBox="1"/>
           <p:nvPr/>
         </p:nvSpPr>
         <p:spPr>
           <a:xfrm>
-            <a:off x="5347593" y="2892748"/>
-            <a:ext cx="3302576" cy="1200329"/>
+            <a:off x="705554" y="5294610"/>
+            <a:ext cx="7776864" cy="646331"/>
           </a:xfrm>
           <a:prstGeom prst="rect">
             <a:avLst/>
@@ -6753,101 +6574,26 @@
           <a:lstStyle/>
           <a:p>
             <a:r>
-              <a:rPr lang="en-US" altLang="ko-KR" dirty="0" err="1" smtClean="0">
-                <a:latin typeface="굴림체" panose="020B0609000101010101" pitchFamily="49" charset="-127"/>
-                <a:ea typeface="굴림체" panose="020B0609000101010101" pitchFamily="49" charset="-127"/>
-              </a:rPr>
-              <a:t>Project_OS</a:t>
-            </a:r>
-            <a:r>
-              <a:rPr lang="ko-KR" altLang="en-US" dirty="0" smtClean="0">
-                <a:latin typeface="굴림체" panose="020B0609000101010101" pitchFamily="49" charset="-127"/>
-                <a:ea typeface="굴림체" panose="020B0609000101010101" pitchFamily="49" charset="-127"/>
-              </a:rPr>
-              <a:t>의 활동 그래프 이며 </a:t>
-            </a:r>
-            <a:r>
-              <a:rPr lang="en-US" altLang="ko-KR" dirty="0" err="1" smtClean="0">
-                <a:latin typeface="굴림체" panose="020B0609000101010101" pitchFamily="49" charset="-127"/>
-                <a:ea typeface="굴림체" panose="020B0609000101010101" pitchFamily="49" charset="-127"/>
-              </a:rPr>
-              <a:t>Github</a:t>
-            </a:r>
-            <a:r>
-              <a:rPr lang="ko-KR" altLang="en-US" dirty="0" smtClean="0">
-                <a:latin typeface="굴림체" panose="020B0609000101010101" pitchFamily="49" charset="-127"/>
-                <a:ea typeface="굴림체" panose="020B0609000101010101" pitchFamily="49" charset="-127"/>
-              </a:rPr>
-              <a:t>를 처음 </a:t>
-            </a:r>
-            <a:r>
-              <a:rPr lang="ko-KR" altLang="en-US" dirty="0" err="1" smtClean="0">
-                <a:latin typeface="굴림체" panose="020B0609000101010101" pitchFamily="49" charset="-127"/>
-                <a:ea typeface="굴림체" panose="020B0609000101010101" pitchFamily="49" charset="-127"/>
-              </a:rPr>
-              <a:t>다뤄보다보니</a:t>
-            </a:r>
-            <a:r>
-              <a:rPr lang="ko-KR" altLang="en-US" dirty="0" smtClean="0">
-                <a:latin typeface="굴림체" panose="020B0609000101010101" pitchFamily="49" charset="-127"/>
-                <a:ea typeface="굴림체" panose="020B0609000101010101" pitchFamily="49" charset="-127"/>
-              </a:rPr>
-              <a:t> 문제점들이 많이 있었습니다</a:t>
-            </a:r>
-            <a:endParaRPr lang="en-US" altLang="ko-KR" dirty="0" smtClean="0">
-              <a:latin typeface="굴림체" panose="020B0609000101010101" pitchFamily="49" charset="-127"/>
-              <a:ea typeface="굴림체" panose="020B0609000101010101" pitchFamily="49" charset="-127"/>
-            </a:endParaRPr>
-          </a:p>
-        </p:txBody>
-      </p:sp>
-      <p:sp>
-        <p:nvSpPr>
-          <p:cNvPr id="8" name="TextBox 7"/>
-          <p:cNvSpPr txBox="1"/>
-          <p:nvPr/>
-        </p:nvSpPr>
-        <p:spPr>
-          <a:xfrm>
-            <a:off x="705554" y="5294610"/>
-            <a:ext cx="7776864" cy="646331"/>
-          </a:xfrm>
-          <a:prstGeom prst="rect">
-            <a:avLst/>
-          </a:prstGeom>
-          <a:noFill/>
-        </p:spPr>
-        <p:txBody>
-          <a:bodyPr wrap="square" rtlCol="0">
-            <a:spAutoFit/>
-          </a:bodyPr>
-          <a:lstStyle/>
-          <a:p>
-            <a:r>
-              <a:rPr lang="ko-KR" altLang="en-US" dirty="0" smtClean="0">
+              <a:rPr lang="ko-KR" altLang="en-US" dirty="0">
                 <a:latin typeface="굴림체" panose="020B0609000101010101" pitchFamily="49" charset="-127"/>
                 <a:ea typeface="굴림체" panose="020B0609000101010101" pitchFamily="49" charset="-127"/>
               </a:rPr>
               <a:t>몇몇 멤버는 </a:t>
             </a:r>
             <a:r>
-              <a:rPr lang="en-US" altLang="ko-KR" dirty="0" smtClean="0">
+              <a:rPr lang="en-US" altLang="ko-KR" dirty="0">
                 <a:latin typeface="굴림체" panose="020B0609000101010101" pitchFamily="49" charset="-127"/>
                 <a:ea typeface="굴림체" panose="020B0609000101010101" pitchFamily="49" charset="-127"/>
               </a:rPr>
               <a:t>commit </a:t>
             </a:r>
             <a:r>
-              <a:rPr lang="ko-KR" altLang="en-US" dirty="0" smtClean="0">
+              <a:rPr lang="ko-KR" altLang="en-US" dirty="0">
                 <a:latin typeface="굴림체" panose="020B0609000101010101" pitchFamily="49" charset="-127"/>
                 <a:ea typeface="굴림체" panose="020B0609000101010101" pitchFamily="49" charset="-127"/>
               </a:rPr>
               <a:t>이 정상적으로 수행이 되었음에도 그래프에 표시되지 않은 현상이 발생하였습니다</a:t>
             </a:r>
-            <a:endParaRPr lang="ko-KR" altLang="en-US" dirty="0">
-              <a:latin typeface="굴림체" panose="020B0609000101010101" pitchFamily="49" charset="-127"/>
-              <a:ea typeface="굴림체" panose="020B0609000101010101" pitchFamily="49" charset="-127"/>
-            </a:endParaRPr>
           </a:p>
         </p:txBody>
       </p:sp>
@@ -6885,13 +6631,6 @@
   <p:clrMapOvr>
     <a:masterClrMapping/>
   </p:clrMapOvr>
-  <p:timing>
-    <p:tnLst>
-      <p:par>
-        <p:cTn id="1" dur="indefinite" restart="never" nodeType="tmRoot"/>
-      </p:par>
-    </p:tnLst>
-  </p:timing>
 </p:sld>
 </file>
 
@@ -6931,8 +6670,8 @@
         </p:nvSpPr>
         <p:spPr>
           <a:xfrm>
-            <a:off x="5701756" y="5805090"/>
-            <a:ext cx="3714776" cy="338554"/>
+            <a:off x="5076056" y="5805264"/>
+            <a:ext cx="3714776" cy="400110"/>
           </a:xfrm>
           <a:prstGeom prst="rect">
             <a:avLst/>
@@ -6946,7 +6685,7 @@
           <a:lstStyle/>
           <a:p>
             <a:r>
-              <a:rPr lang="ko-KR" altLang="en-US" sz="1600" dirty="0" err="1" smtClean="0">
+              <a:rPr lang="ko-KR" altLang="en-US" sz="2000" b="1" dirty="0" err="1">
                 <a:ln>
                   <a:solidFill>
                     <a:schemeClr val="bg1">
@@ -6963,7 +6702,7 @@
               <a:t>한상명</a:t>
             </a:r>
             <a:r>
-              <a:rPr lang="ko-KR" altLang="en-US" sz="1600" dirty="0" smtClean="0">
+              <a:rPr lang="ko-KR" altLang="en-US" sz="2000" b="1" dirty="0">
                 <a:ln>
                   <a:solidFill>
                     <a:schemeClr val="bg1">
@@ -6980,7 +6719,7 @@
               <a:t> </a:t>
             </a:r>
             <a:r>
-              <a:rPr lang="ko-KR" altLang="en-US" sz="1600" dirty="0" err="1" smtClean="0">
+              <a:rPr lang="ko-KR" altLang="en-US" sz="2000" b="1" dirty="0" err="1">
                 <a:ln>
                   <a:solidFill>
                     <a:schemeClr val="bg1">
@@ -6997,7 +6736,7 @@
               <a:t>이수행</a:t>
             </a:r>
             <a:r>
-              <a:rPr lang="ko-KR" altLang="en-US" sz="1600" dirty="0" smtClean="0">
+              <a:rPr lang="ko-KR" altLang="en-US" sz="2000" b="1" dirty="0">
                 <a:ln>
                   <a:solidFill>
                     <a:schemeClr val="bg1">
@@ -7014,7 +6753,7 @@
               <a:t> 김기영 </a:t>
             </a:r>
             <a:r>
-              <a:rPr lang="ko-KR" altLang="en-US" sz="1600" dirty="0" err="1" smtClean="0">
+              <a:rPr lang="ko-KR" altLang="en-US" sz="2000" b="1" dirty="0" err="1">
                 <a:ln>
                   <a:solidFill>
                     <a:schemeClr val="bg1">
@@ -7030,7 +6769,7 @@
               </a:rPr>
               <a:t>최병준</a:t>
             </a:r>
-            <a:endParaRPr lang="ko-KR" altLang="en-US" sz="1600" dirty="0">
+            <a:endParaRPr lang="ko-KR" altLang="en-US" sz="2000" b="1" dirty="0">
               <a:ln>
                 <a:solidFill>
                   <a:schemeClr val="bg1">
@@ -7056,7 +6795,7 @@
         <p:spPr>
           <a:xfrm>
             <a:off x="701096" y="3071810"/>
-            <a:ext cx="4500594" cy="707886"/>
+            <a:ext cx="4500594" cy="1107996"/>
           </a:xfrm>
           <a:prstGeom prst="rect">
             <a:avLst/>
@@ -7070,7 +6809,7 @@
           <a:lstStyle/>
           <a:p>
             <a:r>
-              <a:rPr lang="en-US" altLang="ko-KR" sz="4000" dirty="0" smtClean="0">
+              <a:rPr lang="en-US" altLang="ko-KR" sz="6600" b="1" dirty="0">
                 <a:ln>
                   <a:solidFill>
                     <a:schemeClr val="bg1">
@@ -7086,7 +6825,7 @@
               </a:rPr>
               <a:t>Thank You</a:t>
             </a:r>
-            <a:endParaRPr lang="ko-KR" altLang="en-US" sz="4000" dirty="0">
+            <a:endParaRPr lang="ko-KR" altLang="en-US" sz="6600" b="1" dirty="0">
               <a:ln>
                 <a:solidFill>
                   <a:schemeClr val="bg1">
@@ -7108,13 +6847,6 @@
   <p:clrMapOvr>
     <a:masterClrMapping/>
   </p:clrMapOvr>
-  <p:timing>
-    <p:tnLst>
-      <p:par>
-        <p:cTn id="1" dur="indefinite" restart="never" nodeType="tmRoot"/>
-      </p:par>
-    </p:tnLst>
-  </p:timing>
 </p:sld>
 </file>
 
@@ -7158,7 +6890,7 @@
           <a:lstStyle/>
           <a:p>
             <a:r>
-              <a:rPr lang="en-US" altLang="ko-KR" sz="2000" dirty="0" smtClean="0">
+              <a:rPr lang="en-US" altLang="ko-KR" sz="2000" b="1" dirty="0">
                 <a:ln>
                   <a:solidFill>
                     <a:schemeClr val="bg1">
@@ -7178,7 +6910,7 @@
               <a:t>01.</a:t>
             </a:r>
             <a:r>
-              <a:rPr lang="ko-KR" altLang="en-US" sz="2000" dirty="0" err="1" smtClean="0">
+              <a:rPr lang="ko-KR" altLang="en-US" sz="2000" b="1" dirty="0" err="1">
                 <a:ln>
                   <a:solidFill>
                     <a:schemeClr val="bg1">
@@ -7198,7 +6930,7 @@
               <a:t>주제선정</a:t>
             </a:r>
             <a:r>
-              <a:rPr lang="ko-KR" altLang="en-US" sz="2000" dirty="0" smtClean="0">
+              <a:rPr lang="ko-KR" altLang="en-US" sz="2000" b="1" dirty="0">
                 <a:ln>
                   <a:solidFill>
                     <a:schemeClr val="bg1">
@@ -7218,7 +6950,7 @@
               <a:t> 및 동기</a:t>
             </a:r>
             <a:r>
-              <a:rPr lang="en-US" altLang="ko-KR" sz="2000" dirty="0" smtClean="0">
+              <a:rPr lang="en-US" altLang="ko-KR" sz="2000" b="1" dirty="0">
                 <a:ln>
                   <a:solidFill>
                     <a:schemeClr val="bg1">
@@ -7237,7 +6969,7 @@
               </a:rPr>
               <a:t> </a:t>
             </a:r>
-            <a:endParaRPr lang="ko-KR" altLang="en-US" sz="2000" dirty="0">
+            <a:endParaRPr lang="ko-KR" altLang="en-US" sz="2000" b="1" dirty="0">
               <a:ln>
                 <a:solidFill>
                   <a:schemeClr val="bg1">
@@ -7280,7 +7012,7 @@
           <a:lstStyle/>
           <a:p>
             <a:r>
-              <a:rPr lang="en-US" altLang="ko-KR" sz="2000" dirty="0" smtClean="0">
+              <a:rPr lang="en-US" altLang="ko-KR" sz="2000" b="1" dirty="0">
                 <a:ln>
                   <a:solidFill>
                     <a:schemeClr val="bg1">
@@ -7299,7 +7031,7 @@
               </a:rPr>
               <a:t>02.OVERVIEW</a:t>
             </a:r>
-            <a:endParaRPr lang="ko-KR" altLang="en-US" sz="2000" dirty="0">
+            <a:endParaRPr lang="ko-KR" altLang="en-US" sz="2000" b="1" dirty="0">
               <a:ln>
                 <a:solidFill>
                   <a:schemeClr val="bg1">
@@ -7342,7 +7074,7 @@
           <a:lstStyle/>
           <a:p>
             <a:r>
-              <a:rPr lang="en-US" altLang="ko-KR" sz="2000" dirty="0" smtClean="0">
+              <a:rPr lang="en-US" altLang="ko-KR" sz="2000" b="1" dirty="0">
                 <a:ln>
                   <a:solidFill>
                     <a:schemeClr val="bg1">
@@ -7362,7 +7094,7 @@
               <a:t>03.</a:t>
             </a:r>
             <a:r>
-              <a:rPr lang="ko-KR" altLang="en-US" sz="2000" dirty="0" smtClean="0">
+              <a:rPr lang="ko-KR" altLang="en-US" sz="2000" b="1" dirty="0">
                 <a:ln>
                   <a:solidFill>
                     <a:schemeClr val="bg1">
@@ -7381,23 +7113,6 @@
               </a:rPr>
               <a:t>시연</a:t>
             </a:r>
-            <a:endParaRPr lang="ko-KR" altLang="en-US" sz="2000" dirty="0">
-              <a:ln>
-                <a:solidFill>
-                  <a:schemeClr val="bg1">
-                    <a:alpha val="0"/>
-                  </a:schemeClr>
-                </a:solidFill>
-              </a:ln>
-              <a:solidFill>
-                <a:schemeClr val="tx1">
-                  <a:lumMod val="85000"/>
-                  <a:lumOff val="15000"/>
-                </a:schemeClr>
-              </a:solidFill>
-              <a:latin typeface="굴림체" panose="020B0609000101010101" pitchFamily="49" charset="-127"/>
-              <a:ea typeface="굴림체" panose="020B0609000101010101" pitchFamily="49" charset="-127"/>
-            </a:endParaRPr>
           </a:p>
         </p:txBody>
       </p:sp>
@@ -7424,7 +7139,7 @@
           <a:lstStyle/>
           <a:p>
             <a:r>
-              <a:rPr lang="en-US" altLang="ko-KR" sz="2000" dirty="0" smtClean="0">
+              <a:rPr lang="en-US" altLang="ko-KR" sz="2000" b="1" dirty="0">
                 <a:ln>
                   <a:solidFill>
                     <a:schemeClr val="bg1">
@@ -7444,7 +7159,7 @@
               <a:t>04.</a:t>
             </a:r>
             <a:r>
-              <a:rPr lang="ko-KR" altLang="en-US" sz="2000" dirty="0" smtClean="0">
+              <a:rPr lang="ko-KR" altLang="en-US" sz="2000" b="1" dirty="0">
                 <a:ln>
                   <a:solidFill>
                     <a:schemeClr val="bg1">
@@ -7463,23 +7178,6 @@
               </a:rPr>
               <a:t>결과</a:t>
             </a:r>
-            <a:endParaRPr lang="ko-KR" altLang="en-US" sz="2000" dirty="0">
-              <a:ln>
-                <a:solidFill>
-                  <a:schemeClr val="bg1">
-                    <a:alpha val="0"/>
-                  </a:schemeClr>
-                </a:solidFill>
-              </a:ln>
-              <a:solidFill>
-                <a:schemeClr val="tx1">
-                  <a:lumMod val="85000"/>
-                  <a:lumOff val="15000"/>
-                </a:schemeClr>
-              </a:solidFill>
-              <a:latin typeface="굴림체" panose="020B0609000101010101" pitchFamily="49" charset="-127"/>
-              <a:ea typeface="굴림체" panose="020B0609000101010101" pitchFamily="49" charset="-127"/>
-            </a:endParaRPr>
           </a:p>
         </p:txBody>
       </p:sp>
@@ -7506,7 +7204,7 @@
           <a:lstStyle/>
           <a:p>
             <a:r>
-              <a:rPr lang="en-US" altLang="ko-KR" sz="13800" dirty="0" smtClean="0">
+              <a:rPr lang="en-US" altLang="ko-KR" sz="13800" dirty="0">
                 <a:ln>
                   <a:solidFill>
                     <a:schemeClr val="bg1">
@@ -7587,7 +7285,7 @@
           <a:lstStyle/>
           <a:p>
             <a:pPr algn="ctr"/>
-            <a:endParaRPr lang="ko-KR" altLang="en-US">
+            <a:endParaRPr lang="ko-KR" altLang="en-US" b="1">
               <a:latin typeface="굴림체" panose="020B0609000101010101" pitchFamily="49" charset="-127"/>
               <a:ea typeface="굴림체" panose="020B0609000101010101" pitchFamily="49" charset="-127"/>
             </a:endParaRPr>
@@ -7602,7 +7300,7 @@
         </p:nvSpPr>
         <p:spPr>
           <a:xfrm>
-            <a:off x="3749322" y="1711099"/>
+            <a:off x="3974024" y="1712086"/>
             <a:ext cx="1338828" cy="646331"/>
           </a:xfrm>
           <a:prstGeom prst="rect">
@@ -7616,8 +7314,9 @@
           </a:bodyPr>
           <a:lstStyle/>
           <a:p>
-            <a:r>
-              <a:rPr lang="en-US" altLang="ko-KR" sz="3600" dirty="0" smtClean="0">
+            <a:pPr algn="ctr"/>
+            <a:r>
+              <a:rPr lang="en-US" altLang="ko-KR" sz="3600" b="1" dirty="0">
                 <a:solidFill>
                   <a:schemeClr val="tx1">
                     <a:lumMod val="85000"/>
@@ -7629,7 +7328,7 @@
               </a:rPr>
               <a:t>Index</a:t>
             </a:r>
-            <a:endParaRPr lang="ko-KR" altLang="en-US" sz="3600" dirty="0">
+            <a:endParaRPr lang="ko-KR" altLang="en-US" sz="3600" b="1" dirty="0">
               <a:solidFill>
                 <a:schemeClr val="tx1">
                   <a:lumMod val="85000"/>
@@ -7665,7 +7364,7 @@
           <a:lstStyle/>
           <a:p>
             <a:r>
-              <a:rPr lang="en-US" altLang="ko-KR" sz="2000" dirty="0" smtClean="0">
+              <a:rPr lang="en-US" altLang="ko-KR" sz="2000" b="1" dirty="0">
                 <a:ln>
                   <a:solidFill>
                     <a:schemeClr val="bg1">
@@ -7685,7 +7384,7 @@
               <a:t>05.Github </a:t>
             </a:r>
             <a:r>
-              <a:rPr lang="ko-KR" altLang="en-US" sz="2000" dirty="0" smtClean="0">
+              <a:rPr lang="ko-KR" altLang="en-US" sz="2000" b="1" dirty="0">
                 <a:ln>
                   <a:solidFill>
                     <a:schemeClr val="bg1">
@@ -7704,23 +7403,6 @@
               </a:rPr>
               <a:t>사용내역</a:t>
             </a:r>
-            <a:endParaRPr lang="ko-KR" altLang="en-US" sz="2000" dirty="0">
-              <a:ln>
-                <a:solidFill>
-                  <a:schemeClr val="bg1">
-                    <a:alpha val="0"/>
-                  </a:schemeClr>
-                </a:solidFill>
-              </a:ln>
-              <a:solidFill>
-                <a:schemeClr val="tx1">
-                  <a:lumMod val="85000"/>
-                  <a:lumOff val="15000"/>
-                </a:schemeClr>
-              </a:solidFill>
-              <a:latin typeface="굴림체" panose="020B0609000101010101" pitchFamily="49" charset="-127"/>
-              <a:ea typeface="굴림체" panose="020B0609000101010101" pitchFamily="49" charset="-127"/>
-            </a:endParaRPr>
           </a:p>
         </p:txBody>
       </p:sp>
@@ -7729,13 +7411,6 @@
   <p:clrMapOvr>
     <a:masterClrMapping/>
   </p:clrMapOvr>
-  <p:timing>
-    <p:tnLst>
-      <p:par>
-        <p:cTn id="1" dur="indefinite" restart="never" nodeType="tmRoot"/>
-      </p:par>
-    </p:tnLst>
-  </p:timing>
 </p:sld>
 </file>
 
@@ -7804,7 +7479,7 @@
             <a:lstStyle/>
             <a:p>
               <a:r>
-                <a:rPr lang="en-US" altLang="ko-KR" sz="30000" dirty="0" smtClean="0">
+                <a:rPr lang="en-US" altLang="ko-KR" sz="30000" dirty="0">
                   <a:solidFill>
                     <a:srgbClr val="E0CFA3"/>
                   </a:solidFill>
@@ -7851,7 +7526,7 @@
             <a:lstStyle/>
             <a:p>
               <a:r>
-                <a:rPr lang="en-US" altLang="ko-KR" sz="3600" dirty="0" smtClean="0">
+                <a:rPr lang="en-US" altLang="ko-KR" sz="3600" dirty="0">
                   <a:solidFill>
                     <a:srgbClr val="E0CFA3"/>
                   </a:solidFill>
@@ -7894,7 +7569,7 @@
           <a:lstStyle/>
           <a:p>
             <a:r>
-              <a:rPr lang="en-US" altLang="ko-KR" dirty="0" smtClean="0">
+              <a:rPr lang="en-US" altLang="ko-KR" dirty="0">
                 <a:ln>
                   <a:solidFill>
                     <a:schemeClr val="bg1">
@@ -7911,7 +7586,7 @@
               <a:t> </a:t>
             </a:r>
             <a:r>
-              <a:rPr lang="ko-KR" altLang="en-US" dirty="0" err="1" smtClean="0">
+              <a:rPr lang="ko-KR" altLang="en-US" dirty="0" err="1">
                 <a:ln>
                   <a:solidFill>
                     <a:schemeClr val="bg1">
@@ -7928,7 +7603,7 @@
               <a:t>주제선정</a:t>
             </a:r>
             <a:r>
-              <a:rPr lang="ko-KR" altLang="en-US" dirty="0" smtClean="0">
+              <a:rPr lang="ko-KR" altLang="en-US" dirty="0">
                 <a:ln>
                   <a:solidFill>
                     <a:schemeClr val="bg1">
@@ -7944,20 +7619,6 @@
               </a:rPr>
               <a:t> 및 동기</a:t>
             </a:r>
-            <a:endParaRPr lang="ko-KR" altLang="en-US" dirty="0">
-              <a:ln>
-                <a:solidFill>
-                  <a:schemeClr val="bg1">
-                    <a:alpha val="0"/>
-                  </a:schemeClr>
-                </a:solidFill>
-              </a:ln>
-              <a:solidFill>
-                <a:srgbClr val="E0CFA3"/>
-              </a:solidFill>
-              <a:latin typeface="굴림체" panose="020B0609000101010101" pitchFamily="49" charset="-127"/>
-              <a:ea typeface="굴림체" panose="020B0609000101010101" pitchFamily="49" charset="-127"/>
-            </a:endParaRPr>
           </a:p>
         </p:txBody>
       </p:sp>
@@ -7966,13 +7627,6 @@
   <p:clrMapOvr>
     <a:masterClrMapping/>
   </p:clrMapOvr>
-  <p:timing>
-    <p:tnLst>
-      <p:par>
-        <p:cTn id="1" dur="indefinite" restart="never" nodeType="tmRoot"/>
-      </p:par>
-    </p:tnLst>
-  </p:timing>
 </p:sld>
 </file>
 
@@ -8016,7 +7670,7 @@
           <a:lstStyle/>
           <a:p>
             <a:r>
-              <a:rPr lang="en-US" altLang="ko-KR" sz="9600" dirty="0" smtClean="0">
+              <a:rPr lang="en-US" altLang="ko-KR" sz="9600" b="1" dirty="0">
                 <a:solidFill>
                   <a:schemeClr val="tx1">
                     <a:lumMod val="85000"/>
@@ -8028,7 +7682,7 @@
               </a:rPr>
               <a:t>01</a:t>
             </a:r>
-            <a:endParaRPr lang="ko-KR" altLang="en-US" sz="9600" dirty="0">
+            <a:endParaRPr lang="ko-KR" altLang="en-US" sz="9600" b="1" dirty="0">
               <a:solidFill>
                 <a:schemeClr val="tx1">
                   <a:lumMod val="85000"/>
@@ -8118,7 +7772,7 @@
           <a:lstStyle/>
           <a:p>
             <a:r>
-              <a:rPr lang="ko-KR" altLang="en-US" dirty="0" err="1" smtClean="0">
+              <a:rPr lang="ko-KR" altLang="en-US" b="1" dirty="0" err="1">
                 <a:ln>
                   <a:solidFill>
                     <a:schemeClr val="bg1">
@@ -8138,7 +7792,7 @@
               <a:t>주제선정</a:t>
             </a:r>
             <a:r>
-              <a:rPr lang="ko-KR" altLang="en-US" dirty="0" smtClean="0">
+              <a:rPr lang="ko-KR" altLang="en-US" b="1" dirty="0">
                 <a:ln>
                   <a:solidFill>
                     <a:schemeClr val="bg1">
@@ -8157,23 +7811,6 @@
               </a:rPr>
               <a:t> 및 동기</a:t>
             </a:r>
-            <a:endParaRPr lang="ko-KR" altLang="en-US" dirty="0">
-              <a:ln>
-                <a:solidFill>
-                  <a:schemeClr val="bg1">
-                    <a:alpha val="0"/>
-                  </a:schemeClr>
-                </a:solidFill>
-              </a:ln>
-              <a:solidFill>
-                <a:schemeClr val="tx1">
-                  <a:lumMod val="85000"/>
-                  <a:lumOff val="15000"/>
-                </a:schemeClr>
-              </a:solidFill>
-              <a:latin typeface="굴림체" panose="020B0609000101010101" pitchFamily="49" charset="-127"/>
-              <a:ea typeface="굴림체" panose="020B0609000101010101" pitchFamily="49" charset="-127"/>
-            </a:endParaRPr>
           </a:p>
         </p:txBody>
       </p:sp>
@@ -8367,7 +8004,7 @@
           <a:p>
             <a:pPr fontAlgn="base" latinLnBrk="0"/>
             <a:r>
-              <a:rPr lang="en-US" altLang="ko-KR" sz="2800" dirty="0" smtClean="0">
+              <a:rPr lang="en-US" altLang="ko-KR" sz="2800" dirty="0">
                 <a:latin typeface="굴림체" panose="020B0609000101010101" pitchFamily="49" charset="-127"/>
                 <a:ea typeface="굴림체" panose="020B0609000101010101" pitchFamily="49" charset="-127"/>
               </a:rPr>
@@ -8413,26 +8050,74 @@
           <a:lstStyle/>
           <a:p>
             <a:r>
-              <a:rPr lang="ko-KR" altLang="en-US" dirty="0" smtClean="0">
+              <a:rPr lang="ko-KR" altLang="en-US" dirty="0">
                 <a:latin typeface="굴림체" panose="020B0609000101010101" pitchFamily="49" charset="-127"/>
                 <a:ea typeface="굴림체" panose="020B0609000101010101" pitchFamily="49" charset="-127"/>
               </a:rPr>
               <a:t>유통기한이 있는 제품의 관리를 </a:t>
             </a:r>
             <a:r>
-              <a:rPr lang="en-US" altLang="ko-KR" dirty="0" smtClean="0">
+              <a:rPr lang="en-US" altLang="ko-KR" dirty="0">
                 <a:latin typeface="굴림체" panose="020B0609000101010101" pitchFamily="49" charset="-127"/>
                 <a:ea typeface="굴림체" panose="020B0609000101010101" pitchFamily="49" charset="-127"/>
               </a:rPr>
               <a:t>android</a:t>
             </a:r>
             <a:r>
-              <a:rPr lang="ko-KR" altLang="en-US" dirty="0" smtClean="0">
+              <a:rPr lang="ko-KR" altLang="en-US" dirty="0">
                 <a:latin typeface="굴림체" panose="020B0609000101010101" pitchFamily="49" charset="-127"/>
                 <a:ea typeface="굴림체" panose="020B0609000101010101" pitchFamily="49" charset="-127"/>
               </a:rPr>
               <a:t>앱을 통해 손쉽게 유통기한을 관리할 수 있는 시스템을 개발하기 위해 선정</a:t>
             </a:r>
+          </a:p>
+        </p:txBody>
+      </p:sp>
+      <p:sp>
+        <p:nvSpPr>
+          <p:cNvPr id="11" name="TextBox 10"/>
+          <p:cNvSpPr txBox="1"/>
+          <p:nvPr/>
+        </p:nvSpPr>
+        <p:spPr>
+          <a:xfrm>
+            <a:off x="1321346" y="4091284"/>
+            <a:ext cx="6336704" cy="923330"/>
+          </a:xfrm>
+          <a:prstGeom prst="rect">
+            <a:avLst/>
+          </a:prstGeom>
+          <a:noFill/>
+        </p:spPr>
+        <p:txBody>
+          <a:bodyPr wrap="square" rtlCol="0">
+            <a:spAutoFit/>
+          </a:bodyPr>
+          <a:lstStyle/>
+          <a:p>
+            <a:r>
+              <a:rPr lang="ko-KR" altLang="en-US" dirty="0">
+                <a:latin typeface="굴림체" panose="020B0609000101010101" pitchFamily="49" charset="-127"/>
+                <a:ea typeface="굴림체" panose="020B0609000101010101" pitchFamily="49" charset="-127"/>
+              </a:rPr>
+              <a:t>모바일의 </a:t>
+            </a:r>
+            <a:r>
+              <a:rPr lang="ko-KR" altLang="en-US" dirty="0" err="1">
+                <a:latin typeface="굴림체" panose="020B0609000101010101" pitchFamily="49" charset="-127"/>
+                <a:ea typeface="굴림체" panose="020B0609000101010101" pitchFamily="49" charset="-127"/>
+              </a:rPr>
+              <a:t>푸쉬</a:t>
+            </a:r>
+            <a:r>
+              <a:rPr lang="ko-KR" altLang="en-US" dirty="0">
+                <a:latin typeface="굴림체" panose="020B0609000101010101" pitchFamily="49" charset="-127"/>
+                <a:ea typeface="굴림체" panose="020B0609000101010101" pitchFamily="49" charset="-127"/>
+              </a:rPr>
+              <a:t> 알림과 같은 기능을 이용하여 유통기한이 임박하였을 때 알림을 보내 효율적인 제품 관리에 도움</a:t>
+            </a:r>
+          </a:p>
+          <a:p>
             <a:endParaRPr lang="ko-KR" altLang="en-US" dirty="0">
               <a:latin typeface="굴림체" panose="020B0609000101010101" pitchFamily="49" charset="-127"/>
               <a:ea typeface="굴림체" panose="020B0609000101010101" pitchFamily="49" charset="-127"/>
@@ -8442,14 +8127,14 @@
       </p:sp>
       <p:sp>
         <p:nvSpPr>
-          <p:cNvPr id="11" name="TextBox 10"/>
+          <p:cNvPr id="13" name="TextBox 12"/>
           <p:cNvSpPr txBox="1"/>
           <p:nvPr/>
         </p:nvSpPr>
         <p:spPr>
           <a:xfrm>
-            <a:off x="1321346" y="4091284"/>
-            <a:ext cx="6336704" cy="923330"/>
+            <a:off x="1321346" y="5408950"/>
+            <a:ext cx="6120680" cy="646331"/>
           </a:xfrm>
           <a:prstGeom prst="rect">
             <a:avLst/>
@@ -8467,85 +8152,29 @@
                 <a:latin typeface="굴림체" panose="020B0609000101010101" pitchFamily="49" charset="-127"/>
                 <a:ea typeface="굴림체" panose="020B0609000101010101" pitchFamily="49" charset="-127"/>
               </a:rPr>
-              <a:t>모바일의 </a:t>
-            </a:r>
-            <a:r>
-              <a:rPr lang="ko-KR" altLang="en-US" dirty="0" err="1">
-                <a:latin typeface="굴림체" panose="020B0609000101010101" pitchFamily="49" charset="-127"/>
-                <a:ea typeface="굴림체" panose="020B0609000101010101" pitchFamily="49" charset="-127"/>
-              </a:rPr>
-              <a:t>푸쉬</a:t>
+              <a:t>오픈소스인 </a:t>
+            </a:r>
+            <a:r>
+              <a:rPr lang="en-US" altLang="ko-KR" dirty="0" err="1">
+                <a:latin typeface="굴림체" panose="020B0609000101010101" pitchFamily="49" charset="-127"/>
+                <a:ea typeface="굴림체" panose="020B0609000101010101" pitchFamily="49" charset="-127"/>
+              </a:rPr>
+              <a:t>zXing</a:t>
+            </a:r>
+            <a:r>
+              <a:rPr lang="en-US" altLang="ko-KR" dirty="0">
+                <a:latin typeface="굴림체" panose="020B0609000101010101" pitchFamily="49" charset="-127"/>
+                <a:ea typeface="굴림체" panose="020B0609000101010101" pitchFamily="49" charset="-127"/>
+              </a:rPr>
+              <a:t> library</a:t>
             </a:r>
             <a:r>
               <a:rPr lang="ko-KR" altLang="en-US" dirty="0">
                 <a:latin typeface="굴림체" panose="020B0609000101010101" pitchFamily="49" charset="-127"/>
                 <a:ea typeface="굴림체" panose="020B0609000101010101" pitchFamily="49" charset="-127"/>
               </a:rPr>
-              <a:t> 알림과 같은 기능을 이용하여 유통기한이 임박하였을 때 알림을 보내 효율적인 제품 관리에 도움</a:t>
-            </a:r>
-          </a:p>
-          <a:p>
-            <a:endParaRPr lang="ko-KR" altLang="en-US" dirty="0">
-              <a:latin typeface="굴림체" panose="020B0609000101010101" pitchFamily="49" charset="-127"/>
-              <a:ea typeface="굴림체" panose="020B0609000101010101" pitchFamily="49" charset="-127"/>
-            </a:endParaRPr>
-          </a:p>
-        </p:txBody>
-      </p:sp>
-      <p:sp>
-        <p:nvSpPr>
-          <p:cNvPr id="13" name="TextBox 12"/>
-          <p:cNvSpPr txBox="1"/>
-          <p:nvPr/>
-        </p:nvSpPr>
-        <p:spPr>
-          <a:xfrm>
-            <a:off x="1321346" y="5408950"/>
-            <a:ext cx="6120680" cy="646331"/>
-          </a:xfrm>
-          <a:prstGeom prst="rect">
-            <a:avLst/>
-          </a:prstGeom>
-          <a:noFill/>
-        </p:spPr>
-        <p:txBody>
-          <a:bodyPr wrap="square" rtlCol="0">
-            <a:spAutoFit/>
-          </a:bodyPr>
-          <a:lstStyle/>
-          <a:p>
-            <a:r>
-              <a:rPr lang="ko-KR" altLang="en-US" dirty="0" smtClean="0">
-                <a:latin typeface="굴림체" panose="020B0609000101010101" pitchFamily="49" charset="-127"/>
-                <a:ea typeface="굴림체" panose="020B0609000101010101" pitchFamily="49" charset="-127"/>
-              </a:rPr>
-              <a:t>오픈소스인 </a:t>
-            </a:r>
-            <a:r>
-              <a:rPr lang="en-US" altLang="ko-KR" dirty="0" err="1" smtClean="0">
-                <a:latin typeface="굴림체" panose="020B0609000101010101" pitchFamily="49" charset="-127"/>
-                <a:ea typeface="굴림체" panose="020B0609000101010101" pitchFamily="49" charset="-127"/>
-              </a:rPr>
-              <a:t>zXing</a:t>
-            </a:r>
-            <a:r>
-              <a:rPr lang="en-US" altLang="ko-KR" dirty="0" smtClean="0">
-                <a:latin typeface="굴림체" panose="020B0609000101010101" pitchFamily="49" charset="-127"/>
-                <a:ea typeface="굴림체" panose="020B0609000101010101" pitchFamily="49" charset="-127"/>
-              </a:rPr>
-              <a:t> library</a:t>
-            </a:r>
-            <a:r>
-              <a:rPr lang="ko-KR" altLang="en-US" dirty="0" smtClean="0">
-                <a:latin typeface="굴림체" panose="020B0609000101010101" pitchFamily="49" charset="-127"/>
-                <a:ea typeface="굴림체" panose="020B0609000101010101" pitchFamily="49" charset="-127"/>
-              </a:rPr>
               <a:t>를 활용하여 프로젝트 진행</a:t>
             </a:r>
-            <a:endParaRPr lang="ko-KR" altLang="en-US" dirty="0">
-              <a:latin typeface="굴림체" panose="020B0609000101010101" pitchFamily="49" charset="-127"/>
-              <a:ea typeface="굴림체" panose="020B0609000101010101" pitchFamily="49" charset="-127"/>
-            </a:endParaRPr>
           </a:p>
           <a:p>
             <a:endParaRPr lang="ko-KR" altLang="en-US" dirty="0">
@@ -8560,13 +8189,6 @@
   <p:clrMapOvr>
     <a:masterClrMapping/>
   </p:clrMapOvr>
-  <p:timing>
-    <p:tnLst>
-      <p:par>
-        <p:cTn id="1" dur="indefinite" restart="never" nodeType="tmRoot"/>
-      </p:par>
-    </p:tnLst>
-  </p:timing>
 </p:sld>
 </file>
 
@@ -8610,7 +8232,7 @@
           <a:lstStyle/>
           <a:p>
             <a:r>
-              <a:rPr lang="en-US" altLang="ko-KR" sz="9600" dirty="0" smtClean="0">
+              <a:rPr lang="en-US" altLang="ko-KR" sz="9600" b="1" dirty="0">
                 <a:solidFill>
                   <a:schemeClr val="tx1">
                     <a:lumMod val="85000"/>
@@ -8622,7 +8244,7 @@
               </a:rPr>
               <a:t>01</a:t>
             </a:r>
-            <a:endParaRPr lang="ko-KR" altLang="en-US" sz="9600" dirty="0">
+            <a:endParaRPr lang="ko-KR" altLang="en-US" sz="9600" b="1" dirty="0">
               <a:solidFill>
                 <a:schemeClr val="tx1">
                   <a:lumMod val="85000"/>
@@ -8712,7 +8334,7 @@
           <a:lstStyle/>
           <a:p>
             <a:r>
-              <a:rPr lang="ko-KR" altLang="en-US" dirty="0" err="1" smtClean="0">
+              <a:rPr lang="ko-KR" altLang="en-US" b="1" dirty="0" err="1">
                 <a:ln>
                   <a:solidFill>
                     <a:schemeClr val="bg1">
@@ -8732,7 +8354,7 @@
               <a:t>주제선정</a:t>
             </a:r>
             <a:r>
-              <a:rPr lang="ko-KR" altLang="en-US" dirty="0" smtClean="0">
+              <a:rPr lang="ko-KR" altLang="en-US" b="1" dirty="0">
                 <a:ln>
                   <a:solidFill>
                     <a:schemeClr val="bg1">
@@ -8751,23 +8373,6 @@
               </a:rPr>
               <a:t> 및 동기</a:t>
             </a:r>
-            <a:endParaRPr lang="ko-KR" altLang="en-US" dirty="0">
-              <a:ln>
-                <a:solidFill>
-                  <a:schemeClr val="bg1">
-                    <a:alpha val="0"/>
-                  </a:schemeClr>
-                </a:solidFill>
-              </a:ln>
-              <a:solidFill>
-                <a:schemeClr val="tx1">
-                  <a:lumMod val="85000"/>
-                  <a:lumOff val="15000"/>
-                </a:schemeClr>
-              </a:solidFill>
-              <a:latin typeface="굴림체" panose="020B0609000101010101" pitchFamily="49" charset="-127"/>
-              <a:ea typeface="굴림체" panose="020B0609000101010101" pitchFamily="49" charset="-127"/>
-            </a:endParaRPr>
           </a:p>
         </p:txBody>
       </p:sp>
@@ -8899,42 +8504,42 @@
           <a:p>
             <a:pPr fontAlgn="base" latinLnBrk="0"/>
             <a:r>
-              <a:rPr lang="ko-KR" altLang="en-US" sz="2400" dirty="0" smtClean="0">
+              <a:rPr lang="ko-KR" altLang="en-US" sz="2400" dirty="0">
                 <a:latin typeface="굴림체" panose="020B0609000101010101" pitchFamily="49" charset="-127"/>
                 <a:ea typeface="굴림체" panose="020B0609000101010101" pitchFamily="49" charset="-127"/>
               </a:rPr>
               <a:t>사용한 </a:t>
             </a:r>
             <a:r>
-              <a:rPr lang="ko-KR" altLang="en-US" sz="2400" dirty="0" err="1" smtClean="0">
+              <a:rPr lang="ko-KR" altLang="en-US" sz="2400" dirty="0" err="1">
                 <a:latin typeface="굴림체" panose="020B0609000101010101" pitchFamily="49" charset="-127"/>
                 <a:ea typeface="굴림체" panose="020B0609000101010101" pitchFamily="49" charset="-127"/>
               </a:rPr>
               <a:t>오픈소스</a:t>
             </a:r>
             <a:r>
-              <a:rPr lang="ko-KR" altLang="en-US" sz="2400" dirty="0" smtClean="0">
+              <a:rPr lang="ko-KR" altLang="en-US" sz="2400" dirty="0">
                 <a:latin typeface="굴림체" panose="020B0609000101010101" pitchFamily="49" charset="-127"/>
                 <a:ea typeface="굴림체" panose="020B0609000101010101" pitchFamily="49" charset="-127"/>
               </a:rPr>
               <a:t>  </a:t>
             </a:r>
             <a:r>
-              <a:rPr lang="en-US" altLang="ko-KR" sz="2400" dirty="0" smtClean="0">
+              <a:rPr lang="en-US" altLang="ko-KR" sz="2400" dirty="0">
                 <a:latin typeface="굴림체" panose="020B0609000101010101" pitchFamily="49" charset="-127"/>
                 <a:ea typeface="굴림체" panose="020B0609000101010101" pitchFamily="49" charset="-127"/>
               </a:rPr>
               <a:t>:  </a:t>
             </a:r>
             <a:r>
-              <a:rPr lang="en-US" altLang="ko-KR" sz="2400" dirty="0" err="1" smtClean="0">
+              <a:rPr lang="en-US" altLang="ko-KR" sz="2400" dirty="0" err="1">
                 <a:latin typeface="굴림체" panose="020B0609000101010101" pitchFamily="49" charset="-127"/>
                 <a:ea typeface="굴림체" panose="020B0609000101010101" pitchFamily="49" charset="-127"/>
               </a:rPr>
               <a:t>zXing</a:t>
             </a:r>
             <a:r>
-              <a:rPr lang="en-US" altLang="ko-KR" sz="2400" dirty="0" smtClean="0">
+              <a:rPr lang="en-US" altLang="ko-KR" sz="2400" dirty="0">
                 <a:latin typeface="굴림체" panose="020B0609000101010101" pitchFamily="49" charset="-127"/>
                 <a:ea typeface="굴림체" panose="020B0609000101010101" pitchFamily="49" charset="-127"/>
               </a:rPr>
@@ -9107,28 +8712,28 @@
           <a:lstStyle/>
           <a:p>
             <a:r>
-              <a:rPr lang="ko-KR" altLang="en-US" dirty="0" smtClean="0">
+              <a:rPr lang="ko-KR" altLang="en-US" dirty="0">
                 <a:latin typeface="굴림체" panose="020B0609000101010101" pitchFamily="49" charset="-127"/>
                 <a:ea typeface="굴림체" panose="020B0609000101010101" pitchFamily="49" charset="-127"/>
               </a:rPr>
               <a:t>테스트 코드가 포함되어 있고 </a:t>
             </a:r>
             <a:r>
-              <a:rPr lang="ko-KR" altLang="en-US" dirty="0" err="1" smtClean="0">
+              <a:rPr lang="ko-KR" altLang="en-US" dirty="0" err="1">
                 <a:latin typeface="굴림체" panose="020B0609000101010101" pitchFamily="49" charset="-127"/>
                 <a:ea typeface="굴림체" panose="020B0609000101010101" pitchFamily="49" charset="-127"/>
               </a:rPr>
               <a:t>안드로이드와</a:t>
             </a:r>
             <a:r>
-              <a:rPr lang="ko-KR" altLang="en-US" dirty="0" smtClean="0">
+              <a:rPr lang="ko-KR" altLang="en-US" dirty="0">
                 <a:latin typeface="굴림체" panose="020B0609000101010101" pitchFamily="49" charset="-127"/>
                 <a:ea typeface="굴림체" panose="020B0609000101010101" pitchFamily="49" charset="-127"/>
               </a:rPr>
               <a:t> </a:t>
             </a:r>
             <a:r>
-              <a:rPr lang="ko-KR" altLang="en-US" dirty="0" err="1" smtClean="0">
+              <a:rPr lang="ko-KR" altLang="en-US" dirty="0" err="1">
                 <a:latin typeface="굴림체" panose="020B0609000101010101" pitchFamily="49" charset="-127"/>
                 <a:ea typeface="굴림체" panose="020B0609000101010101" pitchFamily="49" charset="-127"/>
               </a:rPr>
@@ -9141,21 +8746,21 @@
           </a:p>
           <a:p>
             <a:r>
-              <a:rPr lang="ko-KR" altLang="en-US" dirty="0" err="1" smtClean="0">
+              <a:rPr lang="ko-KR" altLang="en-US" dirty="0" err="1">
                 <a:latin typeface="굴림체" panose="020B0609000101010101" pitchFamily="49" charset="-127"/>
                 <a:ea typeface="굴림체" panose="020B0609000101010101" pitchFamily="49" charset="-127"/>
               </a:rPr>
               <a:t>둘다</a:t>
             </a:r>
             <a:r>
-              <a:rPr lang="ko-KR" altLang="en-US" dirty="0" smtClean="0">
+              <a:rPr lang="ko-KR" altLang="en-US" dirty="0">
                 <a:latin typeface="굴림체" panose="020B0609000101010101" pitchFamily="49" charset="-127"/>
                 <a:ea typeface="굴림체" panose="020B0609000101010101" pitchFamily="49" charset="-127"/>
               </a:rPr>
               <a:t> 사용 가능하다</a:t>
             </a:r>
             <a:r>
-              <a:rPr lang="en-US" altLang="ko-KR" dirty="0" smtClean="0">
+              <a:rPr lang="en-US" altLang="ko-KR" dirty="0">
                 <a:latin typeface="굴림체" panose="020B0609000101010101" pitchFamily="49" charset="-127"/>
                 <a:ea typeface="굴림체" panose="020B0609000101010101" pitchFamily="49" charset="-127"/>
               </a:rPr>
@@ -9184,13 +8789,6 @@
   <p:clrMapOvr>
     <a:masterClrMapping/>
   </p:clrMapOvr>
-  <p:timing>
-    <p:tnLst>
-      <p:par>
-        <p:cTn id="1" dur="indefinite" restart="never" nodeType="tmRoot"/>
-      </p:par>
-    </p:tnLst>
-  </p:timing>
 </p:sld>
 </file>
 
@@ -9234,7 +8832,7 @@
           <a:lstStyle/>
           <a:p>
             <a:r>
-              <a:rPr lang="en-US" altLang="ko-KR" sz="9600" dirty="0" smtClean="0">
+              <a:rPr lang="en-US" altLang="ko-KR" sz="9600" b="1" dirty="0">
                 <a:solidFill>
                   <a:schemeClr val="tx1">
                     <a:lumMod val="85000"/>
@@ -9246,7 +8844,7 @@
               </a:rPr>
               <a:t>01</a:t>
             </a:r>
-            <a:endParaRPr lang="ko-KR" altLang="en-US" sz="9600" dirty="0">
+            <a:endParaRPr lang="ko-KR" altLang="en-US" sz="9600" b="1" dirty="0">
               <a:solidFill>
                 <a:schemeClr val="tx1">
                   <a:lumMod val="85000"/>
@@ -9336,7 +8934,7 @@
           <a:lstStyle/>
           <a:p>
             <a:r>
-              <a:rPr lang="ko-KR" altLang="en-US" dirty="0" err="1" smtClean="0">
+              <a:rPr lang="ko-KR" altLang="en-US" b="1" dirty="0" err="1">
                 <a:ln>
                   <a:solidFill>
                     <a:schemeClr val="bg1">
@@ -9356,7 +8954,7 @@
               <a:t>주제선정</a:t>
             </a:r>
             <a:r>
-              <a:rPr lang="ko-KR" altLang="en-US" dirty="0" smtClean="0">
+              <a:rPr lang="ko-KR" altLang="en-US" b="1" dirty="0">
                 <a:ln>
                   <a:solidFill>
                     <a:schemeClr val="bg1">
@@ -9375,23 +8973,6 @@
               </a:rPr>
               <a:t> 및 동기</a:t>
             </a:r>
-            <a:endParaRPr lang="ko-KR" altLang="en-US" dirty="0">
-              <a:ln>
-                <a:solidFill>
-                  <a:schemeClr val="bg1">
-                    <a:alpha val="0"/>
-                  </a:schemeClr>
-                </a:solidFill>
-              </a:ln>
-              <a:solidFill>
-                <a:schemeClr val="tx1">
-                  <a:lumMod val="85000"/>
-                  <a:lumOff val="15000"/>
-                </a:schemeClr>
-              </a:solidFill>
-              <a:latin typeface="굴림체" panose="020B0609000101010101" pitchFamily="49" charset="-127"/>
-              <a:ea typeface="굴림체" panose="020B0609000101010101" pitchFamily="49" charset="-127"/>
-            </a:endParaRPr>
           </a:p>
         </p:txBody>
       </p:sp>
@@ -9523,29 +9104,123 @@
           <a:p>
             <a:pPr fontAlgn="base" latinLnBrk="0"/>
             <a:r>
-              <a:rPr lang="ko-KR" altLang="en-US" sz="3200" dirty="0" smtClean="0">
+              <a:rPr lang="ko-KR" altLang="en-US" sz="3200" dirty="0">
                 <a:latin typeface="굴림체" panose="020B0609000101010101" pitchFamily="49" charset="-127"/>
                 <a:ea typeface="굴림체" panose="020B0609000101010101" pitchFamily="49" charset="-127"/>
               </a:rPr>
               <a:t>역할 분담</a:t>
             </a:r>
-            <a:endParaRPr lang="ko-KR" altLang="en-US" sz="3200" dirty="0">
+          </a:p>
+        </p:txBody>
+      </p:sp>
+      <p:sp>
+        <p:nvSpPr>
+          <p:cNvPr id="3" name="TextBox 2"/>
+          <p:cNvSpPr txBox="1"/>
+          <p:nvPr/>
+        </p:nvSpPr>
+        <p:spPr>
+          <a:xfrm>
+            <a:off x="1331640" y="2578621"/>
+            <a:ext cx="6912768" cy="646331"/>
+          </a:xfrm>
+          <a:prstGeom prst="rect">
+            <a:avLst/>
+          </a:prstGeom>
+          <a:noFill/>
+        </p:spPr>
+        <p:txBody>
+          <a:bodyPr wrap="square" rtlCol="0">
+            <a:spAutoFit/>
+          </a:bodyPr>
+          <a:lstStyle/>
+          <a:p>
+            <a:r>
+              <a:rPr lang="ko-KR" altLang="en-US" dirty="0" err="1">
+                <a:latin typeface="굴림체" panose="020B0609000101010101" pitchFamily="49" charset="-127"/>
+                <a:ea typeface="굴림체" panose="020B0609000101010101" pitchFamily="49" charset="-127"/>
+              </a:rPr>
+              <a:t>한상명</a:t>
+            </a:r>
+            <a:r>
+              <a:rPr lang="en-US" altLang="ko-KR" dirty="0">
+                <a:latin typeface="굴림체" panose="020B0609000101010101" pitchFamily="49" charset="-127"/>
+                <a:ea typeface="굴림체" panose="020B0609000101010101" pitchFamily="49" charset="-127"/>
+              </a:rPr>
+              <a:t>(</a:t>
+            </a:r>
+            <a:r>
+              <a:rPr lang="ko-KR" altLang="en-US" dirty="0">
+                <a:latin typeface="굴림체" panose="020B0609000101010101" pitchFamily="49" charset="-127"/>
+                <a:ea typeface="굴림체" panose="020B0609000101010101" pitchFamily="49" charset="-127"/>
+              </a:rPr>
+              <a:t>팀장</a:t>
+            </a:r>
+            <a:r>
+              <a:rPr lang="en-US" altLang="ko-KR" dirty="0">
+                <a:latin typeface="굴림체" panose="020B0609000101010101" pitchFamily="49" charset="-127"/>
+                <a:ea typeface="굴림체" panose="020B0609000101010101" pitchFamily="49" charset="-127"/>
+              </a:rPr>
+              <a:t>) : </a:t>
+            </a:r>
+            <a:r>
+              <a:rPr lang="ko-KR" altLang="en-US" dirty="0">
+                <a:latin typeface="굴림체" panose="020B0609000101010101" pitchFamily="49" charset="-127"/>
+                <a:ea typeface="굴림체" panose="020B0609000101010101" pitchFamily="49" charset="-127"/>
+              </a:rPr>
+              <a:t>팀장의 역할 및</a:t>
+            </a:r>
+            <a:r>
+              <a:rPr lang="en-US" altLang="ko-KR" dirty="0">
+                <a:latin typeface="굴림체" panose="020B0609000101010101" pitchFamily="49" charset="-127"/>
+                <a:ea typeface="굴림체" panose="020B0609000101010101" pitchFamily="49" charset="-127"/>
+              </a:rPr>
+              <a:t> </a:t>
+            </a:r>
+            <a:r>
+              <a:rPr lang="ko-KR" altLang="en-US" dirty="0">
+                <a:latin typeface="굴림체" panose="020B0609000101010101" pitchFamily="49" charset="-127"/>
+                <a:ea typeface="굴림체" panose="020B0609000101010101" pitchFamily="49" charset="-127"/>
+              </a:rPr>
+              <a:t>전체적인 프로젝트의 관리</a:t>
+            </a:r>
+            <a:endParaRPr lang="en-US" altLang="ko-KR" dirty="0">
               <a:latin typeface="굴림체" panose="020B0609000101010101" pitchFamily="49" charset="-127"/>
               <a:ea typeface="굴림체" panose="020B0609000101010101" pitchFamily="49" charset="-127"/>
             </a:endParaRPr>
           </a:p>
-        </p:txBody>
-      </p:sp>
-      <p:sp>
-        <p:nvSpPr>
-          <p:cNvPr id="3" name="TextBox 2"/>
+          <a:p>
+            <a:r>
+              <a:rPr lang="en-US" altLang="ko-KR" dirty="0">
+                <a:latin typeface="굴림체" panose="020B0609000101010101" pitchFamily="49" charset="-127"/>
+                <a:ea typeface="굴림체" panose="020B0609000101010101" pitchFamily="49" charset="-127"/>
+              </a:rPr>
+              <a:t>	        </a:t>
+            </a:r>
+            <a:r>
+              <a:rPr lang="ko-KR" altLang="en-US" dirty="0">
+                <a:latin typeface="굴림체" panose="020B0609000101010101" pitchFamily="49" charset="-127"/>
+                <a:ea typeface="굴림체" panose="020B0609000101010101" pitchFamily="49" charset="-127"/>
+              </a:rPr>
+              <a:t>발표자료 및 보고서 작성 </a:t>
+            </a:r>
+            <a:endParaRPr lang="en-US" altLang="ko-KR" dirty="0">
+              <a:latin typeface="굴림체" panose="020B0609000101010101" pitchFamily="49" charset="-127"/>
+              <a:ea typeface="굴림체" panose="020B0609000101010101" pitchFamily="49" charset="-127"/>
+            </a:endParaRPr>
+          </a:p>
+        </p:txBody>
+      </p:sp>
+      <p:sp>
+        <p:nvSpPr>
+          <p:cNvPr id="11" name="TextBox 10"/>
           <p:cNvSpPr txBox="1"/>
           <p:nvPr/>
         </p:nvSpPr>
         <p:spPr>
           <a:xfrm>
-            <a:off x="1331640" y="2578621"/>
-            <a:ext cx="6912768" cy="646331"/>
+            <a:off x="1321346" y="4425503"/>
+            <a:ext cx="7211094" cy="923330"/>
           </a:xfrm>
           <a:prstGeom prst="rect">
             <a:avLst/>
@@ -9559,55 +9234,69 @@
           <a:lstStyle/>
           <a:p>
             <a:r>
-              <a:rPr lang="ko-KR" altLang="en-US" dirty="0" err="1" smtClean="0">
-                <a:latin typeface="굴림체" panose="020B0609000101010101" pitchFamily="49" charset="-127"/>
-                <a:ea typeface="굴림체" panose="020B0609000101010101" pitchFamily="49" charset="-127"/>
-              </a:rPr>
-              <a:t>한상명</a:t>
-            </a:r>
-            <a:r>
-              <a:rPr lang="en-US" altLang="ko-KR" dirty="0" smtClean="0">
+              <a:rPr lang="ko-KR" altLang="en-US" dirty="0" err="1">
+                <a:latin typeface="굴림체" panose="020B0609000101010101" pitchFamily="49" charset="-127"/>
+                <a:ea typeface="굴림체" panose="020B0609000101010101" pitchFamily="49" charset="-127"/>
+              </a:rPr>
+              <a:t>최병준</a:t>
+            </a:r>
+            <a:r>
+              <a:rPr lang="en-US" altLang="ko-KR" dirty="0">
                 <a:latin typeface="굴림체" panose="020B0609000101010101" pitchFamily="49" charset="-127"/>
                 <a:ea typeface="굴림체" panose="020B0609000101010101" pitchFamily="49" charset="-127"/>
               </a:rPr>
               <a:t>(</a:t>
             </a:r>
             <a:r>
-              <a:rPr lang="ko-KR" altLang="en-US" dirty="0" smtClean="0">
-                <a:latin typeface="굴림체" panose="020B0609000101010101" pitchFamily="49" charset="-127"/>
-                <a:ea typeface="굴림체" panose="020B0609000101010101" pitchFamily="49" charset="-127"/>
-              </a:rPr>
-              <a:t>팀장</a:t>
-            </a:r>
-            <a:r>
-              <a:rPr lang="en-US" altLang="ko-KR" dirty="0" smtClean="0">
-                <a:latin typeface="굴림체" panose="020B0609000101010101" pitchFamily="49" charset="-127"/>
-                <a:ea typeface="굴림체" panose="020B0609000101010101" pitchFamily="49" charset="-127"/>
-              </a:rPr>
-              <a:t>) : </a:t>
-            </a:r>
-            <a:r>
-              <a:rPr lang="ko-KR" altLang="en-US" dirty="0" smtClean="0">
-                <a:latin typeface="굴림체" panose="020B0609000101010101" pitchFamily="49" charset="-127"/>
-                <a:ea typeface="굴림체" panose="020B0609000101010101" pitchFamily="49" charset="-127"/>
-              </a:rPr>
-              <a:t>팀장의 역할 및</a:t>
-            </a:r>
-            <a:r>
-              <a:rPr lang="en-US" altLang="ko-KR" dirty="0" smtClean="0">
-                <a:latin typeface="굴림체" panose="020B0609000101010101" pitchFamily="49" charset="-127"/>
-                <a:ea typeface="굴림체" panose="020B0609000101010101" pitchFamily="49" charset="-127"/>
-              </a:rPr>
-              <a:t> </a:t>
-            </a:r>
-            <a:r>
-              <a:rPr lang="ko-KR" altLang="en-US" dirty="0" smtClean="0">
-                <a:latin typeface="굴림체" panose="020B0609000101010101" pitchFamily="49" charset="-127"/>
-                <a:ea typeface="굴림체" panose="020B0609000101010101" pitchFamily="49" charset="-127"/>
-              </a:rPr>
-              <a:t>전체적인 프로젝트의 관리</a:t>
-            </a:r>
-            <a:endParaRPr lang="en-US" altLang="ko-KR" dirty="0" smtClean="0">
+              <a:rPr lang="ko-KR" altLang="en-US" dirty="0">
+                <a:latin typeface="굴림체" panose="020B0609000101010101" pitchFamily="49" charset="-127"/>
+                <a:ea typeface="굴림체" panose="020B0609000101010101" pitchFamily="49" charset="-127"/>
+              </a:rPr>
+              <a:t>팀원</a:t>
+            </a:r>
+            <a:r>
+              <a:rPr lang="en-US" altLang="ko-KR" dirty="0">
+                <a:latin typeface="굴림체" panose="020B0609000101010101" pitchFamily="49" charset="-127"/>
+                <a:ea typeface="굴림체" panose="020B0609000101010101" pitchFamily="49" charset="-127"/>
+              </a:rPr>
+              <a:t>) : IntelliJ </a:t>
+            </a:r>
+            <a:r>
+              <a:rPr lang="ko-KR" altLang="en-US" dirty="0">
+                <a:latin typeface="굴림체" panose="020B0609000101010101" pitchFamily="49" charset="-127"/>
+                <a:ea typeface="굴림체" panose="020B0609000101010101" pitchFamily="49" charset="-127"/>
+              </a:rPr>
+              <a:t>서버 및 </a:t>
+            </a:r>
+            <a:r>
+              <a:rPr lang="en-US" altLang="ko-KR" dirty="0">
+                <a:latin typeface="굴림체" panose="020B0609000101010101" pitchFamily="49" charset="-127"/>
+                <a:ea typeface="굴림체" panose="020B0609000101010101" pitchFamily="49" charset="-127"/>
+              </a:rPr>
+              <a:t>DB</a:t>
+            </a:r>
+            <a:r>
+              <a:rPr lang="ko-KR" altLang="en-US" dirty="0">
+                <a:latin typeface="굴림체" panose="020B0609000101010101" pitchFamily="49" charset="-127"/>
+                <a:ea typeface="굴림체" panose="020B0609000101010101" pitchFamily="49" charset="-127"/>
+              </a:rPr>
+              <a:t>제작 </a:t>
+            </a:r>
+            <a:r>
+              <a:rPr lang="en-US" altLang="ko-KR" dirty="0">
+                <a:latin typeface="굴림체" panose="020B0609000101010101" pitchFamily="49" charset="-127"/>
+                <a:ea typeface="굴림체" panose="020B0609000101010101" pitchFamily="49" charset="-127"/>
+              </a:rPr>
+              <a:t>, Android Application</a:t>
+            </a:r>
+            <a:r>
+              <a:rPr lang="ko-KR" altLang="en-US" dirty="0">
+                <a:latin typeface="굴림체" panose="020B0609000101010101" pitchFamily="49" charset="-127"/>
+                <a:ea typeface="굴림체" panose="020B0609000101010101" pitchFamily="49" charset="-127"/>
+              </a:rPr>
+              <a:t>제작 </a:t>
+            </a:r>
+            <a:endParaRPr lang="en-US" altLang="ko-KR" dirty="0">
               <a:latin typeface="굴림체" panose="020B0609000101010101" pitchFamily="49" charset="-127"/>
               <a:ea typeface="굴림체" panose="020B0609000101010101" pitchFamily="49" charset="-127"/>
             </a:endParaRPr>
@@ -9618,194 +9307,29 @@
                 <a:latin typeface="굴림체" panose="020B0609000101010101" pitchFamily="49" charset="-127"/>
                 <a:ea typeface="굴림체" panose="020B0609000101010101" pitchFamily="49" charset="-127"/>
               </a:rPr>
-              <a:t>	 </a:t>
-            </a:r>
-            <a:r>
-              <a:rPr lang="en-US" altLang="ko-KR" dirty="0" smtClean="0">
-                <a:latin typeface="굴림체" panose="020B0609000101010101" pitchFamily="49" charset="-127"/>
-                <a:ea typeface="굴림체" panose="020B0609000101010101" pitchFamily="49" charset="-127"/>
-              </a:rPr>
-              <a:t>       </a:t>
-            </a:r>
-            <a:r>
-              <a:rPr lang="ko-KR" altLang="en-US" dirty="0" smtClean="0">
-                <a:latin typeface="굴림체" panose="020B0609000101010101" pitchFamily="49" charset="-127"/>
-                <a:ea typeface="굴림체" panose="020B0609000101010101" pitchFamily="49" charset="-127"/>
-              </a:rPr>
-              <a:t>발표자료 및 보고서 작성 </a:t>
-            </a:r>
-            <a:endParaRPr lang="en-US" altLang="ko-KR" dirty="0" smtClean="0">
-              <a:latin typeface="굴림체" panose="020B0609000101010101" pitchFamily="49" charset="-127"/>
-              <a:ea typeface="굴림체" panose="020B0609000101010101" pitchFamily="49" charset="-127"/>
-            </a:endParaRPr>
-          </a:p>
-        </p:txBody>
-      </p:sp>
-      <p:sp>
-        <p:nvSpPr>
-          <p:cNvPr id="11" name="TextBox 10"/>
-          <p:cNvSpPr txBox="1"/>
-          <p:nvPr/>
-        </p:nvSpPr>
-        <p:spPr>
-          <a:xfrm>
-            <a:off x="1321346" y="4425503"/>
-            <a:ext cx="7211094" cy="923330"/>
-          </a:xfrm>
-          <a:prstGeom prst="rect">
-            <a:avLst/>
-          </a:prstGeom>
-          <a:noFill/>
-        </p:spPr>
-        <p:txBody>
-          <a:bodyPr wrap="square" rtlCol="0">
-            <a:spAutoFit/>
-          </a:bodyPr>
-          <a:lstStyle/>
-          <a:p>
-            <a:r>
-              <a:rPr lang="ko-KR" altLang="en-US" dirty="0" err="1" smtClean="0">
-                <a:latin typeface="굴림체" panose="020B0609000101010101" pitchFamily="49" charset="-127"/>
-                <a:ea typeface="굴림체" panose="020B0609000101010101" pitchFamily="49" charset="-127"/>
-              </a:rPr>
-              <a:t>최병준</a:t>
-            </a:r>
-            <a:r>
-              <a:rPr lang="en-US" altLang="ko-KR" dirty="0" smtClean="0">
-                <a:latin typeface="굴림체" panose="020B0609000101010101" pitchFamily="49" charset="-127"/>
-                <a:ea typeface="굴림체" panose="020B0609000101010101" pitchFamily="49" charset="-127"/>
-              </a:rPr>
-              <a:t>(</a:t>
-            </a:r>
-            <a:r>
-              <a:rPr lang="ko-KR" altLang="en-US" dirty="0" smtClean="0">
-                <a:latin typeface="굴림체" panose="020B0609000101010101" pitchFamily="49" charset="-127"/>
-                <a:ea typeface="굴림체" panose="020B0609000101010101" pitchFamily="49" charset="-127"/>
-              </a:rPr>
-              <a:t>팀원</a:t>
-            </a:r>
-            <a:r>
-              <a:rPr lang="en-US" altLang="ko-KR" dirty="0" smtClean="0">
-                <a:latin typeface="굴림체" panose="020B0609000101010101" pitchFamily="49" charset="-127"/>
-                <a:ea typeface="굴림체" panose="020B0609000101010101" pitchFamily="49" charset="-127"/>
-              </a:rPr>
-              <a:t>) : IntelliJ </a:t>
-            </a:r>
-            <a:r>
-              <a:rPr lang="ko-KR" altLang="en-US" dirty="0" smtClean="0">
-                <a:latin typeface="굴림체" panose="020B0609000101010101" pitchFamily="49" charset="-127"/>
-                <a:ea typeface="굴림체" panose="020B0609000101010101" pitchFamily="49" charset="-127"/>
-              </a:rPr>
-              <a:t>서버 및 </a:t>
-            </a:r>
-            <a:r>
-              <a:rPr lang="en-US" altLang="ko-KR" dirty="0" smtClean="0">
-                <a:latin typeface="굴림체" panose="020B0609000101010101" pitchFamily="49" charset="-127"/>
-                <a:ea typeface="굴림체" panose="020B0609000101010101" pitchFamily="49" charset="-127"/>
-              </a:rPr>
-              <a:t>DB</a:t>
-            </a:r>
-            <a:r>
-              <a:rPr lang="ko-KR" altLang="en-US" dirty="0" smtClean="0">
-                <a:latin typeface="굴림체" panose="020B0609000101010101" pitchFamily="49" charset="-127"/>
-                <a:ea typeface="굴림체" panose="020B0609000101010101" pitchFamily="49" charset="-127"/>
-              </a:rPr>
-              <a:t>제작 </a:t>
-            </a:r>
-            <a:r>
-              <a:rPr lang="en-US" altLang="ko-KR" dirty="0" smtClean="0">
-                <a:latin typeface="굴림체" panose="020B0609000101010101" pitchFamily="49" charset="-127"/>
-                <a:ea typeface="굴림체" panose="020B0609000101010101" pitchFamily="49" charset="-127"/>
-              </a:rPr>
-              <a:t>,</a:t>
+              <a:t>	       </a:t>
+            </a:r>
+            <a:r>
+              <a:rPr lang="en-US" altLang="ko-KR" dirty="0" err="1">
+                <a:latin typeface="굴림체" panose="020B0609000101010101" pitchFamily="49" charset="-127"/>
+                <a:ea typeface="굴림체" panose="020B0609000101010101" pitchFamily="49" charset="-127"/>
+              </a:rPr>
+              <a:t>zXing</a:t>
             </a:r>
             <a:r>
               <a:rPr lang="en-US" altLang="ko-KR" dirty="0">
                 <a:latin typeface="굴림체" panose="020B0609000101010101" pitchFamily="49" charset="-127"/>
                 <a:ea typeface="굴림체" panose="020B0609000101010101" pitchFamily="49" charset="-127"/>
               </a:rPr>
-              <a:t> Android </a:t>
-            </a:r>
-            <a:r>
-              <a:rPr lang="en-US" altLang="ko-KR" dirty="0" smtClean="0">
-                <a:latin typeface="굴림체" panose="020B0609000101010101" pitchFamily="49" charset="-127"/>
-                <a:ea typeface="굴림체" panose="020B0609000101010101" pitchFamily="49" charset="-127"/>
-              </a:rPr>
-              <a:t>Application</a:t>
-            </a:r>
-            <a:r>
-              <a:rPr lang="ko-KR" altLang="en-US" dirty="0" smtClean="0">
-                <a:latin typeface="굴림체" panose="020B0609000101010101" pitchFamily="49" charset="-127"/>
-                <a:ea typeface="굴림체" panose="020B0609000101010101" pitchFamily="49" charset="-127"/>
-              </a:rPr>
-              <a:t>제작 </a:t>
-            </a:r>
-            <a:endParaRPr lang="en-US" altLang="ko-KR" dirty="0" smtClean="0">
-              <a:latin typeface="굴림체" panose="020B0609000101010101" pitchFamily="49" charset="-127"/>
-              <a:ea typeface="굴림체" panose="020B0609000101010101" pitchFamily="49" charset="-127"/>
-            </a:endParaRPr>
-          </a:p>
-          <a:p>
-            <a:r>
-              <a:rPr lang="en-US" altLang="ko-KR" dirty="0" smtClean="0">
-                <a:latin typeface="굴림체" panose="020B0609000101010101" pitchFamily="49" charset="-127"/>
-                <a:ea typeface="굴림체" panose="020B0609000101010101" pitchFamily="49" charset="-127"/>
-              </a:rPr>
-              <a:t>	</a:t>
-            </a:r>
-            <a:r>
-              <a:rPr lang="en-US" altLang="ko-KR" dirty="0">
-                <a:latin typeface="굴림체" panose="020B0609000101010101" pitchFamily="49" charset="-127"/>
-                <a:ea typeface="굴림체" panose="020B0609000101010101" pitchFamily="49" charset="-127"/>
-              </a:rPr>
-              <a:t> </a:t>
-            </a:r>
-            <a:r>
-              <a:rPr lang="en-US" altLang="ko-KR" dirty="0" smtClean="0">
-                <a:latin typeface="굴림체" panose="020B0609000101010101" pitchFamily="49" charset="-127"/>
-                <a:ea typeface="굴림체" panose="020B0609000101010101" pitchFamily="49" charset="-127"/>
-              </a:rPr>
-              <a:t>      </a:t>
-            </a:r>
-            <a:r>
-              <a:rPr lang="en-US" altLang="ko-KR" dirty="0" err="1" smtClean="0">
-                <a:latin typeface="굴림체" panose="020B0609000101010101" pitchFamily="49" charset="-127"/>
-                <a:ea typeface="굴림체" panose="020B0609000101010101" pitchFamily="49" charset="-127"/>
-              </a:rPr>
-              <a:t>zXing</a:t>
-            </a:r>
-            <a:r>
-              <a:rPr lang="en-US" altLang="ko-KR" dirty="0" smtClean="0">
-                <a:latin typeface="굴림체" panose="020B0609000101010101" pitchFamily="49" charset="-127"/>
-                <a:ea typeface="굴림체" panose="020B0609000101010101" pitchFamily="49" charset="-127"/>
-              </a:rPr>
-              <a:t> </a:t>
-            </a:r>
-            <a:r>
-              <a:rPr lang="en-US" altLang="ko-KR" dirty="0">
-                <a:latin typeface="굴림체" panose="020B0609000101010101" pitchFamily="49" charset="-127"/>
-                <a:ea typeface="굴림체" panose="020B0609000101010101" pitchFamily="49" charset="-127"/>
-              </a:rPr>
-              <a:t>Library</a:t>
+              <a:t> Library</a:t>
             </a:r>
             <a:r>
               <a:rPr lang="ko-KR" altLang="en-US" dirty="0">
                 <a:latin typeface="굴림체" panose="020B0609000101010101" pitchFamily="49" charset="-127"/>
                 <a:ea typeface="굴림체" panose="020B0609000101010101" pitchFamily="49" charset="-127"/>
               </a:rPr>
-              <a:t>를 사용하여 </a:t>
-            </a:r>
-            <a:r>
-              <a:rPr lang="ko-KR" altLang="en-US" dirty="0" smtClean="0">
-                <a:latin typeface="굴림체" panose="020B0609000101010101" pitchFamily="49" charset="-127"/>
-                <a:ea typeface="굴림체" panose="020B0609000101010101" pitchFamily="49" charset="-127"/>
-              </a:rPr>
-              <a:t>코딩 작업</a:t>
-            </a:r>
-            <a:endParaRPr lang="ko-KR" altLang="en-US" dirty="0">
-              <a:latin typeface="굴림체" panose="020B0609000101010101" pitchFamily="49" charset="-127"/>
-              <a:ea typeface="굴림체" panose="020B0609000101010101" pitchFamily="49" charset="-127"/>
-            </a:endParaRPr>
+              <a:t>를 사용하여 코딩 작업</a:t>
+            </a:r>
           </a:p>
         </p:txBody>
       </p:sp>
@@ -9936,49 +9460,49 @@
           <a:lstStyle/>
           <a:p>
             <a:r>
-              <a:rPr lang="ko-KR" altLang="en-US" dirty="0" err="1" smtClean="0">
+              <a:rPr lang="ko-KR" altLang="en-US" dirty="0" err="1">
                 <a:latin typeface="굴림체" panose="020B0609000101010101" pitchFamily="49" charset="-127"/>
                 <a:ea typeface="굴림체" panose="020B0609000101010101" pitchFamily="49" charset="-127"/>
               </a:rPr>
               <a:t>이수행</a:t>
             </a:r>
             <a:r>
-              <a:rPr lang="en-US" altLang="ko-KR" dirty="0" smtClean="0">
+              <a:rPr lang="en-US" altLang="ko-KR" dirty="0">
                 <a:latin typeface="굴림체" panose="020B0609000101010101" pitchFamily="49" charset="-127"/>
                 <a:ea typeface="굴림체" panose="020B0609000101010101" pitchFamily="49" charset="-127"/>
               </a:rPr>
               <a:t>(</a:t>
             </a:r>
             <a:r>
-              <a:rPr lang="ko-KR" altLang="en-US" dirty="0" smtClean="0">
+              <a:rPr lang="ko-KR" altLang="en-US" dirty="0">
                 <a:latin typeface="굴림체" panose="020B0609000101010101" pitchFamily="49" charset="-127"/>
                 <a:ea typeface="굴림체" panose="020B0609000101010101" pitchFamily="49" charset="-127"/>
               </a:rPr>
               <a:t>팀원</a:t>
             </a:r>
             <a:r>
-              <a:rPr lang="en-US" altLang="ko-KR" dirty="0" smtClean="0">
+              <a:rPr lang="en-US" altLang="ko-KR" dirty="0">
                 <a:latin typeface="굴림체" panose="020B0609000101010101" pitchFamily="49" charset="-127"/>
                 <a:ea typeface="굴림체" panose="020B0609000101010101" pitchFamily="49" charset="-127"/>
               </a:rPr>
               <a:t>) :  </a:t>
             </a:r>
             <a:r>
-              <a:rPr lang="en-US" altLang="ko-KR" dirty="0" err="1" smtClean="0">
+              <a:rPr lang="en-US" altLang="ko-KR" dirty="0" err="1">
                 <a:latin typeface="굴림체" panose="020B0609000101010101" pitchFamily="49" charset="-127"/>
                 <a:ea typeface="굴림체" panose="020B0609000101010101" pitchFamily="49" charset="-127"/>
               </a:rPr>
               <a:t>zXing</a:t>
             </a:r>
             <a:r>
-              <a:rPr lang="en-US" altLang="ko-KR" dirty="0" smtClean="0">
+              <a:rPr lang="en-US" altLang="ko-KR" dirty="0">
                 <a:latin typeface="굴림체" panose="020B0609000101010101" pitchFamily="49" charset="-127"/>
                 <a:ea typeface="굴림체" panose="020B0609000101010101" pitchFamily="49" charset="-127"/>
               </a:rPr>
               <a:t> Library</a:t>
             </a:r>
             <a:r>
-              <a:rPr lang="ko-KR" altLang="en-US" dirty="0" smtClean="0">
+              <a:rPr lang="ko-KR" altLang="en-US" dirty="0">
                 <a:latin typeface="굴림체" panose="020B0609000101010101" pitchFamily="49" charset="-127"/>
                 <a:ea typeface="굴림체" panose="020B0609000101010101" pitchFamily="49" charset="-127"/>
               </a:rPr>
@@ -9989,24 +9513,17 @@
                 <a:latin typeface="굴림체" panose="020B0609000101010101" pitchFamily="49" charset="-127"/>
                 <a:ea typeface="굴림체" panose="020B0609000101010101" pitchFamily="49" charset="-127"/>
               </a:rPr>
-              <a:t>A</a:t>
-            </a:r>
-            <a:r>
-              <a:rPr lang="en-US" altLang="ko-KR" dirty="0" smtClean="0">
-                <a:latin typeface="굴림체" panose="020B0609000101010101" pitchFamily="49" charset="-127"/>
-                <a:ea typeface="굴림체" panose="020B0609000101010101" pitchFamily="49" charset="-127"/>
-              </a:rPr>
-              <a:t>ndroid Application</a:t>
-            </a:r>
-            <a:r>
-              <a:rPr lang="ko-KR" altLang="en-US" dirty="0" smtClean="0">
+              <a:t>Android Application</a:t>
+            </a:r>
+            <a:r>
+              <a:rPr lang="ko-KR" altLang="en-US" dirty="0">
                 <a:latin typeface="굴림체" panose="020B0609000101010101" pitchFamily="49" charset="-127"/>
                 <a:ea typeface="굴림체" panose="020B0609000101010101" pitchFamily="49" charset="-127"/>
               </a:rPr>
               <a:t>제작</a:t>
             </a:r>
             <a:r>
-              <a:rPr lang="en-US" altLang="ko-KR" dirty="0" smtClean="0">
+              <a:rPr lang="en-US" altLang="ko-KR" dirty="0">
                 <a:latin typeface="굴림체" panose="020B0609000101010101" pitchFamily="49" charset="-127"/>
                 <a:ea typeface="굴림체" panose="020B0609000101010101" pitchFamily="49" charset="-127"/>
               </a:rPr>
@@ -10019,21 +9536,111 @@
                 <a:latin typeface="굴림체" panose="020B0609000101010101" pitchFamily="49" charset="-127"/>
                 <a:ea typeface="굴림체" panose="020B0609000101010101" pitchFamily="49" charset="-127"/>
               </a:rPr>
-              <a:t>	 </a:t>
-            </a:r>
-            <a:r>
-              <a:rPr lang="en-US" altLang="ko-KR" dirty="0" smtClean="0">
-                <a:latin typeface="굴림체" panose="020B0609000101010101" pitchFamily="49" charset="-127"/>
-                <a:ea typeface="굴림체" panose="020B0609000101010101" pitchFamily="49" charset="-127"/>
-              </a:rPr>
-              <a:t>       </a:t>
-            </a:r>
-            <a:r>
-              <a:rPr lang="ko-KR" altLang="en-US" dirty="0" smtClean="0">
+              <a:t>	        </a:t>
+            </a:r>
+            <a:r>
+              <a:rPr lang="ko-KR" altLang="en-US" dirty="0">
                 <a:latin typeface="굴림체" panose="020B0609000101010101" pitchFamily="49" charset="-127"/>
                 <a:ea typeface="굴림체" panose="020B0609000101010101" pitchFamily="49" charset="-127"/>
               </a:rPr>
               <a:t>발표자료 및 보고서 작성</a:t>
+            </a:r>
+          </a:p>
+        </p:txBody>
+      </p:sp>
+      <p:sp>
+        <p:nvSpPr>
+          <p:cNvPr id="17" name="TextBox 16"/>
+          <p:cNvSpPr txBox="1"/>
+          <p:nvPr/>
+        </p:nvSpPr>
+        <p:spPr>
+          <a:xfrm>
+            <a:off x="1350318" y="3780119"/>
+            <a:ext cx="7414796" cy="646331"/>
+          </a:xfrm>
+          <a:prstGeom prst="rect">
+            <a:avLst/>
+          </a:prstGeom>
+          <a:noFill/>
+        </p:spPr>
+        <p:txBody>
+          <a:bodyPr wrap="square" rtlCol="0">
+            <a:spAutoFit/>
+          </a:bodyPr>
+          <a:lstStyle/>
+          <a:p>
+            <a:r>
+              <a:rPr lang="ko-KR" altLang="en-US" dirty="0">
+                <a:latin typeface="굴림체" panose="020B0609000101010101" pitchFamily="49" charset="-127"/>
+                <a:ea typeface="굴림체" panose="020B0609000101010101" pitchFamily="49" charset="-127"/>
+              </a:rPr>
+              <a:t>김기영</a:t>
+            </a:r>
+            <a:r>
+              <a:rPr lang="en-US" altLang="ko-KR" dirty="0">
+                <a:latin typeface="굴림체" panose="020B0609000101010101" pitchFamily="49" charset="-127"/>
+                <a:ea typeface="굴림체" panose="020B0609000101010101" pitchFamily="49" charset="-127"/>
+              </a:rPr>
+              <a:t>(</a:t>
+            </a:r>
+            <a:r>
+              <a:rPr lang="ko-KR" altLang="en-US" dirty="0">
+                <a:latin typeface="굴림체" panose="020B0609000101010101" pitchFamily="49" charset="-127"/>
+                <a:ea typeface="굴림체" panose="020B0609000101010101" pitchFamily="49" charset="-127"/>
+              </a:rPr>
+              <a:t>팀원</a:t>
+            </a:r>
+            <a:r>
+              <a:rPr lang="en-US" altLang="ko-KR" dirty="0">
+                <a:latin typeface="굴림체" panose="020B0609000101010101" pitchFamily="49" charset="-127"/>
+                <a:ea typeface="굴림체" panose="020B0609000101010101" pitchFamily="49" charset="-127"/>
+              </a:rPr>
+              <a:t>) : </a:t>
+            </a:r>
+            <a:r>
+              <a:rPr lang="ko-KR" altLang="en-US" dirty="0">
+                <a:latin typeface="굴림체" panose="020B0609000101010101" pitchFamily="49" charset="-127"/>
+                <a:ea typeface="굴림체" panose="020B0609000101010101" pitchFamily="49" charset="-127"/>
+              </a:rPr>
+              <a:t>알고리즘 및 프로젝트 관리</a:t>
+            </a:r>
+            <a:r>
+              <a:rPr lang="en-US" altLang="ko-KR" dirty="0">
+                <a:latin typeface="굴림체" panose="020B0609000101010101" pitchFamily="49" charset="-127"/>
+                <a:ea typeface="굴림체" panose="020B0609000101010101" pitchFamily="49" charset="-127"/>
+              </a:rPr>
+              <a:t>, UI </a:t>
+            </a:r>
+            <a:r>
+              <a:rPr lang="ko-KR" altLang="en-US" dirty="0">
+                <a:latin typeface="굴림체" panose="020B0609000101010101" pitchFamily="49" charset="-127"/>
+                <a:ea typeface="굴림체" panose="020B0609000101010101" pitchFamily="49" charset="-127"/>
+              </a:rPr>
+              <a:t>디자인</a:t>
+            </a:r>
+            <a:r>
+              <a:rPr lang="en-US" altLang="ko-KR" dirty="0">
+                <a:latin typeface="굴림체" panose="020B0609000101010101" pitchFamily="49" charset="-127"/>
+                <a:ea typeface="굴림체" panose="020B0609000101010101" pitchFamily="49" charset="-127"/>
+              </a:rPr>
+              <a:t>,</a:t>
+            </a:r>
+          </a:p>
+          <a:p>
+            <a:r>
+              <a:rPr lang="ko-KR" altLang="en-US" dirty="0">
+                <a:latin typeface="굴림체" panose="020B0609000101010101" pitchFamily="49" charset="-127"/>
+                <a:ea typeface="굴림체" panose="020B0609000101010101" pitchFamily="49" charset="-127"/>
+              </a:rPr>
+              <a:t>                  </a:t>
+            </a:r>
+            <a:r>
+              <a:rPr lang="en-US" altLang="ko-KR" dirty="0">
+                <a:latin typeface="굴림체" panose="020B0609000101010101" pitchFamily="49" charset="-127"/>
+                <a:ea typeface="굴림체" panose="020B0609000101010101" pitchFamily="49" charset="-127"/>
+              </a:rPr>
+              <a:t> </a:t>
             </a:r>
             <a:endParaRPr lang="ko-KR" altLang="en-US" dirty="0">
               <a:latin typeface="굴림체" panose="020B0609000101010101" pitchFamily="49" charset="-127"/>
@@ -10044,14 +9651,14 @@
       </p:sp>
       <p:sp>
         <p:nvSpPr>
-          <p:cNvPr id="17" name="TextBox 16"/>
+          <p:cNvPr id="5" name="TextBox 4"/>
           <p:cNvSpPr txBox="1"/>
           <p:nvPr/>
         </p:nvSpPr>
         <p:spPr>
           <a:xfrm>
-            <a:off x="1350318" y="3780119"/>
-            <a:ext cx="7414796" cy="646331"/>
+            <a:off x="827584" y="5517232"/>
+            <a:ext cx="7416824" cy="369332"/>
           </a:xfrm>
           <a:prstGeom prst="rect">
             <a:avLst/>
@@ -10065,117 +9672,12 @@
           <a:lstStyle/>
           <a:p>
             <a:r>
-              <a:rPr lang="ko-KR" altLang="en-US" dirty="0" smtClean="0">
-                <a:latin typeface="굴림체" panose="020B0609000101010101" pitchFamily="49" charset="-127"/>
-                <a:ea typeface="굴림체" panose="020B0609000101010101" pitchFamily="49" charset="-127"/>
-              </a:rPr>
-              <a:t>김기영</a:t>
-            </a:r>
-            <a:r>
-              <a:rPr lang="en-US" altLang="ko-KR" dirty="0" smtClean="0">
-                <a:latin typeface="굴림체" panose="020B0609000101010101" pitchFamily="49" charset="-127"/>
-                <a:ea typeface="굴림체" panose="020B0609000101010101" pitchFamily="49" charset="-127"/>
-              </a:rPr>
-              <a:t>(</a:t>
-            </a:r>
-            <a:r>
-              <a:rPr lang="ko-KR" altLang="en-US" dirty="0" smtClean="0">
-                <a:latin typeface="굴림체" panose="020B0609000101010101" pitchFamily="49" charset="-127"/>
-                <a:ea typeface="굴림체" panose="020B0609000101010101" pitchFamily="49" charset="-127"/>
-              </a:rPr>
-              <a:t>팀원</a:t>
-            </a:r>
-            <a:r>
-              <a:rPr lang="en-US" altLang="ko-KR" dirty="0" smtClean="0">
-                <a:latin typeface="굴림체" panose="020B0609000101010101" pitchFamily="49" charset="-127"/>
-                <a:ea typeface="굴림체" panose="020B0609000101010101" pitchFamily="49" charset="-127"/>
-              </a:rPr>
-              <a:t>) : </a:t>
-            </a:r>
-            <a:r>
-              <a:rPr lang="ko-KR" altLang="en-US" dirty="0" smtClean="0">
-                <a:latin typeface="굴림체" panose="020B0609000101010101" pitchFamily="49" charset="-127"/>
-                <a:ea typeface="굴림체" panose="020B0609000101010101" pitchFamily="49" charset="-127"/>
-              </a:rPr>
-              <a:t>알고리즘 및 프로젝트 관리</a:t>
-            </a:r>
-            <a:r>
-              <a:rPr lang="en-US" altLang="ko-KR" dirty="0" smtClean="0">
-                <a:latin typeface="굴림체" panose="020B0609000101010101" pitchFamily="49" charset="-127"/>
-                <a:ea typeface="굴림체" panose="020B0609000101010101" pitchFamily="49" charset="-127"/>
-              </a:rPr>
-              <a:t>, UI </a:t>
-            </a:r>
-            <a:r>
-              <a:rPr lang="ko-KR" altLang="en-US" dirty="0" smtClean="0">
-                <a:latin typeface="굴림체" panose="020B0609000101010101" pitchFamily="49" charset="-127"/>
-                <a:ea typeface="굴림체" panose="020B0609000101010101" pitchFamily="49" charset="-127"/>
-              </a:rPr>
-              <a:t>디자인</a:t>
-            </a:r>
-            <a:r>
-              <a:rPr lang="en-US" altLang="ko-KR" dirty="0" smtClean="0">
-                <a:latin typeface="굴림체" panose="020B0609000101010101" pitchFamily="49" charset="-127"/>
-                <a:ea typeface="굴림체" panose="020B0609000101010101" pitchFamily="49" charset="-127"/>
-              </a:rPr>
-              <a:t>,</a:t>
-            </a:r>
-          </a:p>
-          <a:p>
-            <a:r>
-              <a:rPr lang="ko-KR" altLang="en-US" dirty="0" smtClean="0">
-                <a:latin typeface="굴림체" panose="020B0609000101010101" pitchFamily="49" charset="-127"/>
-                <a:ea typeface="굴림체" panose="020B0609000101010101" pitchFamily="49" charset="-127"/>
-              </a:rPr>
-              <a:t>                  </a:t>
-            </a:r>
-            <a:r>
-              <a:rPr lang="en-US" altLang="ko-KR" dirty="0" smtClean="0">
-                <a:latin typeface="굴림체" panose="020B0609000101010101" pitchFamily="49" charset="-127"/>
-                <a:ea typeface="굴림체" panose="020B0609000101010101" pitchFamily="49" charset="-127"/>
-              </a:rPr>
-              <a:t> </a:t>
-            </a:r>
-            <a:endParaRPr lang="ko-KR" altLang="en-US" dirty="0">
-              <a:latin typeface="굴림체" panose="020B0609000101010101" pitchFamily="49" charset="-127"/>
-              <a:ea typeface="굴림체" panose="020B0609000101010101" pitchFamily="49" charset="-127"/>
-            </a:endParaRPr>
-          </a:p>
-        </p:txBody>
-      </p:sp>
-      <p:sp>
-        <p:nvSpPr>
-          <p:cNvPr id="5" name="TextBox 4"/>
-          <p:cNvSpPr txBox="1"/>
-          <p:nvPr/>
-        </p:nvSpPr>
-        <p:spPr>
-          <a:xfrm>
-            <a:off x="827584" y="5517232"/>
-            <a:ext cx="7416824" cy="369332"/>
-          </a:xfrm>
-          <a:prstGeom prst="rect">
-            <a:avLst/>
-          </a:prstGeom>
-          <a:noFill/>
-        </p:spPr>
-        <p:txBody>
-          <a:bodyPr wrap="square" rtlCol="0">
-            <a:spAutoFit/>
-          </a:bodyPr>
-          <a:lstStyle/>
-          <a:p>
-            <a:r>
-              <a:rPr lang="ko-KR" altLang="en-US" dirty="0" smtClean="0">
+              <a:rPr lang="ko-KR" altLang="en-US" dirty="0">
                 <a:latin typeface="굴림체" panose="020B0609000101010101" pitchFamily="49" charset="-127"/>
                 <a:ea typeface="굴림체" panose="020B0609000101010101" pitchFamily="49" charset="-127"/>
               </a:rPr>
               <a:t>팀원들이 모두 다같이 협업하여 프로젝트를 진행하였음</a:t>
             </a:r>
-            <a:endParaRPr lang="ko-KR" altLang="en-US" dirty="0">
-              <a:latin typeface="굴림체" panose="020B0609000101010101" pitchFamily="49" charset="-127"/>
-              <a:ea typeface="굴림체" panose="020B0609000101010101" pitchFamily="49" charset="-127"/>
-            </a:endParaRPr>
           </a:p>
         </p:txBody>
       </p:sp>
@@ -10189,13 +9691,6 @@
   <p:clrMapOvr>
     <a:masterClrMapping/>
   </p:clrMapOvr>
-  <p:timing>
-    <p:tnLst>
-      <p:par>
-        <p:cTn id="1" dur="indefinite" restart="never" nodeType="tmRoot"/>
-      </p:par>
-    </p:tnLst>
-  </p:timing>
 </p:sld>
 </file>
 
@@ -10264,7 +9759,7 @@
             <a:lstStyle/>
             <a:p>
               <a:r>
-                <a:rPr lang="en-US" altLang="ko-KR" sz="30000" dirty="0">
+                <a:rPr lang="en-US" altLang="ko-KR" sz="30000" b="1" dirty="0">
                   <a:solidFill>
                     <a:srgbClr val="E0CFA3"/>
                   </a:solidFill>
@@ -10273,7 +9768,7 @@
                 </a:rPr>
                 <a:t>2</a:t>
               </a:r>
-              <a:endParaRPr lang="ko-KR" altLang="en-US" sz="30000" dirty="0">
+              <a:endParaRPr lang="ko-KR" altLang="en-US" sz="30000" b="1" dirty="0">
                 <a:solidFill>
                   <a:srgbClr val="E0CFA3"/>
                 </a:solidFill>
@@ -10311,7 +9806,7 @@
             <a:lstStyle/>
             <a:p>
               <a:r>
-                <a:rPr lang="en-US" altLang="ko-KR" sz="3600" dirty="0" smtClean="0">
+                <a:rPr lang="en-US" altLang="ko-KR" sz="3600" b="1" dirty="0">
                   <a:solidFill>
                     <a:srgbClr val="E0CFA3"/>
                   </a:solidFill>
@@ -10320,7 +9815,7 @@
                 </a:rPr>
                 <a:t>PART 02</a:t>
               </a:r>
-              <a:endParaRPr lang="ko-KR" altLang="en-US" sz="3600" dirty="0">
+              <a:endParaRPr lang="ko-KR" altLang="en-US" sz="3600" b="1" dirty="0">
                 <a:solidFill>
                   <a:srgbClr val="E0CFA3"/>
                 </a:solidFill>
@@ -10354,7 +9849,7 @@
           <a:lstStyle/>
           <a:p>
             <a:r>
-              <a:rPr lang="en-US" altLang="ko-KR" dirty="0" err="1" smtClean="0">
+              <a:rPr lang="en-US" altLang="ko-KR" b="1" dirty="0" err="1">
                 <a:ln>
                   <a:solidFill>
                     <a:schemeClr val="bg1">
@@ -10370,7 +9865,7 @@
               </a:rPr>
               <a:t>OverView</a:t>
             </a:r>
-            <a:endParaRPr lang="ko-KR" altLang="en-US" dirty="0">
+            <a:endParaRPr lang="ko-KR" altLang="en-US" b="1" dirty="0">
               <a:ln>
                 <a:solidFill>
                   <a:schemeClr val="bg1">
@@ -10392,13 +9887,6 @@
   <p:clrMapOvr>
     <a:masterClrMapping/>
   </p:clrMapOvr>
-  <p:timing>
-    <p:tnLst>
-      <p:par>
-        <p:cTn id="1" dur="indefinite" restart="never" nodeType="tmRoot"/>
-      </p:par>
-    </p:tnLst>
-  </p:timing>
 </p:sld>
 </file>
 
@@ -10442,7 +9930,7 @@
           <a:lstStyle/>
           <a:p>
             <a:r>
-              <a:rPr lang="en-US" altLang="ko-KR" sz="9600" dirty="0" smtClean="0">
+              <a:rPr lang="en-US" altLang="ko-KR" sz="9600" b="1" dirty="0">
                 <a:solidFill>
                   <a:schemeClr val="tx1">
                     <a:lumMod val="85000"/>
@@ -10454,7 +9942,7 @@
               </a:rPr>
               <a:t>02</a:t>
             </a:r>
-            <a:endParaRPr lang="ko-KR" altLang="en-US" sz="9600" dirty="0">
+            <a:endParaRPr lang="ko-KR" altLang="en-US" sz="9600" b="1" dirty="0">
               <a:solidFill>
                 <a:schemeClr val="tx1">
                   <a:lumMod val="85000"/>
@@ -10544,7 +10032,7 @@
           <a:lstStyle/>
           <a:p>
             <a:r>
-              <a:rPr lang="ko-KR" altLang="en-US" dirty="0" err="1">
+              <a:rPr lang="ko-KR" altLang="en-US" b="1" dirty="0" err="1">
                 <a:ln>
                   <a:solidFill>
                     <a:schemeClr val="bg1">
@@ -10564,7 +10052,7 @@
               <a:t>주제선정</a:t>
             </a:r>
             <a:r>
-              <a:rPr lang="ko-KR" altLang="en-US" dirty="0">
+              <a:rPr lang="ko-KR" altLang="en-US" b="1" dirty="0">
                 <a:ln>
                   <a:solidFill>
                     <a:schemeClr val="bg1">
@@ -10581,45 +10069,8 @@
                 <a:latin typeface="굴림체" panose="020B0609000101010101" pitchFamily="49" charset="-127"/>
                 <a:ea typeface="굴림체" panose="020B0609000101010101" pitchFamily="49" charset="-127"/>
               </a:rPr>
-              <a:t> 및 </a:t>
-            </a:r>
-            <a:r>
-              <a:rPr lang="ko-KR" altLang="en-US" dirty="0" smtClean="0">
-                <a:ln>
-                  <a:solidFill>
-                    <a:schemeClr val="bg1">
-                      <a:alpha val="0"/>
-                    </a:schemeClr>
-                  </a:solidFill>
-                </a:ln>
-                <a:solidFill>
-                  <a:schemeClr val="tx1">
-                    <a:lumMod val="85000"/>
-                    <a:lumOff val="15000"/>
-                  </a:schemeClr>
-                </a:solidFill>
-                <a:latin typeface="굴림체" panose="020B0609000101010101" pitchFamily="49" charset="-127"/>
-                <a:ea typeface="굴림체" panose="020B0609000101010101" pitchFamily="49" charset="-127"/>
-              </a:rPr>
-              <a:t>동기</a:t>
-            </a:r>
-            <a:endParaRPr lang="ko-KR" altLang="en-US" dirty="0">
-              <a:ln>
-                <a:solidFill>
-                  <a:schemeClr val="bg1">
-                    <a:alpha val="0"/>
-                  </a:schemeClr>
-                </a:solidFill>
-              </a:ln>
-              <a:solidFill>
-                <a:schemeClr val="tx1">
-                  <a:lumMod val="85000"/>
-                  <a:lumOff val="15000"/>
-                </a:schemeClr>
-              </a:solidFill>
-              <a:latin typeface="굴림체" panose="020B0609000101010101" pitchFamily="49" charset="-127"/>
-              <a:ea typeface="굴림체" panose="020B0609000101010101" pitchFamily="49" charset="-127"/>
-            </a:endParaRPr>
+              <a:t> 및 동기</a:t>
+            </a:r>
           </a:p>
         </p:txBody>
       </p:sp>
@@ -10687,30 +10138,26 @@
           <a:lstStyle/>
           <a:p>
             <a:r>
-              <a:rPr lang="ko-KR" altLang="en-US" dirty="0" smtClean="0">
+              <a:rPr lang="ko-KR" altLang="en-US" dirty="0">
                 <a:latin typeface="굴림체" panose="020B0609000101010101" pitchFamily="49" charset="-127"/>
                 <a:ea typeface="굴림체" panose="020B0609000101010101" pitchFamily="49" charset="-127"/>
               </a:rPr>
               <a:t>초기 </a:t>
             </a:r>
             <a:r>
-              <a:rPr lang="en-US" altLang="ko-KR" dirty="0" smtClean="0">
+              <a:rPr lang="en-US" altLang="ko-KR" dirty="0">
                 <a:latin typeface="굴림체" panose="020B0609000101010101" pitchFamily="49" charset="-127"/>
                 <a:ea typeface="굴림체" panose="020B0609000101010101" pitchFamily="49" charset="-127"/>
               </a:rPr>
               <a:t>Prototype</a:t>
             </a:r>
             <a:r>
-              <a:rPr lang="ko-KR" altLang="en-US" dirty="0" smtClean="0">
+              <a:rPr lang="ko-KR" altLang="en-US" dirty="0">
                 <a:latin typeface="굴림체" panose="020B0609000101010101" pitchFamily="49" charset="-127"/>
                 <a:ea typeface="굴림체" panose="020B0609000101010101" pitchFamily="49" charset="-127"/>
               </a:rPr>
               <a:t>모델</a:t>
             </a:r>
-            <a:endParaRPr lang="ko-KR" altLang="en-US" dirty="0">
-              <a:latin typeface="굴림체" panose="020B0609000101010101" pitchFamily="49" charset="-127"/>
-              <a:ea typeface="굴림체" panose="020B0609000101010101" pitchFamily="49" charset="-127"/>
-            </a:endParaRPr>
           </a:p>
         </p:txBody>
       </p:sp>
@@ -10719,13 +10166,6 @@
   <p:clrMapOvr>
     <a:masterClrMapping/>
   </p:clrMapOvr>
-  <p:timing>
-    <p:tnLst>
-      <p:par>
-        <p:cTn id="1" dur="indefinite" restart="never" nodeType="tmRoot"/>
-      </p:par>
-    </p:tnLst>
-  </p:timing>
 </p:sld>
 </file>
 
@@ -10769,7 +10209,7 @@
           <a:lstStyle/>
           <a:p>
             <a:r>
-              <a:rPr lang="en-US" altLang="ko-KR" sz="9600" dirty="0" smtClean="0">
+              <a:rPr lang="en-US" altLang="ko-KR" sz="9600" b="1" dirty="0">
                 <a:solidFill>
                   <a:schemeClr val="tx1">
                     <a:lumMod val="85000"/>
@@ -10781,7 +10221,7 @@
               </a:rPr>
               <a:t>02</a:t>
             </a:r>
-            <a:endParaRPr lang="ko-KR" altLang="en-US" sz="9600" dirty="0">
+            <a:endParaRPr lang="ko-KR" altLang="en-US" sz="9600" b="1" dirty="0">
               <a:solidFill>
                 <a:schemeClr val="tx1">
                   <a:lumMod val="85000"/>
@@ -10871,7 +10311,7 @@
           <a:lstStyle/>
           <a:p>
             <a:r>
-              <a:rPr lang="ko-KR" altLang="en-US" dirty="0" err="1">
+              <a:rPr lang="ko-KR" altLang="en-US" b="1" dirty="0" err="1">
                 <a:ln>
                   <a:solidFill>
                     <a:schemeClr val="bg1">
@@ -10891,7 +10331,7 @@
               <a:t>주제선정</a:t>
             </a:r>
             <a:r>
-              <a:rPr lang="ko-KR" altLang="en-US" dirty="0">
+              <a:rPr lang="ko-KR" altLang="en-US" b="1" dirty="0">
                 <a:ln>
                   <a:solidFill>
                     <a:schemeClr val="bg1">
@@ -10908,45 +10348,8 @@
                 <a:latin typeface="굴림체" panose="020B0609000101010101" pitchFamily="49" charset="-127"/>
                 <a:ea typeface="굴림체" panose="020B0609000101010101" pitchFamily="49" charset="-127"/>
               </a:rPr>
-              <a:t> 및 </a:t>
-            </a:r>
-            <a:r>
-              <a:rPr lang="ko-KR" altLang="en-US" dirty="0" smtClean="0">
-                <a:ln>
-                  <a:solidFill>
-                    <a:schemeClr val="bg1">
-                      <a:alpha val="0"/>
-                    </a:schemeClr>
-                  </a:solidFill>
-                </a:ln>
-                <a:solidFill>
-                  <a:schemeClr val="tx1">
-                    <a:lumMod val="85000"/>
-                    <a:lumOff val="15000"/>
-                  </a:schemeClr>
-                </a:solidFill>
-                <a:latin typeface="굴림체" panose="020B0609000101010101" pitchFamily="49" charset="-127"/>
-                <a:ea typeface="굴림체" panose="020B0609000101010101" pitchFamily="49" charset="-127"/>
-              </a:rPr>
-              <a:t>동기</a:t>
-            </a:r>
-            <a:endParaRPr lang="ko-KR" altLang="en-US" dirty="0">
-              <a:ln>
-                <a:solidFill>
-                  <a:schemeClr val="bg1">
-                    <a:alpha val="0"/>
-                  </a:schemeClr>
-                </a:solidFill>
-              </a:ln>
-              <a:solidFill>
-                <a:schemeClr val="tx1">
-                  <a:lumMod val="85000"/>
-                  <a:lumOff val="15000"/>
-                </a:schemeClr>
-              </a:solidFill>
-              <a:latin typeface="굴림체" panose="020B0609000101010101" pitchFamily="49" charset="-127"/>
-              <a:ea typeface="굴림체" panose="020B0609000101010101" pitchFamily="49" charset="-127"/>
-            </a:endParaRPr>
+              <a:t> 및 동기</a:t>
+            </a:r>
           </a:p>
         </p:txBody>
       </p:sp>
@@ -11016,7 +10419,7 @@
           <a:lstStyle/>
           <a:p>
             <a:r>
-              <a:rPr lang="en-US" altLang="ko-KR" sz="2400" dirty="0" smtClean="0">
+              <a:rPr lang="en-US" altLang="ko-KR" sz="2400" dirty="0">
                 <a:latin typeface="굴림체" panose="020B0609000101010101" pitchFamily="49" charset="-127"/>
                 <a:ea typeface="굴림체" panose="020B0609000101010101" pitchFamily="49" charset="-127"/>
               </a:rPr>
@@ -11025,7 +10428,7 @@
           </a:p>
           <a:p>
             <a:r>
-              <a:rPr lang="en-US" altLang="ko-KR" sz="2400" dirty="0" smtClean="0">
+              <a:rPr lang="en-US" altLang="ko-KR" sz="2400" dirty="0">
                 <a:latin typeface="굴림체" panose="020B0609000101010101" pitchFamily="49" charset="-127"/>
                 <a:ea typeface="굴림체" panose="020B0609000101010101" pitchFamily="49" charset="-127"/>
               </a:rPr>
@@ -11170,7 +10573,7 @@
           <a:lstStyle/>
           <a:p>
             <a:r>
-              <a:rPr lang="en-US" altLang="ko-KR" sz="1200" dirty="0" smtClean="0">
+              <a:rPr lang="en-US" altLang="ko-KR" sz="1200" dirty="0">
                 <a:latin typeface="굴림체" panose="020B0609000101010101" pitchFamily="49" charset="-127"/>
                 <a:ea typeface="굴림체" panose="020B0609000101010101" pitchFamily="49" charset="-127"/>
               </a:rPr>
@@ -11282,7 +10685,7 @@
           <a:lstStyle/>
           <a:p>
             <a:r>
-              <a:rPr lang="en-US" altLang="ko-KR" sz="1200" dirty="0" smtClean="0">
+              <a:rPr lang="en-US" altLang="ko-KR" sz="1200" dirty="0">
                 <a:latin typeface="굴림체" panose="020B0609000101010101" pitchFamily="49" charset="-127"/>
                 <a:ea typeface="굴림체" panose="020B0609000101010101" pitchFamily="49" charset="-127"/>
               </a:rPr>
@@ -11361,14 +10764,14 @@
           <a:lstStyle/>
           <a:p>
             <a:r>
-              <a:rPr lang="en-US" altLang="ko-KR" dirty="0" err="1" smtClean="0">
+              <a:rPr lang="en-US" altLang="ko-KR" dirty="0" err="1">
                 <a:latin typeface="굴림체" panose="020B0609000101010101" pitchFamily="49" charset="-127"/>
                 <a:ea typeface="굴림체" panose="020B0609000101010101" pitchFamily="49" charset="-127"/>
               </a:rPr>
               <a:t>zXing</a:t>
             </a:r>
             <a:r>
-              <a:rPr lang="en-US" altLang="ko-KR" dirty="0" smtClean="0">
+              <a:rPr lang="en-US" altLang="ko-KR" dirty="0">
                 <a:latin typeface="굴림체" panose="020B0609000101010101" pitchFamily="49" charset="-127"/>
                 <a:ea typeface="굴림체" panose="020B0609000101010101" pitchFamily="49" charset="-127"/>
               </a:rPr>
@@ -11376,21 +10779,21 @@
             </a:r>
           </a:p>
           <a:p>
-            <a:endParaRPr lang="en-US" altLang="ko-KR" dirty="0" smtClean="0">
+            <a:endParaRPr lang="en-US" altLang="ko-KR" dirty="0">
               <a:latin typeface="굴림체" panose="020B0609000101010101" pitchFamily="49" charset="-127"/>
               <a:ea typeface="굴림체" panose="020B0609000101010101" pitchFamily="49" charset="-127"/>
             </a:endParaRPr>
           </a:p>
           <a:p>
             <a:r>
-              <a:rPr lang="en-US" altLang="ko-KR" dirty="0" smtClean="0">
+              <a:rPr lang="en-US" altLang="ko-KR" dirty="0">
                 <a:latin typeface="굴림체" panose="020B0609000101010101" pitchFamily="49" charset="-127"/>
                 <a:ea typeface="굴림체" panose="020B0609000101010101" pitchFamily="49" charset="-127"/>
               </a:rPr>
               <a:t>Open </a:t>
             </a:r>
             <a:r>
-              <a:rPr lang="en-US" altLang="ko-KR" dirty="0" err="1" smtClean="0">
+              <a:rPr lang="en-US" altLang="ko-KR" dirty="0" err="1">
                 <a:latin typeface="굴림체" panose="020B0609000101010101" pitchFamily="49" charset="-127"/>
                 <a:ea typeface="굴림체" panose="020B0609000101010101" pitchFamily="49" charset="-127"/>
               </a:rPr>
@@ -11502,7 +10905,7 @@
           <a:lstStyle/>
           <a:p>
             <a:r>
-              <a:rPr lang="en-US" altLang="ko-KR" dirty="0" smtClean="0">
+              <a:rPr lang="en-US" altLang="ko-KR" dirty="0">
                 <a:latin typeface="굴림체" panose="020B0609000101010101" pitchFamily="49" charset="-127"/>
                 <a:ea typeface="굴림체" panose="020B0609000101010101" pitchFamily="49" charset="-127"/>
               </a:rPr>
@@ -11581,7 +10984,7 @@
           <a:lstStyle/>
           <a:p>
             <a:r>
-              <a:rPr lang="en-US" altLang="ko-KR" dirty="0" smtClean="0">
+              <a:rPr lang="en-US" altLang="ko-KR" dirty="0">
                 <a:latin typeface="굴림체" panose="020B0609000101010101" pitchFamily="49" charset="-127"/>
                 <a:ea typeface="굴림체" panose="020B0609000101010101" pitchFamily="49" charset="-127"/>
               </a:rPr>
@@ -11617,7 +11020,7 @@
           <a:lstStyle/>
           <a:p>
             <a:r>
-              <a:rPr lang="en-US" altLang="ko-KR" sz="900" dirty="0" smtClean="0">
+              <a:rPr lang="en-US" altLang="ko-KR" sz="900" dirty="0">
                 <a:latin typeface="굴림체" panose="020B0609000101010101" pitchFamily="49" charset="-127"/>
                 <a:ea typeface="굴림체" panose="020B0609000101010101" pitchFamily="49" charset="-127"/>
               </a:rPr>
@@ -11826,7 +11229,7 @@
           <a:lstStyle/>
           <a:p>
             <a:r>
-              <a:rPr lang="en-US" altLang="ko-KR" sz="1000" dirty="0" smtClean="0">
+              <a:rPr lang="en-US" altLang="ko-KR" sz="1000" dirty="0">
                 <a:latin typeface="굴림체" panose="020B0609000101010101" pitchFamily="49" charset="-127"/>
                 <a:ea typeface="굴림체" panose="020B0609000101010101" pitchFamily="49" charset="-127"/>
               </a:rPr>
@@ -11835,7 +11238,7 @@
           </a:p>
           <a:p>
             <a:r>
-              <a:rPr lang="en-US" altLang="ko-KR" sz="1000" dirty="0" smtClean="0">
+              <a:rPr lang="en-US" altLang="ko-KR" sz="1000" dirty="0">
                 <a:latin typeface="굴림체" panose="020B0609000101010101" pitchFamily="49" charset="-127"/>
                 <a:ea typeface="굴림체" panose="020B0609000101010101" pitchFamily="49" charset="-127"/>
               </a:rPr>
@@ -11982,19 +11385,12 @@
                 <a:latin typeface="굴림체" panose="020B0609000101010101" pitchFamily="49" charset="-127"/>
                 <a:ea typeface="굴림체" panose="020B0609000101010101" pitchFamily="49" charset="-127"/>
               </a:rPr>
-              <a:t>Expiration Date </a:t>
-            </a:r>
-            <a:r>
-              <a:rPr lang="en-US" altLang="ko-KR" sz="1000" dirty="0" smtClean="0">
-                <a:latin typeface="굴림체" panose="020B0609000101010101" pitchFamily="49" charset="-127"/>
-                <a:ea typeface="굴림체" panose="020B0609000101010101" pitchFamily="49" charset="-127"/>
-              </a:rPr>
-              <a:t>Management</a:t>
-            </a:r>
-          </a:p>
-          <a:p>
-            <a:r>
-              <a:rPr lang="en-US" altLang="ko-KR" sz="1000" dirty="0" smtClean="0">
+              <a:t>Expiration Date Management</a:t>
+            </a:r>
+          </a:p>
+          <a:p>
+            <a:r>
+              <a:rPr lang="en-US" altLang="ko-KR" sz="1000" dirty="0">
                 <a:latin typeface="굴림체" panose="020B0609000101010101" pitchFamily="49" charset="-127"/>
                 <a:ea typeface="굴림체" panose="020B0609000101010101" pitchFamily="49" charset="-127"/>
               </a:rPr>
@@ -12017,13 +11413,6 @@
   <p:clrMapOvr>
     <a:masterClrMapping/>
   </p:clrMapOvr>
-  <p:timing>
-    <p:tnLst>
-      <p:par>
-        <p:cTn id="1" dur="indefinite" restart="never" nodeType="tmRoot"/>
-      </p:par>
-    </p:tnLst>
-  </p:timing>
 </p:sld>
 </file>
 

--- a/오픈소스최종발표자료v6.pptx
+++ b/오픈소스최종발표자료v6.pptx
@@ -9220,7 +9220,7 @@
         <p:spPr>
           <a:xfrm>
             <a:off x="1321346" y="4425503"/>
-            <a:ext cx="7211094" cy="923330"/>
+            <a:ext cx="7211094" cy="646331"/>
           </a:xfrm>
           <a:prstGeom prst="rect">
             <a:avLst/>
@@ -9296,12 +9296,6 @@
               </a:rPr>
               <a:t>제작 </a:t>
             </a:r>
-            <a:endParaRPr lang="en-US" altLang="ko-KR" dirty="0">
-              <a:latin typeface="굴림체" panose="020B0609000101010101" pitchFamily="49" charset="-127"/>
-              <a:ea typeface="굴림체" panose="020B0609000101010101" pitchFamily="49" charset="-127"/>
-            </a:endParaRPr>
-          </a:p>
-          <a:p>
             <a:r>
               <a:rPr lang="en-US" altLang="ko-KR" dirty="0">
                 <a:latin typeface="굴림체" panose="020B0609000101010101" pitchFamily="49" charset="-127"/>
@@ -9603,7 +9597,7 @@
                 <a:latin typeface="굴림체" panose="020B0609000101010101" pitchFamily="49" charset="-127"/>
                 <a:ea typeface="굴림체" panose="020B0609000101010101" pitchFamily="49" charset="-127"/>
               </a:rPr>
-              <a:t>알고리즘 및 프로젝트 관리</a:t>
+              <a:t>프로젝트 관리 및 알고리즘 작성</a:t>
             </a:r>
             <a:r>
               <a:rPr lang="en-US" altLang="ko-KR" dirty="0">
@@ -9633,19 +9627,8 @@
                 <a:latin typeface="굴림체" panose="020B0609000101010101" pitchFamily="49" charset="-127"/>
                 <a:ea typeface="굴림체" panose="020B0609000101010101" pitchFamily="49" charset="-127"/>
               </a:rPr>
-              <a:t>                  </a:t>
-            </a:r>
-            <a:r>
-              <a:rPr lang="en-US" altLang="ko-KR" dirty="0">
-                <a:latin typeface="굴림체" panose="020B0609000101010101" pitchFamily="49" charset="-127"/>
-                <a:ea typeface="굴림체" panose="020B0609000101010101" pitchFamily="49" charset="-127"/>
-              </a:rPr>
-              <a:t> </a:t>
-            </a:r>
-            <a:endParaRPr lang="ko-KR" altLang="en-US" dirty="0">
-              <a:latin typeface="굴림체" panose="020B0609000101010101" pitchFamily="49" charset="-127"/>
-              <a:ea typeface="굴림체" panose="020B0609000101010101" pitchFamily="49" charset="-127"/>
-            </a:endParaRPr>
+              <a:t>               </a:t>
+            </a:r>
           </a:p>
         </p:txBody>
       </p:sp>

--- a/오픈소스최종발표자료v6.pptx
+++ b/오픈소스최종발표자료v6.pptx
@@ -6599,7 +6599,7 @@
       </p:sp>
       <p:pic>
         <p:nvPicPr>
-          <p:cNvPr id="2" name="그림 1"/>
+          <p:cNvPr id="5" name="그림 4"/>
           <p:cNvPicPr>
             <a:picLocks noChangeAspect="1"/>
           </p:cNvPicPr>
@@ -6613,8 +6613,8 @@
         </p:blipFill>
         <p:spPr>
           <a:xfrm>
-            <a:off x="611560" y="1988302"/>
-            <a:ext cx="4316255" cy="3009220"/>
+            <a:off x="581618" y="1602635"/>
+            <a:ext cx="4566446" cy="3447325"/>
           </a:xfrm>
           <a:prstGeom prst="rect">
             <a:avLst/>
@@ -9551,7 +9551,7 @@
         <p:spPr>
           <a:xfrm>
             <a:off x="1350318" y="3780119"/>
-            <a:ext cx="7414796" cy="646331"/>
+            <a:ext cx="7414796" cy="923330"/>
           </a:xfrm>
           <a:prstGeom prst="rect">
             <a:avLst/>
@@ -9620,6 +9620,40 @@
               </a:rPr>
               <a:t>,</a:t>
             </a:r>
+          </a:p>
+          <a:p>
+            <a:r>
+              <a:rPr lang="en-US" altLang="ko-KR" dirty="0">
+                <a:latin typeface="굴림체" panose="020B0609000101010101" pitchFamily="49" charset="-127"/>
+                <a:ea typeface="굴림체" panose="020B0609000101010101" pitchFamily="49" charset="-127"/>
+              </a:rPr>
+              <a:t>	       </a:t>
+            </a:r>
+            <a:r>
+              <a:rPr lang="ko-KR" altLang="en-US" dirty="0">
+                <a:latin typeface="굴림체" panose="020B0609000101010101" pitchFamily="49" charset="-127"/>
+                <a:ea typeface="굴림체" panose="020B0609000101010101" pitchFamily="49" charset="-127"/>
+              </a:rPr>
+              <a:t>서버와 </a:t>
+            </a:r>
+            <a:r>
+              <a:rPr lang="en-US" altLang="ko-KR" dirty="0">
+                <a:latin typeface="굴림체" panose="020B0609000101010101" pitchFamily="49" charset="-127"/>
+                <a:ea typeface="굴림체" panose="020B0609000101010101" pitchFamily="49" charset="-127"/>
+              </a:rPr>
+              <a:t>Android App </a:t>
+            </a:r>
+            <a:r>
+              <a:rPr lang="ko-KR" altLang="en-US">
+                <a:latin typeface="굴림체" panose="020B0609000101010101" pitchFamily="49" charset="-127"/>
+                <a:ea typeface="굴림체" panose="020B0609000101010101" pitchFamily="49" charset="-127"/>
+              </a:rPr>
+              <a:t>제작</a:t>
+            </a:r>
+            <a:endParaRPr lang="en-US" altLang="ko-KR" dirty="0">
+              <a:latin typeface="굴림체" panose="020B0609000101010101" pitchFamily="49" charset="-127"/>
+              <a:ea typeface="굴림체" panose="020B0609000101010101" pitchFamily="49" charset="-127"/>
+            </a:endParaRPr>
           </a:p>
           <a:p>
             <a:r>
